--- a/docs/gilliland_credible_takehome.pptx
+++ b/docs/gilliland_credible_takehome.pptx
@@ -4,6 +4,9 @@
   <p:sldMasterIdLst>
     <p:sldMasterId id="2147483648" r:id="rId1"/>
   </p:sldMasterIdLst>
+  <p:notesMasterIdLst>
+    <p:notesMasterId r:id="rId34"/>
+  </p:notesMasterIdLst>
   <p:sldIdLst>
     <p:sldId id="256" r:id="rId2"/>
     <p:sldId id="257" r:id="rId3"/>
@@ -20,22 +23,22 @@
     <p:sldId id="268" r:id="rId14"/>
     <p:sldId id="269" r:id="rId15"/>
     <p:sldId id="270" r:id="rId16"/>
-    <p:sldId id="288" r:id="rId17"/>
-    <p:sldId id="271" r:id="rId18"/>
-    <p:sldId id="272" r:id="rId19"/>
-    <p:sldId id="275" r:id="rId20"/>
-    <p:sldId id="273" r:id="rId21"/>
-    <p:sldId id="278" r:id="rId22"/>
-    <p:sldId id="274" r:id="rId23"/>
-    <p:sldId id="279" r:id="rId24"/>
-    <p:sldId id="281" r:id="rId25"/>
-    <p:sldId id="282" r:id="rId26"/>
-    <p:sldId id="277" r:id="rId27"/>
-    <p:sldId id="284" r:id="rId28"/>
-    <p:sldId id="280" r:id="rId29"/>
-    <p:sldId id="283" r:id="rId30"/>
-    <p:sldId id="285" r:id="rId31"/>
-    <p:sldId id="287" r:id="rId32"/>
+    <p:sldId id="289" r:id="rId17"/>
+    <p:sldId id="288" r:id="rId18"/>
+    <p:sldId id="271" r:id="rId19"/>
+    <p:sldId id="272" r:id="rId20"/>
+    <p:sldId id="275" r:id="rId21"/>
+    <p:sldId id="273" r:id="rId22"/>
+    <p:sldId id="278" r:id="rId23"/>
+    <p:sldId id="284" r:id="rId24"/>
+    <p:sldId id="274" r:id="rId25"/>
+    <p:sldId id="280" r:id="rId26"/>
+    <p:sldId id="279" r:id="rId27"/>
+    <p:sldId id="281" r:id="rId28"/>
+    <p:sldId id="282" r:id="rId29"/>
+    <p:sldId id="277" r:id="rId30"/>
+    <p:sldId id="283" r:id="rId31"/>
+    <p:sldId id="285" r:id="rId32"/>
     <p:sldId id="286" r:id="rId33"/>
   </p:sldIdLst>
   <p:sldSz cx="12192000" cy="6858000"/>
@@ -136,6 +139,2319 @@
     </a:lvl9pPr>
   </p:defaultTextStyle>
 </p:presentation>
+</file>
+
+<file path=ppt/notesMasters/notesMaster1.xml><?xml version="1.0" encoding="utf-8"?>
+<p:notesMaster xmlns:a="http://schemas.openxmlformats.org/drawingml/2006/main" xmlns:r="http://schemas.openxmlformats.org/officeDocument/2006/relationships" xmlns:p="http://schemas.openxmlformats.org/presentationml/2006/main">
+  <p:cSld>
+    <p:bg>
+      <p:bgRef idx="1001">
+        <a:schemeClr val="bg1"/>
+      </p:bgRef>
+    </p:bg>
+    <p:spTree>
+      <p:nvGrpSpPr>
+        <p:cNvPr id="1" name=""/>
+        <p:cNvGrpSpPr/>
+        <p:nvPr/>
+      </p:nvGrpSpPr>
+      <p:grpSpPr>
+        <a:xfrm>
+          <a:off x="0" y="0"/>
+          <a:ext cx="0" cy="0"/>
+          <a:chOff x="0" y="0"/>
+          <a:chExt cx="0" cy="0"/>
+        </a:xfrm>
+      </p:grpSpPr>
+      <p:sp>
+        <p:nvSpPr>
+          <p:cNvPr id="2" name="Header Placeholder 1"/>
+          <p:cNvSpPr>
+            <a:spLocks noGrp="1"/>
+          </p:cNvSpPr>
+          <p:nvPr>
+            <p:ph type="hdr" sz="quarter"/>
+          </p:nvPr>
+        </p:nvSpPr>
+        <p:spPr>
+          <a:xfrm>
+            <a:off x="0" y="0"/>
+            <a:ext cx="2971800" cy="458788"/>
+          </a:xfrm>
+          <a:prstGeom prst="rect">
+            <a:avLst/>
+          </a:prstGeom>
+        </p:spPr>
+        <p:txBody>
+          <a:bodyPr vert="horz" lIns="91440" tIns="45720" rIns="91440" bIns="45720" rtlCol="0"/>
+          <a:lstStyle>
+            <a:lvl1pPr algn="l">
+              <a:defRPr sz="1200"/>
+            </a:lvl1pPr>
+          </a:lstStyle>
+          <a:p>
+            <a:endParaRPr lang="en-US"/>
+          </a:p>
+        </p:txBody>
+      </p:sp>
+      <p:sp>
+        <p:nvSpPr>
+          <p:cNvPr id="3" name="Date Placeholder 2"/>
+          <p:cNvSpPr>
+            <a:spLocks noGrp="1"/>
+          </p:cNvSpPr>
+          <p:nvPr>
+            <p:ph type="dt" idx="1"/>
+          </p:nvPr>
+        </p:nvSpPr>
+        <p:spPr>
+          <a:xfrm>
+            <a:off x="3884613" y="0"/>
+            <a:ext cx="2971800" cy="458788"/>
+          </a:xfrm>
+          <a:prstGeom prst="rect">
+            <a:avLst/>
+          </a:prstGeom>
+        </p:spPr>
+        <p:txBody>
+          <a:bodyPr vert="horz" lIns="91440" tIns="45720" rIns="91440" bIns="45720" rtlCol="0"/>
+          <a:lstStyle>
+            <a:lvl1pPr algn="r">
+              <a:defRPr sz="1200"/>
+            </a:lvl1pPr>
+          </a:lstStyle>
+          <a:p>
+            <a:fld id="{60631B33-455D-D048-8BC7-F567AA703FF5}" type="datetimeFigureOut">
+              <a:rPr lang="en-US" smtClean="0"/>
+              <a:t>3/12/25</a:t>
+            </a:fld>
+            <a:endParaRPr lang="en-US"/>
+          </a:p>
+        </p:txBody>
+      </p:sp>
+      <p:sp>
+        <p:nvSpPr>
+          <p:cNvPr id="4" name="Slide Image Placeholder 3"/>
+          <p:cNvSpPr>
+            <a:spLocks noGrp="1" noRot="1" noChangeAspect="1"/>
+          </p:cNvSpPr>
+          <p:nvPr>
+            <p:ph type="sldImg" idx="2"/>
+          </p:nvPr>
+        </p:nvSpPr>
+        <p:spPr>
+          <a:xfrm>
+            <a:off x="685800" y="1143000"/>
+            <a:ext cx="5486400" cy="3086100"/>
+          </a:xfrm>
+          <a:prstGeom prst="rect">
+            <a:avLst/>
+          </a:prstGeom>
+          <a:noFill/>
+          <a:ln w="12700">
+            <a:solidFill>
+              <a:prstClr val="black"/>
+            </a:solidFill>
+          </a:ln>
+        </p:spPr>
+        <p:txBody>
+          <a:bodyPr vert="horz" lIns="91440" tIns="45720" rIns="91440" bIns="45720" rtlCol="0" anchor="ctr"/>
+          <a:lstStyle/>
+          <a:p>
+            <a:endParaRPr lang="en-US"/>
+          </a:p>
+        </p:txBody>
+      </p:sp>
+      <p:sp>
+        <p:nvSpPr>
+          <p:cNvPr id="5" name="Notes Placeholder 4"/>
+          <p:cNvSpPr>
+            <a:spLocks noGrp="1"/>
+          </p:cNvSpPr>
+          <p:nvPr>
+            <p:ph type="body" sz="quarter" idx="3"/>
+          </p:nvPr>
+        </p:nvSpPr>
+        <p:spPr>
+          <a:xfrm>
+            <a:off x="685800" y="4400550"/>
+            <a:ext cx="5486400" cy="3600450"/>
+          </a:xfrm>
+          <a:prstGeom prst="rect">
+            <a:avLst/>
+          </a:prstGeom>
+        </p:spPr>
+        <p:txBody>
+          <a:bodyPr vert="horz" lIns="91440" tIns="45720" rIns="91440" bIns="45720" rtlCol="0"/>
+          <a:lstStyle/>
+          <a:p>
+            <a:pPr lvl="0"/>
+            <a:r>
+              <a:rPr lang="en-US"/>
+              <a:t>Click to edit Master text styles</a:t>
+            </a:r>
+          </a:p>
+          <a:p>
+            <a:pPr lvl="1"/>
+            <a:r>
+              <a:rPr lang="en-US"/>
+              <a:t>Second level</a:t>
+            </a:r>
+          </a:p>
+          <a:p>
+            <a:pPr lvl="2"/>
+            <a:r>
+              <a:rPr lang="en-US"/>
+              <a:t>Third level</a:t>
+            </a:r>
+          </a:p>
+          <a:p>
+            <a:pPr lvl="3"/>
+            <a:r>
+              <a:rPr lang="en-US"/>
+              <a:t>Fourth level</a:t>
+            </a:r>
+          </a:p>
+          <a:p>
+            <a:pPr lvl="4"/>
+            <a:r>
+              <a:rPr lang="en-US"/>
+              <a:t>Fifth level</a:t>
+            </a:r>
+          </a:p>
+        </p:txBody>
+      </p:sp>
+      <p:sp>
+        <p:nvSpPr>
+          <p:cNvPr id="6" name="Footer Placeholder 5"/>
+          <p:cNvSpPr>
+            <a:spLocks noGrp="1"/>
+          </p:cNvSpPr>
+          <p:nvPr>
+            <p:ph type="ftr" sz="quarter" idx="4"/>
+          </p:nvPr>
+        </p:nvSpPr>
+        <p:spPr>
+          <a:xfrm>
+            <a:off x="0" y="8685213"/>
+            <a:ext cx="2971800" cy="458787"/>
+          </a:xfrm>
+          <a:prstGeom prst="rect">
+            <a:avLst/>
+          </a:prstGeom>
+        </p:spPr>
+        <p:txBody>
+          <a:bodyPr vert="horz" lIns="91440" tIns="45720" rIns="91440" bIns="45720" rtlCol="0" anchor="b"/>
+          <a:lstStyle>
+            <a:lvl1pPr algn="l">
+              <a:defRPr sz="1200"/>
+            </a:lvl1pPr>
+          </a:lstStyle>
+          <a:p>
+            <a:endParaRPr lang="en-US"/>
+          </a:p>
+        </p:txBody>
+      </p:sp>
+      <p:sp>
+        <p:nvSpPr>
+          <p:cNvPr id="7" name="Slide Number Placeholder 6"/>
+          <p:cNvSpPr>
+            <a:spLocks noGrp="1"/>
+          </p:cNvSpPr>
+          <p:nvPr>
+            <p:ph type="sldNum" sz="quarter" idx="5"/>
+          </p:nvPr>
+        </p:nvSpPr>
+        <p:spPr>
+          <a:xfrm>
+            <a:off x="3884613" y="8685213"/>
+            <a:ext cx="2971800" cy="458787"/>
+          </a:xfrm>
+          <a:prstGeom prst="rect">
+            <a:avLst/>
+          </a:prstGeom>
+        </p:spPr>
+        <p:txBody>
+          <a:bodyPr vert="horz" lIns="91440" tIns="45720" rIns="91440" bIns="45720" rtlCol="0" anchor="b"/>
+          <a:lstStyle>
+            <a:lvl1pPr algn="r">
+              <a:defRPr sz="1200"/>
+            </a:lvl1pPr>
+          </a:lstStyle>
+          <a:p>
+            <a:fld id="{3EAAF15A-54DC-8443-B25D-67E754D52BC9}" type="slidenum">
+              <a:rPr lang="en-US" smtClean="0"/>
+              <a:t>‹#›</a:t>
+            </a:fld>
+            <a:endParaRPr lang="en-US"/>
+          </a:p>
+        </p:txBody>
+      </p:sp>
+    </p:spTree>
+    <p:extLst>
+      <p:ext uri="{BB962C8B-B14F-4D97-AF65-F5344CB8AC3E}">
+        <p14:creationId xmlns:p14="http://schemas.microsoft.com/office/powerpoint/2010/main" val="1957377353"/>
+      </p:ext>
+    </p:extLst>
+  </p:cSld>
+  <p:clrMap bg1="lt1" tx1="dk1" bg2="lt2" tx2="dk2" accent1="accent1" accent2="accent2" accent3="accent3" accent4="accent4" accent5="accent5" accent6="accent6" hlink="hlink" folHlink="folHlink"/>
+  <p:notesStyle>
+    <a:lvl1pPr marL="0" algn="l" defTabSz="914400" rtl="0" eaLnBrk="1" latinLnBrk="0" hangingPunct="1">
+      <a:defRPr sz="1200" kern="1200">
+        <a:solidFill>
+          <a:schemeClr val="tx1"/>
+        </a:solidFill>
+        <a:latin typeface="+mn-lt"/>
+        <a:ea typeface="+mn-ea"/>
+        <a:cs typeface="+mn-cs"/>
+      </a:defRPr>
+    </a:lvl1pPr>
+    <a:lvl2pPr marL="457200" algn="l" defTabSz="914400" rtl="0" eaLnBrk="1" latinLnBrk="0" hangingPunct="1">
+      <a:defRPr sz="1200" kern="1200">
+        <a:solidFill>
+          <a:schemeClr val="tx1"/>
+        </a:solidFill>
+        <a:latin typeface="+mn-lt"/>
+        <a:ea typeface="+mn-ea"/>
+        <a:cs typeface="+mn-cs"/>
+      </a:defRPr>
+    </a:lvl2pPr>
+    <a:lvl3pPr marL="914400" algn="l" defTabSz="914400" rtl="0" eaLnBrk="1" latinLnBrk="0" hangingPunct="1">
+      <a:defRPr sz="1200" kern="1200">
+        <a:solidFill>
+          <a:schemeClr val="tx1"/>
+        </a:solidFill>
+        <a:latin typeface="+mn-lt"/>
+        <a:ea typeface="+mn-ea"/>
+        <a:cs typeface="+mn-cs"/>
+      </a:defRPr>
+    </a:lvl3pPr>
+    <a:lvl4pPr marL="1371600" algn="l" defTabSz="914400" rtl="0" eaLnBrk="1" latinLnBrk="0" hangingPunct="1">
+      <a:defRPr sz="1200" kern="1200">
+        <a:solidFill>
+          <a:schemeClr val="tx1"/>
+        </a:solidFill>
+        <a:latin typeface="+mn-lt"/>
+        <a:ea typeface="+mn-ea"/>
+        <a:cs typeface="+mn-cs"/>
+      </a:defRPr>
+    </a:lvl4pPr>
+    <a:lvl5pPr marL="1828800" algn="l" defTabSz="914400" rtl="0" eaLnBrk="1" latinLnBrk="0" hangingPunct="1">
+      <a:defRPr sz="1200" kern="1200">
+        <a:solidFill>
+          <a:schemeClr val="tx1"/>
+        </a:solidFill>
+        <a:latin typeface="+mn-lt"/>
+        <a:ea typeface="+mn-ea"/>
+        <a:cs typeface="+mn-cs"/>
+      </a:defRPr>
+    </a:lvl5pPr>
+    <a:lvl6pPr marL="2286000" algn="l" defTabSz="914400" rtl="0" eaLnBrk="1" latinLnBrk="0" hangingPunct="1">
+      <a:defRPr sz="1200" kern="1200">
+        <a:solidFill>
+          <a:schemeClr val="tx1"/>
+        </a:solidFill>
+        <a:latin typeface="+mn-lt"/>
+        <a:ea typeface="+mn-ea"/>
+        <a:cs typeface="+mn-cs"/>
+      </a:defRPr>
+    </a:lvl6pPr>
+    <a:lvl7pPr marL="2743200" algn="l" defTabSz="914400" rtl="0" eaLnBrk="1" latinLnBrk="0" hangingPunct="1">
+      <a:defRPr sz="1200" kern="1200">
+        <a:solidFill>
+          <a:schemeClr val="tx1"/>
+        </a:solidFill>
+        <a:latin typeface="+mn-lt"/>
+        <a:ea typeface="+mn-ea"/>
+        <a:cs typeface="+mn-cs"/>
+      </a:defRPr>
+    </a:lvl7pPr>
+    <a:lvl8pPr marL="3200400" algn="l" defTabSz="914400" rtl="0" eaLnBrk="1" latinLnBrk="0" hangingPunct="1">
+      <a:defRPr sz="1200" kern="1200">
+        <a:solidFill>
+          <a:schemeClr val="tx1"/>
+        </a:solidFill>
+        <a:latin typeface="+mn-lt"/>
+        <a:ea typeface="+mn-ea"/>
+        <a:cs typeface="+mn-cs"/>
+      </a:defRPr>
+    </a:lvl8pPr>
+    <a:lvl9pPr marL="3657600" algn="l" defTabSz="914400" rtl="0" eaLnBrk="1" latinLnBrk="0" hangingPunct="1">
+      <a:defRPr sz="1200" kern="1200">
+        <a:solidFill>
+          <a:schemeClr val="tx1"/>
+        </a:solidFill>
+        <a:latin typeface="+mn-lt"/>
+        <a:ea typeface="+mn-ea"/>
+        <a:cs typeface="+mn-cs"/>
+      </a:defRPr>
+    </a:lvl9pPr>
+  </p:notesStyle>
+</p:notesMaster>
+</file>
+
+<file path=ppt/notesSlides/notesSlide1.xml><?xml version="1.0" encoding="utf-8"?>
+<p:notes xmlns:a="http://schemas.openxmlformats.org/drawingml/2006/main" xmlns:r="http://schemas.openxmlformats.org/officeDocument/2006/relationships" xmlns:p="http://schemas.openxmlformats.org/presentationml/2006/main">
+  <p:cSld>
+    <p:spTree>
+      <p:nvGrpSpPr>
+        <p:cNvPr id="1" name=""/>
+        <p:cNvGrpSpPr/>
+        <p:nvPr/>
+      </p:nvGrpSpPr>
+      <p:grpSpPr>
+        <a:xfrm>
+          <a:off x="0" y="0"/>
+          <a:ext cx="0" cy="0"/>
+          <a:chOff x="0" y="0"/>
+          <a:chExt cx="0" cy="0"/>
+        </a:xfrm>
+      </p:grpSpPr>
+      <p:sp>
+        <p:nvSpPr>
+          <p:cNvPr id="2" name="Slide Image Placeholder 1"/>
+          <p:cNvSpPr>
+            <a:spLocks noGrp="1" noRot="1" noChangeAspect="1"/>
+          </p:cNvSpPr>
+          <p:nvPr>
+            <p:ph type="sldImg"/>
+          </p:nvPr>
+        </p:nvSpPr>
+        <p:spPr/>
+      </p:sp>
+      <p:sp>
+        <p:nvSpPr>
+          <p:cNvPr id="3" name="Notes Placeholder 2"/>
+          <p:cNvSpPr>
+            <a:spLocks noGrp="1"/>
+          </p:cNvSpPr>
+          <p:nvPr>
+            <p:ph type="body" idx="1"/>
+          </p:nvPr>
+        </p:nvSpPr>
+        <p:spPr/>
+        <p:txBody>
+          <a:bodyPr/>
+          <a:lstStyle/>
+          <a:p>
+            <a:endParaRPr lang="en-US" dirty="0"/>
+          </a:p>
+        </p:txBody>
+      </p:sp>
+      <p:sp>
+        <p:nvSpPr>
+          <p:cNvPr id="4" name="Slide Number Placeholder 3"/>
+          <p:cNvSpPr>
+            <a:spLocks noGrp="1"/>
+          </p:cNvSpPr>
+          <p:nvPr>
+            <p:ph type="sldNum" sz="quarter" idx="5"/>
+          </p:nvPr>
+        </p:nvSpPr>
+        <p:spPr/>
+        <p:txBody>
+          <a:bodyPr/>
+          <a:lstStyle/>
+          <a:p>
+            <a:fld id="{3EAAF15A-54DC-8443-B25D-67E754D52BC9}" type="slidenum">
+              <a:rPr lang="en-US" smtClean="0"/>
+              <a:t>2</a:t>
+            </a:fld>
+            <a:endParaRPr lang="en-US"/>
+          </a:p>
+        </p:txBody>
+      </p:sp>
+    </p:spTree>
+    <p:extLst>
+      <p:ext uri="{BB962C8B-B14F-4D97-AF65-F5344CB8AC3E}">
+        <p14:creationId xmlns:p14="http://schemas.microsoft.com/office/powerpoint/2010/main" val="3407933309"/>
+      </p:ext>
+    </p:extLst>
+  </p:cSld>
+  <p:clrMapOvr>
+    <a:masterClrMapping/>
+  </p:clrMapOvr>
+</p:notes>
+</file>
+
+<file path=ppt/notesSlides/notesSlide10.xml><?xml version="1.0" encoding="utf-8"?>
+<p:notes xmlns:a="http://schemas.openxmlformats.org/drawingml/2006/main" xmlns:r="http://schemas.openxmlformats.org/officeDocument/2006/relationships" xmlns:p="http://schemas.openxmlformats.org/presentationml/2006/main">
+  <p:cSld>
+    <p:spTree>
+      <p:nvGrpSpPr>
+        <p:cNvPr id="1" name=""/>
+        <p:cNvGrpSpPr/>
+        <p:nvPr/>
+      </p:nvGrpSpPr>
+      <p:grpSpPr>
+        <a:xfrm>
+          <a:off x="0" y="0"/>
+          <a:ext cx="0" cy="0"/>
+          <a:chOff x="0" y="0"/>
+          <a:chExt cx="0" cy="0"/>
+        </a:xfrm>
+      </p:grpSpPr>
+      <p:sp>
+        <p:nvSpPr>
+          <p:cNvPr id="2" name="Slide Image Placeholder 1"/>
+          <p:cNvSpPr>
+            <a:spLocks noGrp="1" noRot="1" noChangeAspect="1"/>
+          </p:cNvSpPr>
+          <p:nvPr>
+            <p:ph type="sldImg"/>
+          </p:nvPr>
+        </p:nvSpPr>
+        <p:spPr/>
+      </p:sp>
+      <p:sp>
+        <p:nvSpPr>
+          <p:cNvPr id="3" name="Notes Placeholder 2"/>
+          <p:cNvSpPr>
+            <a:spLocks noGrp="1"/>
+          </p:cNvSpPr>
+          <p:nvPr>
+            <p:ph type="body" idx="1"/>
+          </p:nvPr>
+        </p:nvSpPr>
+        <p:spPr/>
+        <p:txBody>
+          <a:bodyPr/>
+          <a:lstStyle/>
+          <a:p>
+            <a:endParaRPr lang="en-US" dirty="0"/>
+          </a:p>
+        </p:txBody>
+      </p:sp>
+      <p:sp>
+        <p:nvSpPr>
+          <p:cNvPr id="4" name="Slide Number Placeholder 3"/>
+          <p:cNvSpPr>
+            <a:spLocks noGrp="1"/>
+          </p:cNvSpPr>
+          <p:nvPr>
+            <p:ph type="sldNum" sz="quarter" idx="5"/>
+          </p:nvPr>
+        </p:nvSpPr>
+        <p:spPr/>
+        <p:txBody>
+          <a:bodyPr/>
+          <a:lstStyle/>
+          <a:p>
+            <a:fld id="{3EAAF15A-54DC-8443-B25D-67E754D52BC9}" type="slidenum">
+              <a:rPr lang="en-US" smtClean="0"/>
+              <a:t>16</a:t>
+            </a:fld>
+            <a:endParaRPr lang="en-US"/>
+          </a:p>
+        </p:txBody>
+      </p:sp>
+    </p:spTree>
+    <p:extLst>
+      <p:ext uri="{BB962C8B-B14F-4D97-AF65-F5344CB8AC3E}">
+        <p14:creationId xmlns:p14="http://schemas.microsoft.com/office/powerpoint/2010/main" val="4273372407"/>
+      </p:ext>
+    </p:extLst>
+  </p:cSld>
+  <p:clrMapOvr>
+    <a:masterClrMapping/>
+  </p:clrMapOvr>
+</p:notes>
+</file>
+
+<file path=ppt/notesSlides/notesSlide11.xml><?xml version="1.0" encoding="utf-8"?>
+<p:notes xmlns:a="http://schemas.openxmlformats.org/drawingml/2006/main" xmlns:r="http://schemas.openxmlformats.org/officeDocument/2006/relationships" xmlns:p="http://schemas.openxmlformats.org/presentationml/2006/main">
+  <p:cSld>
+    <p:spTree>
+      <p:nvGrpSpPr>
+        <p:cNvPr id="1" name=""/>
+        <p:cNvGrpSpPr/>
+        <p:nvPr/>
+      </p:nvGrpSpPr>
+      <p:grpSpPr>
+        <a:xfrm>
+          <a:off x="0" y="0"/>
+          <a:ext cx="0" cy="0"/>
+          <a:chOff x="0" y="0"/>
+          <a:chExt cx="0" cy="0"/>
+        </a:xfrm>
+      </p:grpSpPr>
+      <p:sp>
+        <p:nvSpPr>
+          <p:cNvPr id="2" name="Slide Image Placeholder 1"/>
+          <p:cNvSpPr>
+            <a:spLocks noGrp="1" noRot="1" noChangeAspect="1"/>
+          </p:cNvSpPr>
+          <p:nvPr>
+            <p:ph type="sldImg"/>
+          </p:nvPr>
+        </p:nvSpPr>
+        <p:spPr/>
+      </p:sp>
+      <p:sp>
+        <p:nvSpPr>
+          <p:cNvPr id="3" name="Notes Placeholder 2"/>
+          <p:cNvSpPr>
+            <a:spLocks noGrp="1"/>
+          </p:cNvSpPr>
+          <p:nvPr>
+            <p:ph type="body" idx="1"/>
+          </p:nvPr>
+        </p:nvSpPr>
+        <p:spPr/>
+        <p:txBody>
+          <a:bodyPr/>
+          <a:lstStyle/>
+          <a:p>
+            <a:r>
+              <a:rPr lang="en-US" dirty="0"/>
+              <a:t>Reducing Word Count improves Click Rate across the board and is the easiest quick win</a:t>
+            </a:r>
+          </a:p>
+          <a:p>
+            <a:endParaRPr lang="en-US" dirty="0"/>
+          </a:p>
+          <a:p>
+            <a:r>
+              <a:rPr lang="en-US" dirty="0"/>
+              <a:t>Establishing a loyal customer base results in long-term click rate success</a:t>
+            </a:r>
+          </a:p>
+          <a:p>
+            <a:pPr lvl="1"/>
+            <a:r>
+              <a:rPr lang="en-US" dirty="0"/>
+              <a:t>Outside the scope of this project, but an obvious emphasis for any retail business</a:t>
+            </a:r>
+          </a:p>
+          <a:p>
+            <a:endParaRPr lang="en-US" dirty="0"/>
+          </a:p>
+          <a:p>
+            <a:r>
+              <a:rPr lang="en-US" dirty="0"/>
+              <a:t>Choosing the right Campaign Type</a:t>
+            </a:r>
+          </a:p>
+          <a:p>
+            <a:pPr lvl="1"/>
+            <a:r>
+              <a:rPr lang="en-US" dirty="0"/>
+              <a:t>How much control do we have on the Campaign Type? Seasonal? Our discretion? Special event?</a:t>
+            </a:r>
+          </a:p>
+          <a:p>
+            <a:pPr lvl="1"/>
+            <a:r>
+              <a:rPr lang="en-US" dirty="0"/>
+              <a:t>Learn from Campaign 2</a:t>
+            </a:r>
+          </a:p>
+          <a:p>
+            <a:pPr lvl="2"/>
+            <a:r>
+              <a:rPr lang="en-US" dirty="0"/>
+              <a:t>Hotter subjects </a:t>
+            </a:r>
+            <a:r>
+              <a:rPr lang="en-US" dirty="0">
+                <a:sym typeface="Wingdings" pitchFamily="2" charset="2"/>
+              </a:rPr>
+              <a:t> more clicks</a:t>
+            </a:r>
+          </a:p>
+          <a:p>
+            <a:endParaRPr lang="en-US" dirty="0">
+              <a:sym typeface="Wingdings" pitchFamily="2" charset="2"/>
+            </a:endParaRPr>
+          </a:p>
+          <a:p>
+            <a:r>
+              <a:rPr lang="en-US" dirty="0">
+                <a:sym typeface="Wingdings" pitchFamily="2" charset="2"/>
+              </a:rPr>
+              <a:t>Choosing the Email Type</a:t>
+            </a:r>
+          </a:p>
+          <a:p>
+            <a:r>
+              <a:rPr lang="en-US" dirty="0">
+                <a:sym typeface="Wingdings" pitchFamily="2" charset="2"/>
+              </a:rPr>
+              <a:t>          Not useful for prediction but certainly has differences in CTR, and interacts with word count and past communication, </a:t>
+            </a:r>
+          </a:p>
+          <a:p>
+            <a:pPr lvl="1"/>
+            <a:r>
+              <a:rPr lang="en-US" dirty="0">
+                <a:sym typeface="Wingdings" pitchFamily="2" charset="2"/>
+              </a:rPr>
+              <a:t>Do we control Email Type?</a:t>
+            </a:r>
+          </a:p>
+          <a:p>
+            <a:pPr lvl="2"/>
+            <a:r>
+              <a:rPr lang="en-US" dirty="0">
+                <a:sym typeface="Wingdings" pitchFamily="2" charset="2"/>
+              </a:rPr>
+              <a:t>Type 1 should be emphasized especially for fewer word counts</a:t>
+            </a:r>
+          </a:p>
+          <a:p>
+            <a:endParaRPr lang="en-US" dirty="0">
+              <a:sym typeface="Wingdings" pitchFamily="2" charset="2"/>
+            </a:endParaRPr>
+          </a:p>
+          <a:p>
+            <a:r>
+              <a:rPr lang="en-US" dirty="0">
+                <a:sym typeface="Wingdings" pitchFamily="2" charset="2"/>
+              </a:rPr>
+              <a:t>Choosing the Email Source Type</a:t>
+            </a:r>
+          </a:p>
+          <a:p>
+            <a:r>
+              <a:rPr lang="en-US" dirty="0">
+                <a:sym typeface="Wingdings" pitchFamily="2" charset="2"/>
+              </a:rPr>
+              <a:t>          Not useful for prediction but certainly has differences in CTR, and interacts with past communication, </a:t>
+            </a:r>
+          </a:p>
+          <a:p>
+            <a:pPr lvl="1"/>
+            <a:r>
+              <a:rPr lang="en-US" dirty="0">
+                <a:sym typeface="Wingdings" pitchFamily="2" charset="2"/>
+              </a:rPr>
+              <a:t>Do we control the email source? Are these 3</a:t>
+            </a:r>
+            <a:r>
+              <a:rPr lang="en-US" baseline="30000" dirty="0">
+                <a:sym typeface="Wingdings" pitchFamily="2" charset="2"/>
+              </a:rPr>
+              <a:t>rd</a:t>
+            </a:r>
+            <a:r>
+              <a:rPr lang="en-US" dirty="0">
+                <a:sym typeface="Wingdings" pitchFamily="2" charset="2"/>
+              </a:rPr>
+              <a:t> party vendors or internal systems?</a:t>
+            </a:r>
+          </a:p>
+          <a:p>
+            <a:pPr lvl="2"/>
+            <a:r>
+              <a:rPr lang="en-US" dirty="0">
+                <a:sym typeface="Wingdings" pitchFamily="2" charset="2"/>
+              </a:rPr>
+              <a:t>Those receiving from Source-1 can tolerate more words if necessary</a:t>
+            </a:r>
+            <a:endParaRPr lang="en-US" dirty="0"/>
+          </a:p>
+          <a:p>
+            <a:endParaRPr lang="en-US" dirty="0"/>
+          </a:p>
+          <a:p>
+            <a:endParaRPr lang="en-US" dirty="0"/>
+          </a:p>
+          <a:p>
+            <a:endParaRPr lang="en-US" dirty="0"/>
+          </a:p>
+        </p:txBody>
+      </p:sp>
+      <p:sp>
+        <p:nvSpPr>
+          <p:cNvPr id="4" name="Slide Number Placeholder 3"/>
+          <p:cNvSpPr>
+            <a:spLocks noGrp="1"/>
+          </p:cNvSpPr>
+          <p:nvPr>
+            <p:ph type="sldNum" sz="quarter" idx="5"/>
+          </p:nvPr>
+        </p:nvSpPr>
+        <p:spPr/>
+        <p:txBody>
+          <a:bodyPr/>
+          <a:lstStyle/>
+          <a:p>
+            <a:fld id="{3EAAF15A-54DC-8443-B25D-67E754D52BC9}" type="slidenum">
+              <a:rPr lang="en-US" smtClean="0"/>
+              <a:t>19</a:t>
+            </a:fld>
+            <a:endParaRPr lang="en-US"/>
+          </a:p>
+        </p:txBody>
+      </p:sp>
+    </p:spTree>
+    <p:extLst>
+      <p:ext uri="{BB962C8B-B14F-4D97-AF65-F5344CB8AC3E}">
+        <p14:creationId xmlns:p14="http://schemas.microsoft.com/office/powerpoint/2010/main" val="995841511"/>
+      </p:ext>
+    </p:extLst>
+  </p:cSld>
+  <p:clrMapOvr>
+    <a:masterClrMapping/>
+  </p:clrMapOvr>
+</p:notes>
+</file>
+
+<file path=ppt/notesSlides/notesSlide12.xml><?xml version="1.0" encoding="utf-8"?>
+<p:notes xmlns:a="http://schemas.openxmlformats.org/drawingml/2006/main" xmlns:r="http://schemas.openxmlformats.org/officeDocument/2006/relationships" xmlns:p="http://schemas.openxmlformats.org/presentationml/2006/main">
+  <p:cSld>
+    <p:spTree>
+      <p:nvGrpSpPr>
+        <p:cNvPr id="1" name=""/>
+        <p:cNvGrpSpPr/>
+        <p:nvPr/>
+      </p:nvGrpSpPr>
+      <p:grpSpPr>
+        <a:xfrm>
+          <a:off x="0" y="0"/>
+          <a:ext cx="0" cy="0"/>
+          <a:chOff x="0" y="0"/>
+          <a:chExt cx="0" cy="0"/>
+        </a:xfrm>
+      </p:grpSpPr>
+      <p:sp>
+        <p:nvSpPr>
+          <p:cNvPr id="2" name="Slide Image Placeholder 1"/>
+          <p:cNvSpPr>
+            <a:spLocks noGrp="1" noRot="1" noChangeAspect="1"/>
+          </p:cNvSpPr>
+          <p:nvPr>
+            <p:ph type="sldImg"/>
+          </p:nvPr>
+        </p:nvSpPr>
+        <p:spPr/>
+      </p:sp>
+      <p:sp>
+        <p:nvSpPr>
+          <p:cNvPr id="3" name="Notes Placeholder 2"/>
+          <p:cNvSpPr>
+            <a:spLocks noGrp="1"/>
+          </p:cNvSpPr>
+          <p:nvPr>
+            <p:ph type="body" idx="1"/>
+          </p:nvPr>
+        </p:nvSpPr>
+        <p:spPr/>
+        <p:txBody>
+          <a:bodyPr/>
+          <a:lstStyle/>
+          <a:p>
+            <a:r>
+              <a:rPr lang="en-US" dirty="0"/>
+              <a:t>Things to consider</a:t>
+            </a:r>
+          </a:p>
+          <a:p>
+            <a:pPr marL="800100" lvl="1" indent="-342900">
+              <a:buFont typeface="+mj-lt"/>
+              <a:buAutoNum type="arabicPeriod"/>
+            </a:pPr>
+            <a:r>
+              <a:rPr lang="en-US" dirty="0"/>
+              <a:t>Better than random</a:t>
+            </a:r>
+          </a:p>
+          <a:p>
+            <a:pPr marL="1257300" lvl="2" indent="-342900">
+              <a:buFont typeface="+mj-lt"/>
+              <a:buAutoNum type="arabicPeriod"/>
+            </a:pPr>
+            <a:r>
+              <a:rPr lang="en-US" dirty="0"/>
+              <a:t>If we can be better than random chance at knowing who will click (or more importantly, who </a:t>
+            </a:r>
+            <a:r>
+              <a:rPr lang="en-US" i="1" dirty="0"/>
+              <a:t>won’t </a:t>
+            </a:r>
+            <a:r>
+              <a:rPr lang="en-US" dirty="0"/>
+              <a:t>click), we will make more money</a:t>
+            </a:r>
+          </a:p>
+          <a:p>
+            <a:pPr marL="800100" lvl="1" indent="-342900">
+              <a:buFont typeface="+mj-lt"/>
+              <a:buAutoNum type="arabicPeriod"/>
+            </a:pPr>
+            <a:r>
+              <a:rPr lang="en-US" dirty="0"/>
+              <a:t>Stability and reliability</a:t>
+            </a:r>
+          </a:p>
+          <a:p>
+            <a:pPr marL="1257300" lvl="2" indent="-342900">
+              <a:buFont typeface="+mj-lt"/>
+              <a:buAutoNum type="arabicPeriod"/>
+            </a:pPr>
+            <a:r>
+              <a:rPr lang="en-US" dirty="0"/>
+              <a:t>What happens to our model as time passes? </a:t>
+            </a:r>
+          </a:p>
+          <a:p>
+            <a:pPr marL="1257300" lvl="2" indent="-342900">
+              <a:buFont typeface="+mj-lt"/>
+              <a:buAutoNum type="arabicPeriod"/>
+            </a:pPr>
+            <a:r>
+              <a:rPr lang="en-US" dirty="0"/>
+              <a:t>How does the model do with strictly unseen data?</a:t>
+            </a:r>
+          </a:p>
+          <a:p>
+            <a:pPr marL="800100" lvl="1" indent="-342900">
+              <a:buFont typeface="+mj-lt"/>
+              <a:buAutoNum type="arabicPeriod"/>
+            </a:pPr>
+            <a:r>
+              <a:rPr lang="en-US" dirty="0"/>
+              <a:t>Interpretability</a:t>
+            </a:r>
+          </a:p>
+          <a:p>
+            <a:pPr marL="1257300" lvl="2" indent="-342900">
+              <a:buFont typeface="+mj-lt"/>
+              <a:buAutoNum type="arabicPeriod"/>
+            </a:pPr>
+            <a:r>
+              <a:rPr lang="en-US" dirty="0"/>
+              <a:t>Can we understand </a:t>
+            </a:r>
+            <a:r>
+              <a:rPr lang="en-US" i="1" dirty="0"/>
+              <a:t>why </a:t>
+            </a:r>
+            <a:r>
+              <a:rPr lang="en-US" dirty="0"/>
+              <a:t>the model is better than random chance? (</a:t>
+            </a:r>
+            <a:r>
+              <a:rPr lang="en-US" dirty="0" err="1"/>
+              <a:t>ie</a:t>
+            </a:r>
+            <a:r>
+              <a:rPr lang="en-US" dirty="0"/>
+              <a:t> what features matter?)</a:t>
+            </a:r>
+          </a:p>
+          <a:p>
+            <a:endParaRPr lang="en-US" dirty="0"/>
+          </a:p>
+        </p:txBody>
+      </p:sp>
+      <p:sp>
+        <p:nvSpPr>
+          <p:cNvPr id="4" name="Slide Number Placeholder 3"/>
+          <p:cNvSpPr>
+            <a:spLocks noGrp="1"/>
+          </p:cNvSpPr>
+          <p:nvPr>
+            <p:ph type="sldNum" sz="quarter" idx="5"/>
+          </p:nvPr>
+        </p:nvSpPr>
+        <p:spPr/>
+        <p:txBody>
+          <a:bodyPr/>
+          <a:lstStyle/>
+          <a:p>
+            <a:fld id="{3EAAF15A-54DC-8443-B25D-67E754D52BC9}" type="slidenum">
+              <a:rPr lang="en-US" smtClean="0"/>
+              <a:t>21</a:t>
+            </a:fld>
+            <a:endParaRPr lang="en-US"/>
+          </a:p>
+        </p:txBody>
+      </p:sp>
+    </p:spTree>
+    <p:extLst>
+      <p:ext uri="{BB962C8B-B14F-4D97-AF65-F5344CB8AC3E}">
+        <p14:creationId xmlns:p14="http://schemas.microsoft.com/office/powerpoint/2010/main" val="440993474"/>
+      </p:ext>
+    </p:extLst>
+  </p:cSld>
+  <p:clrMapOvr>
+    <a:masterClrMapping/>
+  </p:clrMapOvr>
+</p:notes>
+</file>
+
+<file path=ppt/notesSlides/notesSlide13.xml><?xml version="1.0" encoding="utf-8"?>
+<p:notes xmlns:a="http://schemas.openxmlformats.org/drawingml/2006/main" xmlns:r="http://schemas.openxmlformats.org/officeDocument/2006/relationships" xmlns:p="http://schemas.openxmlformats.org/presentationml/2006/main">
+  <p:cSld>
+    <p:spTree>
+      <p:nvGrpSpPr>
+        <p:cNvPr id="1" name=""/>
+        <p:cNvGrpSpPr/>
+        <p:nvPr/>
+      </p:nvGrpSpPr>
+      <p:grpSpPr>
+        <a:xfrm>
+          <a:off x="0" y="0"/>
+          <a:ext cx="0" cy="0"/>
+          <a:chOff x="0" y="0"/>
+          <a:chExt cx="0" cy="0"/>
+        </a:xfrm>
+      </p:grpSpPr>
+      <p:sp>
+        <p:nvSpPr>
+          <p:cNvPr id="2" name="Slide Image Placeholder 1"/>
+          <p:cNvSpPr>
+            <a:spLocks noGrp="1" noRot="1" noChangeAspect="1"/>
+          </p:cNvSpPr>
+          <p:nvPr>
+            <p:ph type="sldImg"/>
+          </p:nvPr>
+        </p:nvSpPr>
+        <p:spPr/>
+      </p:sp>
+      <p:sp>
+        <p:nvSpPr>
+          <p:cNvPr id="3" name="Notes Placeholder 2"/>
+          <p:cNvSpPr>
+            <a:spLocks noGrp="1"/>
+          </p:cNvSpPr>
+          <p:nvPr>
+            <p:ph type="body" idx="1"/>
+          </p:nvPr>
+        </p:nvSpPr>
+        <p:spPr/>
+        <p:txBody>
+          <a:bodyPr/>
+          <a:lstStyle/>
+          <a:p>
+            <a:r>
+              <a:rPr lang="en-US" dirty="0"/>
+              <a:t>We divide by the total number of emails sent, not by the total number of emails </a:t>
+            </a:r>
+            <a:r>
+              <a:rPr lang="en-US" i="1" dirty="0"/>
+              <a:t>predicted </a:t>
+            </a:r>
+            <a:r>
+              <a:rPr lang="en-US" i="0" dirty="0"/>
+              <a:t>to be sent or else we would just simply always predict an email to be sent. Need the threat of FN’s to be incorporated into decision or else we won’t see a critical point on our profit curve.</a:t>
+            </a:r>
+            <a:endParaRPr lang="en-US" dirty="0"/>
+          </a:p>
+        </p:txBody>
+      </p:sp>
+      <p:sp>
+        <p:nvSpPr>
+          <p:cNvPr id="4" name="Slide Number Placeholder 3"/>
+          <p:cNvSpPr>
+            <a:spLocks noGrp="1"/>
+          </p:cNvSpPr>
+          <p:nvPr>
+            <p:ph type="sldNum" sz="quarter" idx="5"/>
+          </p:nvPr>
+        </p:nvSpPr>
+        <p:spPr/>
+        <p:txBody>
+          <a:bodyPr/>
+          <a:lstStyle/>
+          <a:p>
+            <a:fld id="{3EAAF15A-54DC-8443-B25D-67E754D52BC9}" type="slidenum">
+              <a:rPr lang="en-US" smtClean="0"/>
+              <a:t>22</a:t>
+            </a:fld>
+            <a:endParaRPr lang="en-US"/>
+          </a:p>
+        </p:txBody>
+      </p:sp>
+    </p:spTree>
+    <p:extLst>
+      <p:ext uri="{BB962C8B-B14F-4D97-AF65-F5344CB8AC3E}">
+        <p14:creationId xmlns:p14="http://schemas.microsoft.com/office/powerpoint/2010/main" val="2013682029"/>
+      </p:ext>
+    </p:extLst>
+  </p:cSld>
+  <p:clrMapOvr>
+    <a:masterClrMapping/>
+  </p:clrMapOvr>
+</p:notes>
+</file>
+
+<file path=ppt/notesSlides/notesSlide14.xml><?xml version="1.0" encoding="utf-8"?>
+<p:notes xmlns:a="http://schemas.openxmlformats.org/drawingml/2006/main" xmlns:r="http://schemas.openxmlformats.org/officeDocument/2006/relationships" xmlns:p="http://schemas.openxmlformats.org/presentationml/2006/main">
+  <p:cSld>
+    <p:spTree>
+      <p:nvGrpSpPr>
+        <p:cNvPr id="1" name=""/>
+        <p:cNvGrpSpPr/>
+        <p:nvPr/>
+      </p:nvGrpSpPr>
+      <p:grpSpPr>
+        <a:xfrm>
+          <a:off x="0" y="0"/>
+          <a:ext cx="0" cy="0"/>
+          <a:chOff x="0" y="0"/>
+          <a:chExt cx="0" cy="0"/>
+        </a:xfrm>
+      </p:grpSpPr>
+      <p:sp>
+        <p:nvSpPr>
+          <p:cNvPr id="2" name="Slide Image Placeholder 1"/>
+          <p:cNvSpPr>
+            <a:spLocks noGrp="1" noRot="1" noChangeAspect="1"/>
+          </p:cNvSpPr>
+          <p:nvPr>
+            <p:ph type="sldImg"/>
+          </p:nvPr>
+        </p:nvSpPr>
+        <p:spPr/>
+      </p:sp>
+      <p:sp>
+        <p:nvSpPr>
+          <p:cNvPr id="3" name="Notes Placeholder 2"/>
+          <p:cNvSpPr>
+            <a:spLocks noGrp="1"/>
+          </p:cNvSpPr>
+          <p:nvPr>
+            <p:ph type="body" idx="1"/>
+          </p:nvPr>
+        </p:nvSpPr>
+        <p:spPr/>
+        <p:txBody>
+          <a:bodyPr/>
+          <a:lstStyle/>
+          <a:p>
+            <a:pPr marL="171450" indent="-171450">
+              <a:buFont typeface="Arial" panose="020B0604020202020204" pitchFamily="34" charset="0"/>
+              <a:buChar char="•"/>
+            </a:pPr>
+            <a:r>
+              <a:rPr lang="en-US" dirty="0"/>
+              <a:t>The equation from previous slide allows us to create a function which will have a critical point where profit per email is maximized. </a:t>
+            </a:r>
+          </a:p>
+          <a:p>
+            <a:pPr marL="628650" lvl="1" indent="-171450">
+              <a:buFont typeface="Arial" panose="020B0604020202020204" pitchFamily="34" charset="0"/>
+              <a:buChar char="•"/>
+            </a:pPr>
+            <a:r>
+              <a:rPr lang="en-US" dirty="0"/>
+              <a:t>The independent variable is the level of certainty we prefer when classifying the observation from the data. </a:t>
+            </a:r>
+          </a:p>
+          <a:p>
+            <a:pPr marL="628650" lvl="1" indent="-171450">
+              <a:buFont typeface="Arial" panose="020B0604020202020204" pitchFamily="34" charset="0"/>
+              <a:buChar char="•"/>
+            </a:pPr>
+            <a:r>
+              <a:rPr lang="en-US" dirty="0"/>
+              <a:t>The classifier we use is the one that gives us the best PR-AUC, which we look at later on </a:t>
+            </a:r>
+          </a:p>
+          <a:p>
+            <a:pPr marL="628650" lvl="1" indent="-171450">
+              <a:buFont typeface="Arial" panose="020B0604020202020204" pitchFamily="34" charset="0"/>
+              <a:buChar char="•"/>
+            </a:pPr>
+            <a:r>
+              <a:rPr lang="en-US" dirty="0"/>
+              <a:t>This critical point shows us how much more money we could make per email by using ML instead of randomly guessing.</a:t>
+            </a:r>
+          </a:p>
+        </p:txBody>
+      </p:sp>
+      <p:sp>
+        <p:nvSpPr>
+          <p:cNvPr id="4" name="Slide Number Placeholder 3"/>
+          <p:cNvSpPr>
+            <a:spLocks noGrp="1"/>
+          </p:cNvSpPr>
+          <p:nvPr>
+            <p:ph type="sldNum" sz="quarter" idx="5"/>
+          </p:nvPr>
+        </p:nvSpPr>
+        <p:spPr/>
+        <p:txBody>
+          <a:bodyPr/>
+          <a:lstStyle/>
+          <a:p>
+            <a:fld id="{3EAAF15A-54DC-8443-B25D-67E754D52BC9}" type="slidenum">
+              <a:rPr lang="en-US" smtClean="0"/>
+              <a:t>23</a:t>
+            </a:fld>
+            <a:endParaRPr lang="en-US"/>
+          </a:p>
+        </p:txBody>
+      </p:sp>
+    </p:spTree>
+    <p:extLst>
+      <p:ext uri="{BB962C8B-B14F-4D97-AF65-F5344CB8AC3E}">
+        <p14:creationId xmlns:p14="http://schemas.microsoft.com/office/powerpoint/2010/main" val="3027905090"/>
+      </p:ext>
+    </p:extLst>
+  </p:cSld>
+  <p:clrMapOvr>
+    <a:masterClrMapping/>
+  </p:clrMapOvr>
+</p:notes>
+</file>
+
+<file path=ppt/notesSlides/notesSlide15.xml><?xml version="1.0" encoding="utf-8"?>
+<p:notes xmlns:a="http://schemas.openxmlformats.org/drawingml/2006/main" xmlns:r="http://schemas.openxmlformats.org/officeDocument/2006/relationships" xmlns:p="http://schemas.openxmlformats.org/presentationml/2006/main">
+  <p:cSld>
+    <p:spTree>
+      <p:nvGrpSpPr>
+        <p:cNvPr id="1" name=""/>
+        <p:cNvGrpSpPr/>
+        <p:nvPr/>
+      </p:nvGrpSpPr>
+      <p:grpSpPr>
+        <a:xfrm>
+          <a:off x="0" y="0"/>
+          <a:ext cx="0" cy="0"/>
+          <a:chOff x="0" y="0"/>
+          <a:chExt cx="0" cy="0"/>
+        </a:xfrm>
+      </p:grpSpPr>
+      <p:sp>
+        <p:nvSpPr>
+          <p:cNvPr id="2" name="Slide Image Placeholder 1"/>
+          <p:cNvSpPr>
+            <a:spLocks noGrp="1" noRot="1" noChangeAspect="1"/>
+          </p:cNvSpPr>
+          <p:nvPr>
+            <p:ph type="sldImg"/>
+          </p:nvPr>
+        </p:nvSpPr>
+        <p:spPr/>
+      </p:sp>
+      <p:sp>
+        <p:nvSpPr>
+          <p:cNvPr id="3" name="Notes Placeholder 2"/>
+          <p:cNvSpPr>
+            <a:spLocks noGrp="1"/>
+          </p:cNvSpPr>
+          <p:nvPr>
+            <p:ph type="body" idx="1"/>
+          </p:nvPr>
+        </p:nvSpPr>
+        <p:spPr/>
+        <p:txBody>
+          <a:bodyPr/>
+          <a:lstStyle/>
+          <a:p>
+            <a:endParaRPr lang="en-US" dirty="0"/>
+          </a:p>
+        </p:txBody>
+      </p:sp>
+      <p:sp>
+        <p:nvSpPr>
+          <p:cNvPr id="4" name="Slide Number Placeholder 3"/>
+          <p:cNvSpPr>
+            <a:spLocks noGrp="1"/>
+          </p:cNvSpPr>
+          <p:nvPr>
+            <p:ph type="sldNum" sz="quarter" idx="5"/>
+          </p:nvPr>
+        </p:nvSpPr>
+        <p:spPr/>
+        <p:txBody>
+          <a:bodyPr/>
+          <a:lstStyle/>
+          <a:p>
+            <a:fld id="{3EAAF15A-54DC-8443-B25D-67E754D52BC9}" type="slidenum">
+              <a:rPr lang="en-US" smtClean="0"/>
+              <a:t>24</a:t>
+            </a:fld>
+            <a:endParaRPr lang="en-US"/>
+          </a:p>
+        </p:txBody>
+      </p:sp>
+    </p:spTree>
+    <p:extLst>
+      <p:ext uri="{BB962C8B-B14F-4D97-AF65-F5344CB8AC3E}">
+        <p14:creationId xmlns:p14="http://schemas.microsoft.com/office/powerpoint/2010/main" val="3746782822"/>
+      </p:ext>
+    </p:extLst>
+  </p:cSld>
+  <p:clrMapOvr>
+    <a:masterClrMapping/>
+  </p:clrMapOvr>
+</p:notes>
+</file>
+
+<file path=ppt/notesSlides/notesSlide16.xml><?xml version="1.0" encoding="utf-8"?>
+<p:notes xmlns:a="http://schemas.openxmlformats.org/drawingml/2006/main" xmlns:r="http://schemas.openxmlformats.org/officeDocument/2006/relationships" xmlns:p="http://schemas.openxmlformats.org/presentationml/2006/main">
+  <p:cSld>
+    <p:spTree>
+      <p:nvGrpSpPr>
+        <p:cNvPr id="1" name=""/>
+        <p:cNvGrpSpPr/>
+        <p:nvPr/>
+      </p:nvGrpSpPr>
+      <p:grpSpPr>
+        <a:xfrm>
+          <a:off x="0" y="0"/>
+          <a:ext cx="0" cy="0"/>
+          <a:chOff x="0" y="0"/>
+          <a:chExt cx="0" cy="0"/>
+        </a:xfrm>
+      </p:grpSpPr>
+      <p:sp>
+        <p:nvSpPr>
+          <p:cNvPr id="2" name="Slide Image Placeholder 1"/>
+          <p:cNvSpPr>
+            <a:spLocks noGrp="1" noRot="1" noChangeAspect="1"/>
+          </p:cNvSpPr>
+          <p:nvPr>
+            <p:ph type="sldImg"/>
+          </p:nvPr>
+        </p:nvSpPr>
+        <p:spPr/>
+      </p:sp>
+      <p:sp>
+        <p:nvSpPr>
+          <p:cNvPr id="3" name="Notes Placeholder 2"/>
+          <p:cNvSpPr>
+            <a:spLocks noGrp="1"/>
+          </p:cNvSpPr>
+          <p:nvPr>
+            <p:ph type="body" idx="1"/>
+          </p:nvPr>
+        </p:nvSpPr>
+        <p:spPr/>
+        <p:txBody>
+          <a:bodyPr/>
+          <a:lstStyle/>
+          <a:p>
+            <a:pPr marL="171450" indent="-171450">
+              <a:buFont typeface="Arial" panose="020B0604020202020204" pitchFamily="34" charset="0"/>
+              <a:buChar char="•"/>
+            </a:pPr>
+            <a:r>
+              <a:rPr lang="en-US" dirty="0"/>
+              <a:t>Comparing best vs worst tuned models</a:t>
+            </a:r>
+          </a:p>
+        </p:txBody>
+      </p:sp>
+      <p:sp>
+        <p:nvSpPr>
+          <p:cNvPr id="4" name="Slide Number Placeholder 3"/>
+          <p:cNvSpPr>
+            <a:spLocks noGrp="1"/>
+          </p:cNvSpPr>
+          <p:nvPr>
+            <p:ph type="sldNum" sz="quarter" idx="5"/>
+          </p:nvPr>
+        </p:nvSpPr>
+        <p:spPr/>
+        <p:txBody>
+          <a:bodyPr/>
+          <a:lstStyle/>
+          <a:p>
+            <a:fld id="{3EAAF15A-54DC-8443-B25D-67E754D52BC9}" type="slidenum">
+              <a:rPr lang="en-US" smtClean="0"/>
+              <a:t>25</a:t>
+            </a:fld>
+            <a:endParaRPr lang="en-US"/>
+          </a:p>
+        </p:txBody>
+      </p:sp>
+    </p:spTree>
+    <p:extLst>
+      <p:ext uri="{BB962C8B-B14F-4D97-AF65-F5344CB8AC3E}">
+        <p14:creationId xmlns:p14="http://schemas.microsoft.com/office/powerpoint/2010/main" val="15723403"/>
+      </p:ext>
+    </p:extLst>
+  </p:cSld>
+  <p:clrMapOvr>
+    <a:masterClrMapping/>
+  </p:clrMapOvr>
+</p:notes>
+</file>
+
+<file path=ppt/notesSlides/notesSlide17.xml><?xml version="1.0" encoding="utf-8"?>
+<p:notes xmlns:a="http://schemas.openxmlformats.org/drawingml/2006/main" xmlns:r="http://schemas.openxmlformats.org/officeDocument/2006/relationships" xmlns:p="http://schemas.openxmlformats.org/presentationml/2006/main">
+  <p:cSld>
+    <p:spTree>
+      <p:nvGrpSpPr>
+        <p:cNvPr id="1" name=""/>
+        <p:cNvGrpSpPr/>
+        <p:nvPr/>
+      </p:nvGrpSpPr>
+      <p:grpSpPr>
+        <a:xfrm>
+          <a:off x="0" y="0"/>
+          <a:ext cx="0" cy="0"/>
+          <a:chOff x="0" y="0"/>
+          <a:chExt cx="0" cy="0"/>
+        </a:xfrm>
+      </p:grpSpPr>
+      <p:sp>
+        <p:nvSpPr>
+          <p:cNvPr id="2" name="Slide Image Placeholder 1"/>
+          <p:cNvSpPr>
+            <a:spLocks noGrp="1" noRot="1" noChangeAspect="1"/>
+          </p:cNvSpPr>
+          <p:nvPr>
+            <p:ph type="sldImg"/>
+          </p:nvPr>
+        </p:nvSpPr>
+        <p:spPr/>
+      </p:sp>
+      <p:sp>
+        <p:nvSpPr>
+          <p:cNvPr id="3" name="Notes Placeholder 2"/>
+          <p:cNvSpPr>
+            <a:spLocks noGrp="1"/>
+          </p:cNvSpPr>
+          <p:nvPr>
+            <p:ph type="body" idx="1"/>
+          </p:nvPr>
+        </p:nvSpPr>
+        <p:spPr/>
+        <p:txBody>
+          <a:bodyPr/>
+          <a:lstStyle/>
+          <a:p>
+            <a:r>
+              <a:rPr lang="en-US" dirty="0"/>
+              <a:t>Recommendations</a:t>
+            </a:r>
+          </a:p>
+          <a:p>
+            <a:pPr lvl="1"/>
+            <a:r>
+              <a:rPr lang="en-US" dirty="0"/>
+              <a:t>Use XGBoost model to determine who should be sent an email based on collected data</a:t>
+            </a:r>
+          </a:p>
+          <a:p>
+            <a:pPr lvl="1"/>
+            <a:r>
+              <a:rPr lang="en-US" dirty="0"/>
+              <a:t>Monitor performance of model by collecting click data and observing performance across campaigns</a:t>
+            </a:r>
+          </a:p>
+          <a:p>
+            <a:pPr lvl="1"/>
+            <a:r>
+              <a:rPr lang="en-US" dirty="0"/>
+              <a:t>Improve email design strategy (with intent of improving CTR) by following the indicated interactivity between features we can control such as Word Count, Source, Type, Subject Hotness, and Campaign Type</a:t>
+            </a:r>
+          </a:p>
+          <a:p>
+            <a:pPr lvl="1"/>
+            <a:r>
+              <a:rPr lang="en-US" dirty="0"/>
+              <a:t>Investigate how we can organically increase volume in higher ‘past communication’ bins</a:t>
+            </a:r>
+          </a:p>
+          <a:p>
+            <a:pPr lvl="1"/>
+            <a:r>
+              <a:rPr lang="en-US" dirty="0"/>
+              <a:t>Conduct AB tests to see if Past Communication and Hotness are related (since we don’t have observations of high hotness + high past communication, only low hotness + high past comm)</a:t>
+            </a:r>
+          </a:p>
+          <a:p>
+            <a:r>
+              <a:rPr lang="en-US" dirty="0"/>
+              <a:t>Next Steps &amp; Reflections</a:t>
+            </a:r>
+          </a:p>
+          <a:p>
+            <a:pPr lvl="1"/>
+            <a:r>
+              <a:rPr lang="en-US" dirty="0"/>
+              <a:t>We should investigate further whether these models really are the best for this use case. </a:t>
+            </a:r>
+          </a:p>
+          <a:p>
+            <a:pPr lvl="1"/>
+            <a:r>
+              <a:rPr lang="en-US" dirty="0"/>
+              <a:t>	Could there be alternative feature engineering methods to extract more signal to boost performance?</a:t>
+            </a:r>
+          </a:p>
+          <a:p>
+            <a:pPr lvl="1"/>
+            <a:r>
+              <a:rPr lang="en-US" dirty="0"/>
+              <a:t>	What other algorithms best suit this data?</a:t>
+            </a:r>
+          </a:p>
+          <a:p>
+            <a:pPr lvl="1"/>
+            <a:r>
+              <a:rPr lang="en-US" dirty="0"/>
+              <a:t>	Could we use more advanced hyper parameter tuning techniques like Bayesian search instead of random search?</a:t>
+            </a:r>
+          </a:p>
+          <a:p>
+            <a:pPr lvl="1"/>
+            <a:r>
+              <a:rPr lang="en-US" dirty="0"/>
+              <a:t>What other data would be useful to enhance predictive power?</a:t>
+            </a:r>
+          </a:p>
+          <a:p>
+            <a:pPr lvl="2"/>
+            <a:r>
+              <a:rPr lang="en-US" dirty="0"/>
+              <a:t>Historical data on recipient interaction with emails or our product more generally</a:t>
+            </a:r>
+          </a:p>
+          <a:p>
+            <a:pPr lvl="2"/>
+            <a:r>
+              <a:rPr lang="en-US" dirty="0"/>
+              <a:t>Time series information on time of year emails are sent</a:t>
+            </a:r>
+          </a:p>
+          <a:p>
+            <a:pPr lvl="2"/>
+            <a:r>
+              <a:rPr lang="en-US" dirty="0"/>
+              <a:t>Demographic information on who are receiving the emails (so long it follows compliance)</a:t>
+            </a:r>
+          </a:p>
+          <a:p>
+            <a:endParaRPr lang="en-US" dirty="0"/>
+          </a:p>
+        </p:txBody>
+      </p:sp>
+      <p:sp>
+        <p:nvSpPr>
+          <p:cNvPr id="4" name="Slide Number Placeholder 3"/>
+          <p:cNvSpPr>
+            <a:spLocks noGrp="1"/>
+          </p:cNvSpPr>
+          <p:nvPr>
+            <p:ph type="sldNum" sz="quarter" idx="5"/>
+          </p:nvPr>
+        </p:nvSpPr>
+        <p:spPr/>
+        <p:txBody>
+          <a:bodyPr/>
+          <a:lstStyle/>
+          <a:p>
+            <a:fld id="{3EAAF15A-54DC-8443-B25D-67E754D52BC9}" type="slidenum">
+              <a:rPr lang="en-US" smtClean="0"/>
+              <a:t>32</a:t>
+            </a:fld>
+            <a:endParaRPr lang="en-US"/>
+          </a:p>
+        </p:txBody>
+      </p:sp>
+    </p:spTree>
+    <p:extLst>
+      <p:ext uri="{BB962C8B-B14F-4D97-AF65-F5344CB8AC3E}">
+        <p14:creationId xmlns:p14="http://schemas.microsoft.com/office/powerpoint/2010/main" val="3478785005"/>
+      </p:ext>
+    </p:extLst>
+  </p:cSld>
+  <p:clrMapOvr>
+    <a:masterClrMapping/>
+  </p:clrMapOvr>
+</p:notes>
+</file>
+
+<file path=ppt/notesSlides/notesSlide2.xml><?xml version="1.0" encoding="utf-8"?>
+<p:notes xmlns:a="http://schemas.openxmlformats.org/drawingml/2006/main" xmlns:r="http://schemas.openxmlformats.org/officeDocument/2006/relationships" xmlns:p="http://schemas.openxmlformats.org/presentationml/2006/main">
+  <p:cSld>
+    <p:spTree>
+      <p:nvGrpSpPr>
+        <p:cNvPr id="1" name=""/>
+        <p:cNvGrpSpPr/>
+        <p:nvPr/>
+      </p:nvGrpSpPr>
+      <p:grpSpPr>
+        <a:xfrm>
+          <a:off x="0" y="0"/>
+          <a:ext cx="0" cy="0"/>
+          <a:chOff x="0" y="0"/>
+          <a:chExt cx="0" cy="0"/>
+        </a:xfrm>
+      </p:grpSpPr>
+      <p:sp>
+        <p:nvSpPr>
+          <p:cNvPr id="2" name="Slide Image Placeholder 1"/>
+          <p:cNvSpPr>
+            <a:spLocks noGrp="1" noRot="1" noChangeAspect="1"/>
+          </p:cNvSpPr>
+          <p:nvPr>
+            <p:ph type="sldImg"/>
+          </p:nvPr>
+        </p:nvSpPr>
+        <p:spPr/>
+      </p:sp>
+      <p:sp>
+        <p:nvSpPr>
+          <p:cNvPr id="3" name="Notes Placeholder 2"/>
+          <p:cNvSpPr>
+            <a:spLocks noGrp="1"/>
+          </p:cNvSpPr>
+          <p:nvPr>
+            <p:ph type="body" idx="1"/>
+          </p:nvPr>
+        </p:nvSpPr>
+        <p:spPr/>
+        <p:txBody>
+          <a:bodyPr/>
+          <a:lstStyle/>
+          <a:p>
+            <a:endParaRPr lang="en-US" dirty="0"/>
+          </a:p>
+        </p:txBody>
+      </p:sp>
+      <p:sp>
+        <p:nvSpPr>
+          <p:cNvPr id="4" name="Slide Number Placeholder 3"/>
+          <p:cNvSpPr>
+            <a:spLocks noGrp="1"/>
+          </p:cNvSpPr>
+          <p:nvPr>
+            <p:ph type="sldNum" sz="quarter" idx="5"/>
+          </p:nvPr>
+        </p:nvSpPr>
+        <p:spPr/>
+        <p:txBody>
+          <a:bodyPr/>
+          <a:lstStyle/>
+          <a:p>
+            <a:fld id="{3EAAF15A-54DC-8443-B25D-67E754D52BC9}" type="slidenum">
+              <a:rPr lang="en-US" smtClean="0"/>
+              <a:t>3</a:t>
+            </a:fld>
+            <a:endParaRPr lang="en-US"/>
+          </a:p>
+        </p:txBody>
+      </p:sp>
+    </p:spTree>
+    <p:extLst>
+      <p:ext uri="{BB962C8B-B14F-4D97-AF65-F5344CB8AC3E}">
+        <p14:creationId xmlns:p14="http://schemas.microsoft.com/office/powerpoint/2010/main" val="1553410967"/>
+      </p:ext>
+    </p:extLst>
+  </p:cSld>
+  <p:clrMapOvr>
+    <a:masterClrMapping/>
+  </p:clrMapOvr>
+</p:notes>
+</file>
+
+<file path=ppt/notesSlides/notesSlide3.xml><?xml version="1.0" encoding="utf-8"?>
+<p:notes xmlns:a="http://schemas.openxmlformats.org/drawingml/2006/main" xmlns:r="http://schemas.openxmlformats.org/officeDocument/2006/relationships" xmlns:p="http://schemas.openxmlformats.org/presentationml/2006/main">
+  <p:cSld>
+    <p:spTree>
+      <p:nvGrpSpPr>
+        <p:cNvPr id="1" name=""/>
+        <p:cNvGrpSpPr/>
+        <p:nvPr/>
+      </p:nvGrpSpPr>
+      <p:grpSpPr>
+        <a:xfrm>
+          <a:off x="0" y="0"/>
+          <a:ext cx="0" cy="0"/>
+          <a:chOff x="0" y="0"/>
+          <a:chExt cx="0" cy="0"/>
+        </a:xfrm>
+      </p:grpSpPr>
+      <p:sp>
+        <p:nvSpPr>
+          <p:cNvPr id="2" name="Slide Image Placeholder 1"/>
+          <p:cNvSpPr>
+            <a:spLocks noGrp="1" noRot="1" noChangeAspect="1"/>
+          </p:cNvSpPr>
+          <p:nvPr>
+            <p:ph type="sldImg"/>
+          </p:nvPr>
+        </p:nvSpPr>
+        <p:spPr/>
+      </p:sp>
+      <p:sp>
+        <p:nvSpPr>
+          <p:cNvPr id="3" name="Notes Placeholder 2"/>
+          <p:cNvSpPr>
+            <a:spLocks noGrp="1"/>
+          </p:cNvSpPr>
+          <p:nvPr>
+            <p:ph type="body" idx="1"/>
+          </p:nvPr>
+        </p:nvSpPr>
+        <p:spPr/>
+        <p:txBody>
+          <a:bodyPr/>
+          <a:lstStyle/>
+          <a:p>
+            <a:pPr marL="171450" indent="-171450">
+              <a:buFont typeface="Arial" panose="020B0604020202020204" pitchFamily="34" charset="0"/>
+              <a:buChar char="•"/>
+            </a:pPr>
+            <a:r>
+              <a:rPr lang="en-US" dirty="0"/>
+              <a:t>67.4% increase in revenue comes from the fact that we converted 726 False Negatives to True Positives out of 1077 FN’s</a:t>
+            </a:r>
+          </a:p>
+          <a:p>
+            <a:pPr marL="171450" indent="-171450">
+              <a:buFont typeface="Arial" panose="020B0604020202020204" pitchFamily="34" charset="0"/>
+              <a:buChar char="•"/>
+            </a:pPr>
+            <a:r>
+              <a:rPr lang="en-US" dirty="0"/>
+              <a:t>Relatively marginal difference between tuned models, but this can mean millions at high volumes of emails or clicks</a:t>
+            </a:r>
+          </a:p>
+          <a:p>
+            <a:pPr marL="171450" indent="-171450">
+              <a:buFont typeface="Arial" panose="020B0604020202020204" pitchFamily="34" charset="0"/>
+              <a:buChar char="•"/>
+            </a:pPr>
+            <a:endParaRPr lang="en-US" dirty="0"/>
+          </a:p>
+        </p:txBody>
+      </p:sp>
+      <p:sp>
+        <p:nvSpPr>
+          <p:cNvPr id="4" name="Slide Number Placeholder 3"/>
+          <p:cNvSpPr>
+            <a:spLocks noGrp="1"/>
+          </p:cNvSpPr>
+          <p:nvPr>
+            <p:ph type="sldNum" sz="quarter" idx="5"/>
+          </p:nvPr>
+        </p:nvSpPr>
+        <p:spPr/>
+        <p:txBody>
+          <a:bodyPr/>
+          <a:lstStyle/>
+          <a:p>
+            <a:fld id="{3EAAF15A-54DC-8443-B25D-67E754D52BC9}" type="slidenum">
+              <a:rPr lang="en-US" smtClean="0"/>
+              <a:t>4</a:t>
+            </a:fld>
+            <a:endParaRPr lang="en-US"/>
+          </a:p>
+        </p:txBody>
+      </p:sp>
+    </p:spTree>
+    <p:extLst>
+      <p:ext uri="{BB962C8B-B14F-4D97-AF65-F5344CB8AC3E}">
+        <p14:creationId xmlns:p14="http://schemas.microsoft.com/office/powerpoint/2010/main" val="3297454965"/>
+      </p:ext>
+    </p:extLst>
+  </p:cSld>
+  <p:clrMapOvr>
+    <a:masterClrMapping/>
+  </p:clrMapOvr>
+</p:notes>
+</file>
+
+<file path=ppt/notesSlides/notesSlide4.xml><?xml version="1.0" encoding="utf-8"?>
+<p:notes xmlns:a="http://schemas.openxmlformats.org/drawingml/2006/main" xmlns:r="http://schemas.openxmlformats.org/officeDocument/2006/relationships" xmlns:p="http://schemas.openxmlformats.org/presentationml/2006/main">
+  <p:cSld>
+    <p:spTree>
+      <p:nvGrpSpPr>
+        <p:cNvPr id="1" name=""/>
+        <p:cNvGrpSpPr/>
+        <p:nvPr/>
+      </p:nvGrpSpPr>
+      <p:grpSpPr>
+        <a:xfrm>
+          <a:off x="0" y="0"/>
+          <a:ext cx="0" cy="0"/>
+          <a:chOff x="0" y="0"/>
+          <a:chExt cx="0" cy="0"/>
+        </a:xfrm>
+      </p:grpSpPr>
+      <p:sp>
+        <p:nvSpPr>
+          <p:cNvPr id="2" name="Slide Image Placeholder 1"/>
+          <p:cNvSpPr>
+            <a:spLocks noGrp="1" noRot="1" noChangeAspect="1"/>
+          </p:cNvSpPr>
+          <p:nvPr>
+            <p:ph type="sldImg"/>
+          </p:nvPr>
+        </p:nvSpPr>
+        <p:spPr/>
+      </p:sp>
+      <p:sp>
+        <p:nvSpPr>
+          <p:cNvPr id="3" name="Notes Placeholder 2"/>
+          <p:cNvSpPr>
+            <a:spLocks noGrp="1"/>
+          </p:cNvSpPr>
+          <p:nvPr>
+            <p:ph type="body" idx="1"/>
+          </p:nvPr>
+        </p:nvSpPr>
+        <p:spPr/>
+        <p:txBody>
+          <a:bodyPr/>
+          <a:lstStyle/>
+          <a:p>
+            <a:endParaRPr lang="en-US" dirty="0"/>
+          </a:p>
+        </p:txBody>
+      </p:sp>
+      <p:sp>
+        <p:nvSpPr>
+          <p:cNvPr id="4" name="Slide Number Placeholder 3"/>
+          <p:cNvSpPr>
+            <a:spLocks noGrp="1"/>
+          </p:cNvSpPr>
+          <p:nvPr>
+            <p:ph type="sldNum" sz="quarter" idx="5"/>
+          </p:nvPr>
+        </p:nvSpPr>
+        <p:spPr/>
+        <p:txBody>
+          <a:bodyPr/>
+          <a:lstStyle/>
+          <a:p>
+            <a:fld id="{3EAAF15A-54DC-8443-B25D-67E754D52BC9}" type="slidenum">
+              <a:rPr lang="en-US" smtClean="0"/>
+              <a:t>5</a:t>
+            </a:fld>
+            <a:endParaRPr lang="en-US"/>
+          </a:p>
+        </p:txBody>
+      </p:sp>
+    </p:spTree>
+    <p:extLst>
+      <p:ext uri="{BB962C8B-B14F-4D97-AF65-F5344CB8AC3E}">
+        <p14:creationId xmlns:p14="http://schemas.microsoft.com/office/powerpoint/2010/main" val="1239120"/>
+      </p:ext>
+    </p:extLst>
+  </p:cSld>
+  <p:clrMapOvr>
+    <a:masterClrMapping/>
+  </p:clrMapOvr>
+</p:notes>
+</file>
+
+<file path=ppt/notesSlides/notesSlide5.xml><?xml version="1.0" encoding="utf-8"?>
+<p:notes xmlns:a="http://schemas.openxmlformats.org/drawingml/2006/main" xmlns:r="http://schemas.openxmlformats.org/officeDocument/2006/relationships" xmlns:p="http://schemas.openxmlformats.org/presentationml/2006/main">
+  <p:cSld>
+    <p:spTree>
+      <p:nvGrpSpPr>
+        <p:cNvPr id="1" name=""/>
+        <p:cNvGrpSpPr/>
+        <p:nvPr/>
+      </p:nvGrpSpPr>
+      <p:grpSpPr>
+        <a:xfrm>
+          <a:off x="0" y="0"/>
+          <a:ext cx="0" cy="0"/>
+          <a:chOff x="0" y="0"/>
+          <a:chExt cx="0" cy="0"/>
+        </a:xfrm>
+      </p:grpSpPr>
+      <p:sp>
+        <p:nvSpPr>
+          <p:cNvPr id="2" name="Slide Image Placeholder 1"/>
+          <p:cNvSpPr>
+            <a:spLocks noGrp="1" noRot="1" noChangeAspect="1"/>
+          </p:cNvSpPr>
+          <p:nvPr>
+            <p:ph type="sldImg"/>
+          </p:nvPr>
+        </p:nvSpPr>
+        <p:spPr/>
+      </p:sp>
+      <p:sp>
+        <p:nvSpPr>
+          <p:cNvPr id="3" name="Notes Placeholder 2"/>
+          <p:cNvSpPr>
+            <a:spLocks noGrp="1"/>
+          </p:cNvSpPr>
+          <p:nvPr>
+            <p:ph type="body" idx="1"/>
+          </p:nvPr>
+        </p:nvSpPr>
+        <p:spPr/>
+        <p:txBody>
+          <a:bodyPr/>
+          <a:lstStyle/>
+          <a:p>
+            <a:pPr marL="171450" indent="-171450">
+              <a:buFont typeface="Arial" panose="020B0604020202020204" pitchFamily="34" charset="0"/>
+              <a:buChar char="•"/>
+            </a:pPr>
+            <a:r>
+              <a:rPr lang="en-US" dirty="0"/>
+              <a:t>Note:</a:t>
+            </a:r>
+          </a:p>
+          <a:p>
+            <a:pPr marL="628650" lvl="1" indent="-171450">
+              <a:buFont typeface="Arial" panose="020B0604020202020204" pitchFamily="34" charset="0"/>
+              <a:buChar char="•"/>
+            </a:pPr>
+            <a:r>
+              <a:rPr lang="en-US" dirty="0"/>
+              <a:t>Does not imply we should not send emails to people with few past communications. Rather, suggests that we should think about how we can boost voluntary subscriptions, or whatever it is that identifies the higher volume group (</a:t>
+            </a:r>
+            <a:r>
+              <a:rPr lang="en-US" dirty="0" err="1"/>
+              <a:t>ie</a:t>
+            </a:r>
+            <a:r>
+              <a:rPr lang="en-US" dirty="0"/>
+              <a:t> get people to </a:t>
+            </a:r>
+            <a:r>
+              <a:rPr lang="en-US" i="1" dirty="0"/>
+              <a:t>want</a:t>
+            </a:r>
+            <a:r>
+              <a:rPr lang="en-US" i="0" dirty="0"/>
+              <a:t> to receive emails)</a:t>
+            </a:r>
+            <a:endParaRPr lang="en-US" dirty="0"/>
+          </a:p>
+        </p:txBody>
+      </p:sp>
+      <p:sp>
+        <p:nvSpPr>
+          <p:cNvPr id="4" name="Slide Number Placeholder 3"/>
+          <p:cNvSpPr>
+            <a:spLocks noGrp="1"/>
+          </p:cNvSpPr>
+          <p:nvPr>
+            <p:ph type="sldNum" sz="quarter" idx="5"/>
+          </p:nvPr>
+        </p:nvSpPr>
+        <p:spPr/>
+        <p:txBody>
+          <a:bodyPr/>
+          <a:lstStyle/>
+          <a:p>
+            <a:fld id="{3EAAF15A-54DC-8443-B25D-67E754D52BC9}" type="slidenum">
+              <a:rPr lang="en-US" smtClean="0"/>
+              <a:t>8</a:t>
+            </a:fld>
+            <a:endParaRPr lang="en-US"/>
+          </a:p>
+        </p:txBody>
+      </p:sp>
+    </p:spTree>
+    <p:extLst>
+      <p:ext uri="{BB962C8B-B14F-4D97-AF65-F5344CB8AC3E}">
+        <p14:creationId xmlns:p14="http://schemas.microsoft.com/office/powerpoint/2010/main" val="918621267"/>
+      </p:ext>
+    </p:extLst>
+  </p:cSld>
+  <p:clrMapOvr>
+    <a:masterClrMapping/>
+  </p:clrMapOvr>
+</p:notes>
+</file>
+
+<file path=ppt/notesSlides/notesSlide6.xml><?xml version="1.0" encoding="utf-8"?>
+<p:notes xmlns:a="http://schemas.openxmlformats.org/drawingml/2006/main" xmlns:r="http://schemas.openxmlformats.org/officeDocument/2006/relationships" xmlns:p="http://schemas.openxmlformats.org/presentationml/2006/main">
+  <p:cSld>
+    <p:spTree>
+      <p:nvGrpSpPr>
+        <p:cNvPr id="1" name=""/>
+        <p:cNvGrpSpPr/>
+        <p:nvPr/>
+      </p:nvGrpSpPr>
+      <p:grpSpPr>
+        <a:xfrm>
+          <a:off x="0" y="0"/>
+          <a:ext cx="0" cy="0"/>
+          <a:chOff x="0" y="0"/>
+          <a:chExt cx="0" cy="0"/>
+        </a:xfrm>
+      </p:grpSpPr>
+      <p:sp>
+        <p:nvSpPr>
+          <p:cNvPr id="2" name="Slide Image Placeholder 1"/>
+          <p:cNvSpPr>
+            <a:spLocks noGrp="1" noRot="1" noChangeAspect="1"/>
+          </p:cNvSpPr>
+          <p:nvPr>
+            <p:ph type="sldImg"/>
+          </p:nvPr>
+        </p:nvSpPr>
+        <p:spPr/>
+      </p:sp>
+      <p:sp>
+        <p:nvSpPr>
+          <p:cNvPr id="3" name="Notes Placeholder 2"/>
+          <p:cNvSpPr>
+            <a:spLocks noGrp="1"/>
+          </p:cNvSpPr>
+          <p:nvPr>
+            <p:ph type="body" idx="1"/>
+          </p:nvPr>
+        </p:nvSpPr>
+        <p:spPr/>
+        <p:txBody>
+          <a:bodyPr/>
+          <a:lstStyle/>
+          <a:p>
+            <a:endParaRPr lang="en-US" dirty="0"/>
+          </a:p>
+        </p:txBody>
+      </p:sp>
+      <p:sp>
+        <p:nvSpPr>
+          <p:cNvPr id="4" name="Slide Number Placeholder 3"/>
+          <p:cNvSpPr>
+            <a:spLocks noGrp="1"/>
+          </p:cNvSpPr>
+          <p:nvPr>
+            <p:ph type="sldNum" sz="quarter" idx="5"/>
+          </p:nvPr>
+        </p:nvSpPr>
+        <p:spPr/>
+        <p:txBody>
+          <a:bodyPr/>
+          <a:lstStyle/>
+          <a:p>
+            <a:fld id="{3EAAF15A-54DC-8443-B25D-67E754D52BC9}" type="slidenum">
+              <a:rPr lang="en-US" smtClean="0"/>
+              <a:t>9</a:t>
+            </a:fld>
+            <a:endParaRPr lang="en-US"/>
+          </a:p>
+        </p:txBody>
+      </p:sp>
+    </p:spTree>
+    <p:extLst>
+      <p:ext uri="{BB962C8B-B14F-4D97-AF65-F5344CB8AC3E}">
+        <p14:creationId xmlns:p14="http://schemas.microsoft.com/office/powerpoint/2010/main" val="1026334387"/>
+      </p:ext>
+    </p:extLst>
+  </p:cSld>
+  <p:clrMapOvr>
+    <a:masterClrMapping/>
+  </p:clrMapOvr>
+</p:notes>
+</file>
+
+<file path=ppt/notesSlides/notesSlide7.xml><?xml version="1.0" encoding="utf-8"?>
+<p:notes xmlns:a="http://schemas.openxmlformats.org/drawingml/2006/main" xmlns:r="http://schemas.openxmlformats.org/officeDocument/2006/relationships" xmlns:p="http://schemas.openxmlformats.org/presentationml/2006/main">
+  <p:cSld>
+    <p:spTree>
+      <p:nvGrpSpPr>
+        <p:cNvPr id="1" name=""/>
+        <p:cNvGrpSpPr/>
+        <p:nvPr/>
+      </p:nvGrpSpPr>
+      <p:grpSpPr>
+        <a:xfrm>
+          <a:off x="0" y="0"/>
+          <a:ext cx="0" cy="0"/>
+          <a:chOff x="0" y="0"/>
+          <a:chExt cx="0" cy="0"/>
+        </a:xfrm>
+      </p:grpSpPr>
+      <p:sp>
+        <p:nvSpPr>
+          <p:cNvPr id="2" name="Slide Image Placeholder 1"/>
+          <p:cNvSpPr>
+            <a:spLocks noGrp="1" noRot="1" noChangeAspect="1"/>
+          </p:cNvSpPr>
+          <p:nvPr>
+            <p:ph type="sldImg"/>
+          </p:nvPr>
+        </p:nvSpPr>
+        <p:spPr/>
+      </p:sp>
+      <p:sp>
+        <p:nvSpPr>
+          <p:cNvPr id="3" name="Notes Placeholder 2"/>
+          <p:cNvSpPr>
+            <a:spLocks noGrp="1"/>
+          </p:cNvSpPr>
+          <p:nvPr>
+            <p:ph type="body" idx="1"/>
+          </p:nvPr>
+        </p:nvSpPr>
+        <p:spPr/>
+        <p:txBody>
+          <a:bodyPr/>
+          <a:lstStyle/>
+          <a:p>
+            <a:endParaRPr lang="en-US" dirty="0"/>
+          </a:p>
+        </p:txBody>
+      </p:sp>
+      <p:sp>
+        <p:nvSpPr>
+          <p:cNvPr id="4" name="Slide Number Placeholder 3"/>
+          <p:cNvSpPr>
+            <a:spLocks noGrp="1"/>
+          </p:cNvSpPr>
+          <p:nvPr>
+            <p:ph type="sldNum" sz="quarter" idx="5"/>
+          </p:nvPr>
+        </p:nvSpPr>
+        <p:spPr/>
+        <p:txBody>
+          <a:bodyPr/>
+          <a:lstStyle/>
+          <a:p>
+            <a:fld id="{3EAAF15A-54DC-8443-B25D-67E754D52BC9}" type="slidenum">
+              <a:rPr lang="en-US" smtClean="0"/>
+              <a:t>12</a:t>
+            </a:fld>
+            <a:endParaRPr lang="en-US"/>
+          </a:p>
+        </p:txBody>
+      </p:sp>
+    </p:spTree>
+    <p:extLst>
+      <p:ext uri="{BB962C8B-B14F-4D97-AF65-F5344CB8AC3E}">
+        <p14:creationId xmlns:p14="http://schemas.microsoft.com/office/powerpoint/2010/main" val="3812017627"/>
+      </p:ext>
+    </p:extLst>
+  </p:cSld>
+  <p:clrMapOvr>
+    <a:masterClrMapping/>
+  </p:clrMapOvr>
+</p:notes>
+</file>
+
+<file path=ppt/notesSlides/notesSlide8.xml><?xml version="1.0" encoding="utf-8"?>
+<p:notes xmlns:a="http://schemas.openxmlformats.org/drawingml/2006/main" xmlns:r="http://schemas.openxmlformats.org/officeDocument/2006/relationships" xmlns:p="http://schemas.openxmlformats.org/presentationml/2006/main">
+  <p:cSld>
+    <p:spTree>
+      <p:nvGrpSpPr>
+        <p:cNvPr id="1" name=""/>
+        <p:cNvGrpSpPr/>
+        <p:nvPr/>
+      </p:nvGrpSpPr>
+      <p:grpSpPr>
+        <a:xfrm>
+          <a:off x="0" y="0"/>
+          <a:ext cx="0" cy="0"/>
+          <a:chOff x="0" y="0"/>
+          <a:chExt cx="0" cy="0"/>
+        </a:xfrm>
+      </p:grpSpPr>
+      <p:sp>
+        <p:nvSpPr>
+          <p:cNvPr id="2" name="Slide Image Placeholder 1"/>
+          <p:cNvSpPr>
+            <a:spLocks noGrp="1" noRot="1" noChangeAspect="1"/>
+          </p:cNvSpPr>
+          <p:nvPr>
+            <p:ph type="sldImg"/>
+          </p:nvPr>
+        </p:nvSpPr>
+        <p:spPr/>
+      </p:sp>
+      <p:sp>
+        <p:nvSpPr>
+          <p:cNvPr id="3" name="Notes Placeholder 2"/>
+          <p:cNvSpPr>
+            <a:spLocks noGrp="1"/>
+          </p:cNvSpPr>
+          <p:nvPr>
+            <p:ph type="body" idx="1"/>
+          </p:nvPr>
+        </p:nvSpPr>
+        <p:spPr/>
+        <p:txBody>
+          <a:bodyPr/>
+          <a:lstStyle/>
+          <a:p>
+            <a:pPr marL="171450" indent="-171450">
+              <a:buFont typeface="Arial" panose="020B0604020202020204" pitchFamily="34" charset="0"/>
+              <a:buChar char="•"/>
+            </a:pPr>
+            <a:r>
+              <a:rPr lang="en-US" dirty="0"/>
+              <a:t>Note:</a:t>
+            </a:r>
+          </a:p>
+          <a:p>
+            <a:pPr marL="628650" lvl="1" indent="-171450">
+              <a:buFont typeface="Arial" panose="020B0604020202020204" pitchFamily="34" charset="0"/>
+              <a:buChar char="•"/>
+            </a:pPr>
+            <a:r>
+              <a:rPr lang="en-US" dirty="0"/>
+              <a:t>We don’t send hot emails to veteran recipients</a:t>
+            </a:r>
+          </a:p>
+          <a:p>
+            <a:pPr marL="171450" lvl="0" indent="-171450">
+              <a:buFont typeface="Arial" panose="020B0604020202020204" pitchFamily="34" charset="0"/>
+              <a:buChar char="•"/>
+            </a:pPr>
+            <a:r>
+              <a:rPr lang="en-US" dirty="0"/>
+              <a:t>Takeaway:</a:t>
+            </a:r>
+          </a:p>
+          <a:p>
+            <a:pPr marL="628650" lvl="1" indent="-171450">
+              <a:buFont typeface="Arial" panose="020B0604020202020204" pitchFamily="34" charset="0"/>
+              <a:buChar char="•"/>
+            </a:pPr>
+            <a:r>
+              <a:rPr lang="en-US" dirty="0"/>
+              <a:t>Make sure rookie recipients are getting hot subjects only (4+, TPC &lt; 30)</a:t>
+            </a:r>
+          </a:p>
+          <a:p>
+            <a:pPr marL="628650" lvl="1" indent="-171450">
+              <a:buFont typeface="Arial" panose="020B0604020202020204" pitchFamily="34" charset="0"/>
+              <a:buChar char="•"/>
+            </a:pPr>
+            <a:r>
+              <a:rPr lang="en-US" dirty="0"/>
+              <a:t>For vets, it could make sense to only send hot emails, but would require a controlled test since we don’t seem to have a lot of data</a:t>
+            </a:r>
+          </a:p>
+        </p:txBody>
+      </p:sp>
+      <p:sp>
+        <p:nvSpPr>
+          <p:cNvPr id="4" name="Slide Number Placeholder 3"/>
+          <p:cNvSpPr>
+            <a:spLocks noGrp="1"/>
+          </p:cNvSpPr>
+          <p:nvPr>
+            <p:ph type="sldNum" sz="quarter" idx="5"/>
+          </p:nvPr>
+        </p:nvSpPr>
+        <p:spPr/>
+        <p:txBody>
+          <a:bodyPr/>
+          <a:lstStyle/>
+          <a:p>
+            <a:fld id="{3EAAF15A-54DC-8443-B25D-67E754D52BC9}" type="slidenum">
+              <a:rPr lang="en-US" smtClean="0"/>
+              <a:t>13</a:t>
+            </a:fld>
+            <a:endParaRPr lang="en-US"/>
+          </a:p>
+        </p:txBody>
+      </p:sp>
+    </p:spTree>
+    <p:extLst>
+      <p:ext uri="{BB962C8B-B14F-4D97-AF65-F5344CB8AC3E}">
+        <p14:creationId xmlns:p14="http://schemas.microsoft.com/office/powerpoint/2010/main" val="1463627778"/>
+      </p:ext>
+    </p:extLst>
+  </p:cSld>
+  <p:clrMapOvr>
+    <a:masterClrMapping/>
+  </p:clrMapOvr>
+</p:notes>
+</file>
+
+<file path=ppt/notesSlides/notesSlide9.xml><?xml version="1.0" encoding="utf-8"?>
+<p:notes xmlns:a="http://schemas.openxmlformats.org/drawingml/2006/main" xmlns:r="http://schemas.openxmlformats.org/officeDocument/2006/relationships" xmlns:p="http://schemas.openxmlformats.org/presentationml/2006/main">
+  <p:cSld>
+    <p:spTree>
+      <p:nvGrpSpPr>
+        <p:cNvPr id="1" name=""/>
+        <p:cNvGrpSpPr/>
+        <p:nvPr/>
+      </p:nvGrpSpPr>
+      <p:grpSpPr>
+        <a:xfrm>
+          <a:off x="0" y="0"/>
+          <a:ext cx="0" cy="0"/>
+          <a:chOff x="0" y="0"/>
+          <a:chExt cx="0" cy="0"/>
+        </a:xfrm>
+      </p:grpSpPr>
+      <p:sp>
+        <p:nvSpPr>
+          <p:cNvPr id="2" name="Slide Image Placeholder 1"/>
+          <p:cNvSpPr>
+            <a:spLocks noGrp="1" noRot="1" noChangeAspect="1"/>
+          </p:cNvSpPr>
+          <p:nvPr>
+            <p:ph type="sldImg"/>
+          </p:nvPr>
+        </p:nvSpPr>
+        <p:spPr/>
+      </p:sp>
+      <p:sp>
+        <p:nvSpPr>
+          <p:cNvPr id="3" name="Notes Placeholder 2"/>
+          <p:cNvSpPr>
+            <a:spLocks noGrp="1"/>
+          </p:cNvSpPr>
+          <p:nvPr>
+            <p:ph type="body" idx="1"/>
+          </p:nvPr>
+        </p:nvSpPr>
+        <p:spPr/>
+        <p:txBody>
+          <a:bodyPr/>
+          <a:lstStyle/>
+          <a:p>
+            <a:pPr marL="171450" indent="-171450">
+              <a:buFont typeface="Arial" panose="020B0604020202020204" pitchFamily="34" charset="0"/>
+              <a:buChar char="•"/>
+            </a:pPr>
+            <a:r>
+              <a:rPr lang="en-US" dirty="0"/>
+              <a:t>Emphasize that lower word counts will always be a better option</a:t>
+            </a:r>
+          </a:p>
+          <a:p>
+            <a:pPr marL="171450" indent="-171450">
+              <a:buFont typeface="Arial" panose="020B0604020202020204" pitchFamily="34" charset="0"/>
+              <a:buChar char="•"/>
+            </a:pPr>
+            <a:r>
+              <a:rPr lang="en-US" dirty="0"/>
+              <a:t>Can note that Camp-3 is less sensitive to word count than Camp-2, so some scenarios may exist where it makes sense to send higher word counts</a:t>
+            </a:r>
+          </a:p>
+        </p:txBody>
+      </p:sp>
+      <p:sp>
+        <p:nvSpPr>
+          <p:cNvPr id="4" name="Slide Number Placeholder 3"/>
+          <p:cNvSpPr>
+            <a:spLocks noGrp="1"/>
+          </p:cNvSpPr>
+          <p:nvPr>
+            <p:ph type="sldNum" sz="quarter" idx="5"/>
+          </p:nvPr>
+        </p:nvSpPr>
+        <p:spPr/>
+        <p:txBody>
+          <a:bodyPr/>
+          <a:lstStyle/>
+          <a:p>
+            <a:fld id="{3EAAF15A-54DC-8443-B25D-67E754D52BC9}" type="slidenum">
+              <a:rPr lang="en-US" smtClean="0"/>
+              <a:t>15</a:t>
+            </a:fld>
+            <a:endParaRPr lang="en-US"/>
+          </a:p>
+        </p:txBody>
+      </p:sp>
+    </p:spTree>
+    <p:extLst>
+      <p:ext uri="{BB962C8B-B14F-4D97-AF65-F5344CB8AC3E}">
+        <p14:creationId xmlns:p14="http://schemas.microsoft.com/office/powerpoint/2010/main" val="4004649385"/>
+      </p:ext>
+    </p:extLst>
+  </p:cSld>
+  <p:clrMapOvr>
+    <a:masterClrMapping/>
+  </p:clrMapOvr>
+</p:notes>
 </file>
 
 <file path=ppt/slideLayouts/slideLayout1.xml><?xml version="1.0" encoding="utf-8"?>
@@ -3749,16 +6065,15 @@
           <a:p>
             <a:r>
               <a:rPr lang="en-US" dirty="0"/>
-              <a:t>Click Probability</a:t>
+              <a:t>CTR:</a:t>
             </a:r>
             <a:br>
               <a:rPr lang="en-US" dirty="0"/>
             </a:br>
             <a:r>
-              <a:rPr lang="en-US"/>
+              <a:rPr lang="en-US" dirty="0"/>
               <a:t>Campaign Type</a:t>
             </a:r>
-            <a:endParaRPr lang="en-US" dirty="0"/>
           </a:p>
         </p:txBody>
       </p:sp>
@@ -4116,7 +6431,7 @@
           <a:p>
             <a:r>
               <a:rPr lang="en-US" dirty="0"/>
-              <a:t>Click Probability:</a:t>
+              <a:t>CTR:</a:t>
             </a:r>
             <a:br>
               <a:rPr lang="en-US" dirty="0"/>
@@ -4152,7 +6467,7 @@
           <a:p>
             <a:r>
               <a:rPr lang="en-US" dirty="0"/>
-              <a:t>Looking at Click Rate between features</a:t>
+              <a:t>Looking at CTR between features</a:t>
             </a:r>
           </a:p>
         </p:txBody>
@@ -4518,14 +6833,14 @@
           <p:nvPr/>
         </p:nvPicPr>
         <p:blipFill>
-          <a:blip r:embed="rId2"/>
+          <a:blip r:embed="rId3"/>
           <a:stretch>
             <a:fillRect/>
           </a:stretch>
         </p:blipFill>
         <p:spPr>
           <a:xfrm>
-            <a:off x="212437" y="1536094"/>
+            <a:off x="229215" y="1089780"/>
             <a:ext cx="6805004" cy="4678439"/>
           </a:xfrm>
           <a:prstGeom prst="rect">
@@ -4980,19 +7295,13 @@
         </p:spPr>
         <p:txBody>
           <a:bodyPr>
-            <a:normAutofit fontScale="92500" lnSpcReduction="10000"/>
+            <a:normAutofit/>
           </a:bodyPr>
           <a:lstStyle/>
           <a:p>
             <a:r>
               <a:rPr lang="en-US" dirty="0"/>
-              <a:t>Sensitivity to Subject Hotness drops as recipient becomes more veteran</a:t>
-            </a:r>
-          </a:p>
-          <a:p>
-            <a:r>
-              <a:rPr lang="en-US" dirty="0"/>
-              <a:t>Low ’Hotness’ only does well for higher email counts</a:t>
+              <a:t>Hot emails don’t typically get sent to veteran recipients</a:t>
             </a:r>
           </a:p>
           <a:p>
@@ -5038,7 +7347,7 @@
           <p:nvPr/>
         </p:nvPicPr>
         <p:blipFill>
-          <a:blip r:embed="rId2"/>
+          <a:blip r:embed="rId3"/>
           <a:stretch>
             <a:fillRect/>
           </a:stretch>
@@ -5896,7 +8205,7 @@
         </p:spPr>
         <p:txBody>
           <a:bodyPr>
-            <a:normAutofit fontScale="85000" lnSpcReduction="20000"/>
+            <a:normAutofit fontScale="77500" lnSpcReduction="20000"/>
           </a:bodyPr>
           <a:lstStyle/>
           <a:p>
@@ -5908,7 +8217,7 @@
           <a:p>
             <a:r>
               <a:rPr lang="en-US" dirty="0"/>
-              <a:t>Camp-2 is overall poor but do well for low Word Counts </a:t>
+              <a:t>Camp-2 is overall poor but does well for low Word Counts </a:t>
             </a:r>
           </a:p>
           <a:p>
@@ -5931,20 +8240,14 @@
           <a:p>
             <a:r>
               <a:rPr lang="en-US" dirty="0"/>
-              <a:t>Camp-1 is anomalous</a:t>
+              <a:t>Camp-3 is highly likely to click, just has been lower volume</a:t>
             </a:r>
           </a:p>
           <a:p>
             <a:pPr lvl="1"/>
             <a:r>
               <a:rPr lang="en-US" dirty="0"/>
-              <a:t>All brand new recipients</a:t>
-            </a:r>
-          </a:p>
-          <a:p>
-            <a:r>
-              <a:rPr lang="en-US" dirty="0"/>
-              <a:t>Camp-3 is responsible for high CR</a:t>
+              <a:t>Also has most volume in higher word count bins</a:t>
             </a:r>
           </a:p>
         </p:txBody>
@@ -5964,7 +8267,7 @@
           <p:nvPr/>
         </p:nvPicPr>
         <p:blipFill>
-          <a:blip r:embed="rId2"/>
+          <a:blip r:embed="rId3"/>
           <a:stretch>
             <a:fillRect/>
           </a:stretch>
@@ -6006,6 +8309,446 @@
 </file>
 
 <file path=ppt/slides/slide16.xml><?xml version="1.0" encoding="utf-8"?>
+<p:sld xmlns:a="http://schemas.openxmlformats.org/drawingml/2006/main" xmlns:r="http://schemas.openxmlformats.org/officeDocument/2006/relationships" xmlns:p="http://schemas.openxmlformats.org/presentationml/2006/main">
+  <p:cSld>
+    <p:bg>
+      <p:bgPr>
+        <a:gradFill rotWithShape="1">
+          <a:gsLst>
+            <a:gs pos="0">
+              <a:schemeClr val="bg2">
+                <a:tint val="94000"/>
+                <a:satMod val="80000"/>
+                <a:lumMod val="106000"/>
+              </a:schemeClr>
+            </a:gs>
+            <a:gs pos="100000">
+              <a:schemeClr val="bg2">
+                <a:shade val="80000"/>
+              </a:schemeClr>
+            </a:gs>
+          </a:gsLst>
+          <a:path path="circle">
+            <a:fillToRect l="43000" r="43000" b="100000"/>
+          </a:path>
+        </a:gradFill>
+        <a:effectLst/>
+      </p:bgPr>
+    </p:bg>
+    <p:spTree>
+      <p:nvGrpSpPr>
+        <p:cNvPr id="1" name=""/>
+        <p:cNvGrpSpPr/>
+        <p:nvPr/>
+      </p:nvGrpSpPr>
+      <p:grpSpPr>
+        <a:xfrm>
+          <a:off x="0" y="0"/>
+          <a:ext cx="0" cy="0"/>
+          <a:chOff x="0" y="0"/>
+          <a:chExt cx="0" cy="0"/>
+        </a:xfrm>
+      </p:grpSpPr>
+      <p:sp useBgFill="1">
+        <p:nvSpPr>
+          <p:cNvPr id="27" name="Rectangle 26">
+            <a:extLst>
+              <a:ext uri="{FF2B5EF4-FFF2-40B4-BE49-F238E27FC236}">
+                <a16:creationId xmlns:a16="http://schemas.microsoft.com/office/drawing/2014/main" id="{C630F413-44CE-4746-9821-9E0107978E7A}"/>
+              </a:ext>
+              <a:ext uri="{C183D7F6-B498-43B3-948B-1728B52AA6E4}">
+                <adec:decorative xmlns:adec="http://schemas.microsoft.com/office/drawing/2017/decorative" val="1"/>
+              </a:ext>
+            </a:extLst>
+          </p:cNvPr>
+          <p:cNvSpPr>
+            <a:spLocks noGrp="1" noRot="1" noChangeAspect="1" noMove="1" noResize="1" noEditPoints="1" noAdjustHandles="1" noChangeArrowheads="1" noChangeShapeType="1" noTextEdit="1"/>
+          </p:cNvSpPr>
+          <p:nvPr>
+            <p:extLst>
+              <p:ext uri="{386F3935-93C4-4BCD-93E2-E3B085C9AB24}">
+                <p16:designElem xmlns:p16="http://schemas.microsoft.com/office/powerpoint/2015/main" val="1"/>
+              </p:ext>
+            </p:extLst>
+          </p:nvPr>
+        </p:nvSpPr>
+        <p:spPr>
+          <a:xfrm>
+            <a:off x="2" y="0"/>
+            <a:ext cx="12191695" cy="6858000"/>
+          </a:xfrm>
+          <a:prstGeom prst="rect">
+            <a:avLst/>
+          </a:prstGeom>
+          <a:ln>
+            <a:noFill/>
+          </a:ln>
+        </p:spPr>
+        <p:style>
+          <a:lnRef idx="2">
+            <a:schemeClr val="accent1">
+              <a:shade val="50000"/>
+            </a:schemeClr>
+          </a:lnRef>
+          <a:fillRef idx="1">
+            <a:schemeClr val="accent1"/>
+          </a:fillRef>
+          <a:effectRef idx="0">
+            <a:schemeClr val="accent1"/>
+          </a:effectRef>
+          <a:fontRef idx="minor">
+            <a:schemeClr val="lt1"/>
+          </a:fontRef>
+        </p:style>
+        <p:txBody>
+          <a:bodyPr rtlCol="0" anchor="ctr"/>
+          <a:lstStyle/>
+          <a:p>
+            <a:pPr algn="ctr"/>
+            <a:endParaRPr lang="en-US"/>
+          </a:p>
+        </p:txBody>
+      </p:sp>
+      <p:sp>
+        <p:nvSpPr>
+          <p:cNvPr id="28" name="Rectangle 27">
+            <a:extLst>
+              <a:ext uri="{FF2B5EF4-FFF2-40B4-BE49-F238E27FC236}">
+                <a16:creationId xmlns:a16="http://schemas.microsoft.com/office/drawing/2014/main" id="{22D671B1-B099-4F9C-B9CC-9D22B4DAF8A8}"/>
+              </a:ext>
+              <a:ext uri="{C183D7F6-B498-43B3-948B-1728B52AA6E4}">
+                <adec:decorative xmlns:adec="http://schemas.microsoft.com/office/drawing/2017/decorative" val="1"/>
+              </a:ext>
+            </a:extLst>
+          </p:cNvPr>
+          <p:cNvSpPr>
+            <a:spLocks noGrp="1" noRot="1" noChangeAspect="1" noMove="1" noResize="1" noEditPoints="1" noAdjustHandles="1" noChangeArrowheads="1" noChangeShapeType="1" noTextEdit="1"/>
+          </p:cNvSpPr>
+          <p:nvPr>
+            <p:extLst>
+              <p:ext uri="{386F3935-93C4-4BCD-93E2-E3B085C9AB24}">
+                <p16:designElem xmlns:p16="http://schemas.microsoft.com/office/powerpoint/2015/main" val="1"/>
+              </p:ext>
+            </p:extLst>
+          </p:nvPr>
+        </p:nvSpPr>
+        <p:spPr>
+          <a:xfrm>
+            <a:off x="0" y="2019476"/>
+            <a:ext cx="12192000" cy="4838524"/>
+          </a:xfrm>
+          <a:prstGeom prst="rect">
+            <a:avLst/>
+          </a:prstGeom>
+          <a:gradFill flip="none" rotWithShape="1">
+            <a:gsLst>
+              <a:gs pos="0">
+                <a:schemeClr val="bg2">
+                  <a:alpha val="0"/>
+                </a:schemeClr>
+              </a:gs>
+              <a:gs pos="100000">
+                <a:schemeClr val="bg2"/>
+              </a:gs>
+            </a:gsLst>
+            <a:lin ang="5400000" scaled="0"/>
+            <a:tileRect/>
+          </a:gradFill>
+          <a:ln>
+            <a:noFill/>
+          </a:ln>
+        </p:spPr>
+        <p:style>
+          <a:lnRef idx="2">
+            <a:schemeClr val="accent1">
+              <a:shade val="50000"/>
+            </a:schemeClr>
+          </a:lnRef>
+          <a:fillRef idx="1">
+            <a:schemeClr val="accent1"/>
+          </a:fillRef>
+          <a:effectRef idx="0">
+            <a:schemeClr val="accent1"/>
+          </a:effectRef>
+          <a:fontRef idx="minor">
+            <a:schemeClr val="lt1"/>
+          </a:fontRef>
+        </p:style>
+        <p:txBody>
+          <a:bodyPr rtlCol="0" anchor="ctr"/>
+          <a:lstStyle/>
+          <a:p>
+            <a:pPr lvl="0" algn="ctr"/>
+            <a:endParaRPr lang="en-US"/>
+          </a:p>
+        </p:txBody>
+      </p:sp>
+      <p:sp>
+        <p:nvSpPr>
+          <p:cNvPr id="2" name="Title 1">
+            <a:extLst>
+              <a:ext uri="{FF2B5EF4-FFF2-40B4-BE49-F238E27FC236}">
+                <a16:creationId xmlns:a16="http://schemas.microsoft.com/office/drawing/2014/main" id="{500F29BE-CC26-EC40-57CF-A2C241C5F6E6}"/>
+              </a:ext>
+            </a:extLst>
+          </p:cNvPr>
+          <p:cNvSpPr>
+            <a:spLocks noGrp="1"/>
+          </p:cNvSpPr>
+          <p:nvPr>
+            <p:ph type="title"/>
+          </p:nvPr>
+        </p:nvSpPr>
+        <p:spPr>
+          <a:xfrm>
+            <a:off x="7555992" y="707475"/>
+            <a:ext cx="3157577" cy="1312001"/>
+          </a:xfrm>
+        </p:spPr>
+        <p:txBody>
+          <a:bodyPr anchor="t">
+            <a:normAutofit fontScale="90000"/>
+          </a:bodyPr>
+          <a:lstStyle/>
+          <a:p>
+            <a:r>
+              <a:rPr lang="en-US" sz="2800" dirty="0"/>
+              <a:t>Campaign Type</a:t>
+            </a:r>
+            <a:br>
+              <a:rPr lang="en-US" sz="2800" dirty="0"/>
+            </a:br>
+            <a:r>
+              <a:rPr lang="en-US" sz="2800" dirty="0"/>
+              <a:t>&amp;</a:t>
+            </a:r>
+            <a:br>
+              <a:rPr lang="en-US" sz="2800" dirty="0"/>
+            </a:br>
+            <a:r>
+              <a:rPr lang="en-US" sz="2800" dirty="0"/>
+              <a:t>Past Communications</a:t>
+            </a:r>
+          </a:p>
+        </p:txBody>
+      </p:sp>
+      <p:cxnSp>
+        <p:nvCxnSpPr>
+          <p:cNvPr id="29" name="Straight Connector 28">
+            <a:extLst>
+              <a:ext uri="{FF2B5EF4-FFF2-40B4-BE49-F238E27FC236}">
+                <a16:creationId xmlns:a16="http://schemas.microsoft.com/office/drawing/2014/main" id="{7552FBEF-FA69-427B-8245-0A518E0513D5}"/>
+              </a:ext>
+              <a:ext uri="{C183D7F6-B498-43B3-948B-1728B52AA6E4}">
+                <adec:decorative xmlns:adec="http://schemas.microsoft.com/office/drawing/2017/decorative" val="1"/>
+              </a:ext>
+            </a:extLst>
+          </p:cNvPr>
+          <p:cNvCxnSpPr>
+            <a:cxnSpLocks noGrp="1" noRot="1" noChangeAspect="1" noMove="1" noResize="1" noEditPoints="1" noAdjustHandles="1" noChangeArrowheads="1" noChangeShapeType="1"/>
+          </p:cNvCxnSpPr>
+          <p:nvPr>
+            <p:extLst>
+              <p:ext uri="{386F3935-93C4-4BCD-93E2-E3B085C9AB24}">
+                <p16:designElem xmlns:p16="http://schemas.microsoft.com/office/powerpoint/2015/main" val="1"/>
+              </p:ext>
+            </p:extLst>
+          </p:nvPr>
+        </p:nvCxnSpPr>
+        <p:spPr>
+          <a:xfrm>
+            <a:off x="7555992" y="2146542"/>
+            <a:ext cx="3157578" cy="0"/>
+          </a:xfrm>
+          <a:prstGeom prst="line">
+            <a:avLst/>
+          </a:prstGeom>
+          <a:ln w="31750"/>
+        </p:spPr>
+        <p:style>
+          <a:lnRef idx="3">
+            <a:schemeClr val="accent1"/>
+          </a:lnRef>
+          <a:fillRef idx="0">
+            <a:schemeClr val="accent1"/>
+          </a:fillRef>
+          <a:effectRef idx="2">
+            <a:schemeClr val="accent1"/>
+          </a:effectRef>
+          <a:fontRef idx="minor">
+            <a:schemeClr val="tx1"/>
+          </a:fontRef>
+        </p:style>
+      </p:cxnSp>
+      <p:sp>
+        <p:nvSpPr>
+          <p:cNvPr id="30" name="Title 1">
+            <a:extLst>
+              <a:ext uri="{FF2B5EF4-FFF2-40B4-BE49-F238E27FC236}">
+                <a16:creationId xmlns:a16="http://schemas.microsoft.com/office/drawing/2014/main" id="{898488B7-DBD3-40E7-B54B-4DA6C5693EF3}"/>
+              </a:ext>
+              <a:ext uri="{C183D7F6-B498-43B3-948B-1728B52AA6E4}">
+                <adec:decorative xmlns:adec="http://schemas.microsoft.com/office/drawing/2017/decorative" val="1"/>
+              </a:ext>
+            </a:extLst>
+          </p:cNvPr>
+          <p:cNvSpPr txBox="1">
+            <a:spLocks noGrp="1" noRot="1" noChangeAspect="1" noMove="1" noResize="1" noEditPoints="1" noAdjustHandles="1" noChangeArrowheads="1" noChangeShapeType="1" noTextEdit="1"/>
+          </p:cNvSpPr>
+          <p:nvPr>
+            <p:extLst>
+              <p:ext uri="{386F3935-93C4-4BCD-93E2-E3B085C9AB24}">
+                <p16:designElem xmlns:p16="http://schemas.microsoft.com/office/powerpoint/2015/main" val="1"/>
+              </p:ext>
+            </p:extLst>
+          </p:nvPr>
+        </p:nvSpPr>
+        <p:spPr>
+          <a:xfrm>
+            <a:off x="1451580" y="3122496"/>
+            <a:ext cx="3530157" cy="1049235"/>
+          </a:xfrm>
+          <a:prstGeom prst="rect">
+            <a:avLst/>
+          </a:prstGeom>
+        </p:spPr>
+        <p:txBody>
+          <a:bodyPr vert="horz" lIns="91440" tIns="45720" rIns="91440" bIns="45720" rtlCol="0" anchor="t">
+            <a:normAutofit/>
+          </a:bodyPr>
+          <a:lstStyle>
+            <a:lvl1pPr algn="l" defTabSz="914400" rtl="0" eaLnBrk="1" latinLnBrk="0" hangingPunct="1">
+              <a:lnSpc>
+                <a:spcPct val="90000"/>
+              </a:lnSpc>
+              <a:spcBef>
+                <a:spcPct val="0"/>
+              </a:spcBef>
+              <a:buNone/>
+              <a:defRPr sz="3200" b="0" i="0" kern="1200" cap="all">
+                <a:solidFill>
+                  <a:schemeClr val="tx1"/>
+                </a:solidFill>
+                <a:effectLst/>
+                <a:latin typeface="+mj-lt"/>
+                <a:ea typeface="+mj-ea"/>
+                <a:cs typeface="+mj-cs"/>
+              </a:defRPr>
+            </a:lvl1pPr>
+          </a:lstStyle>
+          <a:p>
+            <a:endParaRPr lang="en-US" dirty="0"/>
+          </a:p>
+        </p:txBody>
+      </p:sp>
+      <p:pic>
+        <p:nvPicPr>
+          <p:cNvPr id="4" name="Content Placeholder 3">
+            <a:extLst>
+              <a:ext uri="{FF2B5EF4-FFF2-40B4-BE49-F238E27FC236}">
+                <a16:creationId xmlns:a16="http://schemas.microsoft.com/office/drawing/2014/main" id="{8199F686-7CF5-0FE7-AD48-F6D9E97DB212}"/>
+              </a:ext>
+            </a:extLst>
+          </p:cNvPr>
+          <p:cNvPicPr>
+            <a:picLocks noChangeAspect="1"/>
+          </p:cNvPicPr>
+          <p:nvPr/>
+        </p:nvPicPr>
+        <p:blipFill>
+          <a:blip r:embed="rId3"/>
+          <a:stretch>
+            <a:fillRect/>
+          </a:stretch>
+        </p:blipFill>
+        <p:spPr>
+          <a:xfrm>
+            <a:off x="397164" y="1008662"/>
+            <a:ext cx="6500204" cy="4403888"/>
+          </a:xfrm>
+          <a:prstGeom prst="rect">
+            <a:avLst/>
+          </a:prstGeom>
+          <a:ln w="127000" cap="sq">
+            <a:solidFill>
+              <a:srgbClr val="000000"/>
+            </a:solidFill>
+            <a:miter lim="800000"/>
+          </a:ln>
+          <a:effectLst>
+            <a:outerShdw blurRad="57150" dist="50800" dir="2700000" algn="tl" rotWithShape="0">
+              <a:srgbClr val="000000">
+                <a:alpha val="40000"/>
+              </a:srgbClr>
+            </a:outerShdw>
+          </a:effectLst>
+        </p:spPr>
+      </p:pic>
+      <p:sp>
+        <p:nvSpPr>
+          <p:cNvPr id="31" name="Content Placeholder 7">
+            <a:extLst>
+              <a:ext uri="{FF2B5EF4-FFF2-40B4-BE49-F238E27FC236}">
+                <a16:creationId xmlns:a16="http://schemas.microsoft.com/office/drawing/2014/main" id="{E110F0B5-7E0C-1704-3BC3-0A319C757C78}"/>
+              </a:ext>
+            </a:extLst>
+          </p:cNvPr>
+          <p:cNvSpPr>
+            <a:spLocks noGrp="1"/>
+          </p:cNvSpPr>
+          <p:nvPr>
+            <p:ph idx="1"/>
+          </p:nvPr>
+        </p:nvSpPr>
+        <p:spPr>
+          <a:xfrm>
+            <a:off x="7554138" y="2273608"/>
+            <a:ext cx="3159432" cy="3940925"/>
+          </a:xfrm>
+        </p:spPr>
+        <p:txBody>
+          <a:bodyPr>
+            <a:normAutofit/>
+          </a:bodyPr>
+          <a:lstStyle/>
+          <a:p>
+            <a:r>
+              <a:rPr lang="en-US" dirty="0"/>
+              <a:t>Separation across past communication bins</a:t>
+            </a:r>
+          </a:p>
+          <a:p>
+            <a:r>
+              <a:rPr lang="en-US" dirty="0"/>
+              <a:t>Camp-3 highly sensitive to past email volume</a:t>
+            </a:r>
+          </a:p>
+          <a:p>
+            <a:pPr lvl="1"/>
+            <a:r>
+              <a:rPr lang="en-US" dirty="0"/>
+              <a:t>CTR over doubles after 30 emails </a:t>
+            </a:r>
+          </a:p>
+          <a:p>
+            <a:endParaRPr lang="en-US" dirty="0"/>
+          </a:p>
+        </p:txBody>
+      </p:sp>
+    </p:spTree>
+    <p:extLst>
+      <p:ext uri="{BB962C8B-B14F-4D97-AF65-F5344CB8AC3E}">
+        <p14:creationId xmlns:p14="http://schemas.microsoft.com/office/powerpoint/2010/main" val="3233097700"/>
+      </p:ext>
+    </p:extLst>
+  </p:cSld>
+  <p:clrMapOvr>
+    <a:masterClrMapping/>
+  </p:clrMapOvr>
+</p:sld>
+</file>
+
+<file path=ppt/slides/slide17.xml><?xml version="1.0" encoding="utf-8"?>
 <p:sld xmlns:a="http://schemas.openxmlformats.org/drawingml/2006/main" xmlns:r="http://schemas.openxmlformats.org/officeDocument/2006/relationships" xmlns:p="http://schemas.openxmlformats.org/presentationml/2006/main">
   <p:cSld>
     <p:bg>
@@ -6351,28 +9094,42 @@
           <a:p>
             <a:r>
               <a:rPr lang="en-US" dirty="0"/>
-              <a:t>Recall we had observed negative trend for Subject Hotness and Click Rate</a:t>
-            </a:r>
-          </a:p>
-          <a:p>
-            <a:r>
-              <a:rPr lang="en-US" dirty="0"/>
-              <a:t>Trend is </a:t>
-            </a:r>
-            <a:r>
-              <a:rPr lang="en-US" i="1" dirty="0"/>
-              <a:t>opposite </a:t>
-            </a:r>
-            <a:r>
-              <a:rPr lang="en-US" dirty="0"/>
-              <a:t>initial indication due to Campaign Types</a:t>
-            </a:r>
-          </a:p>
-          <a:p>
-            <a:r>
-              <a:rPr lang="en-US" dirty="0"/>
-              <a:t>Ends up being strongest interactive signal in ML model</a:t>
-            </a:r>
+              <a:t>Camp-2 is only campaign with different subject </a:t>
+            </a:r>
+            <a:r>
+              <a:rPr lang="en-US" dirty="0" err="1"/>
+              <a:t>hotnesses</a:t>
+            </a:r>
+            <a:endParaRPr lang="en-US" dirty="0"/>
+          </a:p>
+          <a:p>
+            <a:r>
+              <a:rPr lang="en-US" dirty="0"/>
+              <a:t>Subject hotness doing well univariately for low scores may be related to Campaign Type</a:t>
+            </a:r>
+          </a:p>
+          <a:p>
+            <a:pPr lvl="1"/>
+            <a:r>
+              <a:rPr lang="en-US" dirty="0"/>
+              <a:t>Implies hotter is better for Camp-2</a:t>
+            </a:r>
+          </a:p>
+          <a:p>
+            <a:pPr lvl="1"/>
+            <a:r>
+              <a:rPr lang="en-US" dirty="0"/>
+              <a:t>Would this hold generally?</a:t>
+            </a:r>
+          </a:p>
+          <a:p>
+            <a:endParaRPr lang="en-US" dirty="0"/>
+          </a:p>
+          <a:p>
+            <a:endParaRPr lang="en-US" dirty="0"/>
+          </a:p>
+          <a:p>
+            <a:endParaRPr lang="en-US" dirty="0"/>
           </a:p>
         </p:txBody>
       </p:sp>
@@ -6389,7 +9146,7 @@
 </p:sld>
 </file>
 
-<file path=ppt/slides/slide17.xml><?xml version="1.0" encoding="utf-8"?>
+<file path=ppt/slides/slide18.xml><?xml version="1.0" encoding="utf-8"?>
 <p:sld xmlns:a="http://schemas.openxmlformats.org/drawingml/2006/main" xmlns:r="http://schemas.openxmlformats.org/officeDocument/2006/relationships" xmlns:p="http://schemas.openxmlformats.org/presentationml/2006/main" show="0">
   <p:cSld>
     <p:bg>
@@ -6820,211 +9577,6 @@
 </p:sld>
 </file>
 
-<file path=ppt/slides/slide18.xml><?xml version="1.0" encoding="utf-8"?>
-<p:sld xmlns:a="http://schemas.openxmlformats.org/drawingml/2006/main" xmlns:r="http://schemas.openxmlformats.org/officeDocument/2006/relationships" xmlns:p="http://schemas.openxmlformats.org/presentationml/2006/main">
-  <p:cSld>
-    <p:spTree>
-      <p:nvGrpSpPr>
-        <p:cNvPr id="1" name=""/>
-        <p:cNvGrpSpPr/>
-        <p:nvPr/>
-      </p:nvGrpSpPr>
-      <p:grpSpPr>
-        <a:xfrm>
-          <a:off x="0" y="0"/>
-          <a:ext cx="0" cy="0"/>
-          <a:chOff x="0" y="0"/>
-          <a:chExt cx="0" cy="0"/>
-        </a:xfrm>
-      </p:grpSpPr>
-      <p:sp>
-        <p:nvSpPr>
-          <p:cNvPr id="2" name="Title 1">
-            <a:extLst>
-              <a:ext uri="{FF2B5EF4-FFF2-40B4-BE49-F238E27FC236}">
-                <a16:creationId xmlns:a16="http://schemas.microsoft.com/office/drawing/2014/main" id="{55C8ED0A-9EFD-40C2-A9C8-273922485621}"/>
-              </a:ext>
-            </a:extLst>
-          </p:cNvPr>
-          <p:cNvSpPr>
-            <a:spLocks noGrp="1"/>
-          </p:cNvSpPr>
-          <p:nvPr>
-            <p:ph type="title"/>
-          </p:nvPr>
-        </p:nvSpPr>
-        <p:spPr/>
-        <p:txBody>
-          <a:bodyPr/>
-          <a:lstStyle/>
-          <a:p>
-            <a:r>
-              <a:rPr lang="en-US" dirty="0"/>
-              <a:t>Takeaways: Email Design Enhancements</a:t>
-            </a:r>
-          </a:p>
-        </p:txBody>
-      </p:sp>
-      <p:sp>
-        <p:nvSpPr>
-          <p:cNvPr id="3" name="Content Placeholder 2">
-            <a:extLst>
-              <a:ext uri="{FF2B5EF4-FFF2-40B4-BE49-F238E27FC236}">
-                <a16:creationId xmlns:a16="http://schemas.microsoft.com/office/drawing/2014/main" id="{EA111353-B980-7D26-4839-251D41046747}"/>
-              </a:ext>
-            </a:extLst>
-          </p:cNvPr>
-          <p:cNvSpPr>
-            <a:spLocks noGrp="1"/>
-          </p:cNvSpPr>
-          <p:nvPr>
-            <p:ph idx="1"/>
-          </p:nvPr>
-        </p:nvSpPr>
-        <p:spPr/>
-        <p:txBody>
-          <a:bodyPr>
-            <a:normAutofit fontScale="62500" lnSpcReduction="20000"/>
-          </a:bodyPr>
-          <a:lstStyle/>
-          <a:p>
-            <a:r>
-              <a:rPr lang="en-US" dirty="0"/>
-              <a:t>Reducing Word Count improves Click Rate across the board and is the easiest quick win</a:t>
-            </a:r>
-          </a:p>
-          <a:p>
-            <a:r>
-              <a:rPr lang="en-US" dirty="0"/>
-              <a:t>Establishing a loyal customer base results in long-term click rate success</a:t>
-            </a:r>
-          </a:p>
-          <a:p>
-            <a:pPr lvl="1"/>
-            <a:r>
-              <a:rPr lang="en-US" dirty="0"/>
-              <a:t>Outside the scope of this project, but an obvious emphasis for any retail business</a:t>
-            </a:r>
-          </a:p>
-          <a:p>
-            <a:r>
-              <a:rPr lang="en-US" dirty="0"/>
-              <a:t>Choosing the right Campaign Type</a:t>
-            </a:r>
-          </a:p>
-          <a:p>
-            <a:pPr lvl="1"/>
-            <a:r>
-              <a:rPr lang="en-US" dirty="0"/>
-              <a:t>How much control do we have on the Campaign Type? Seasonal? Our discretion? Special event?</a:t>
-            </a:r>
-          </a:p>
-          <a:p>
-            <a:pPr lvl="1"/>
-            <a:r>
-              <a:rPr lang="en-US" dirty="0"/>
-              <a:t>Learn from Campaign 2</a:t>
-            </a:r>
-          </a:p>
-          <a:p>
-            <a:pPr lvl="2"/>
-            <a:r>
-              <a:rPr lang="en-US" dirty="0"/>
-              <a:t>Hotter subjects </a:t>
-            </a:r>
-            <a:r>
-              <a:rPr lang="en-US" dirty="0">
-                <a:sym typeface="Wingdings" pitchFamily="2" charset="2"/>
-              </a:rPr>
-              <a:t> more clicks</a:t>
-            </a:r>
-          </a:p>
-          <a:p>
-            <a:r>
-              <a:rPr lang="en-US" dirty="0">
-                <a:sym typeface="Wingdings" pitchFamily="2" charset="2"/>
-              </a:rPr>
-              <a:t>Choosing the Email Type</a:t>
-            </a:r>
-          </a:p>
-          <a:p>
-            <a:pPr lvl="1"/>
-            <a:r>
-              <a:rPr lang="en-US" dirty="0">
-                <a:sym typeface="Wingdings" pitchFamily="2" charset="2"/>
-              </a:rPr>
-              <a:t>Do we control Email Type?</a:t>
-            </a:r>
-          </a:p>
-          <a:p>
-            <a:pPr lvl="2"/>
-            <a:r>
-              <a:rPr lang="en-US" dirty="0">
-                <a:sym typeface="Wingdings" pitchFamily="2" charset="2"/>
-              </a:rPr>
-              <a:t>Type 1 should be emphasized especially for fewer word counts</a:t>
-            </a:r>
-          </a:p>
-          <a:p>
-            <a:r>
-              <a:rPr lang="en-US" dirty="0">
-                <a:sym typeface="Wingdings" pitchFamily="2" charset="2"/>
-              </a:rPr>
-              <a:t>Choosing the Email Source Type</a:t>
-            </a:r>
-          </a:p>
-          <a:p>
-            <a:pPr lvl="1"/>
-            <a:r>
-              <a:rPr lang="en-US" dirty="0">
-                <a:sym typeface="Wingdings" pitchFamily="2" charset="2"/>
-              </a:rPr>
-              <a:t>Do we control the email source? Are these 3</a:t>
-            </a:r>
-            <a:r>
-              <a:rPr lang="en-US" baseline="30000" dirty="0">
-                <a:sym typeface="Wingdings" pitchFamily="2" charset="2"/>
-              </a:rPr>
-              <a:t>rd</a:t>
-            </a:r>
-            <a:r>
-              <a:rPr lang="en-US" dirty="0">
-                <a:sym typeface="Wingdings" pitchFamily="2" charset="2"/>
-              </a:rPr>
-              <a:t> party vendors or internal systems?</a:t>
-            </a:r>
-          </a:p>
-          <a:p>
-            <a:pPr lvl="2"/>
-            <a:r>
-              <a:rPr lang="en-US" dirty="0">
-                <a:sym typeface="Wingdings" pitchFamily="2" charset="2"/>
-              </a:rPr>
-              <a:t>Those receiving from Source-1 can tolerate more words if necessary</a:t>
-            </a:r>
-            <a:endParaRPr lang="en-US" dirty="0"/>
-          </a:p>
-          <a:p>
-            <a:endParaRPr lang="en-US" dirty="0"/>
-          </a:p>
-          <a:p>
-            <a:endParaRPr lang="en-US" dirty="0"/>
-          </a:p>
-        </p:txBody>
-      </p:sp>
-    </p:spTree>
-    <p:extLst>
-      <p:ext uri="{BB962C8B-B14F-4D97-AF65-F5344CB8AC3E}">
-        <p14:creationId xmlns:p14="http://schemas.microsoft.com/office/powerpoint/2010/main" val="719162868"/>
-      </p:ext>
-    </p:extLst>
-  </p:cSld>
-  <p:clrMapOvr>
-    <a:masterClrMapping/>
-  </p:clrMapOvr>
-</p:sld>
-</file>
-
 <file path=ppt/slides/slide19.xml><?xml version="1.0" encoding="utf-8"?>
 <p:sld xmlns:a="http://schemas.openxmlformats.org/drawingml/2006/main" xmlns:r="http://schemas.openxmlformats.org/officeDocument/2006/relationships" xmlns:p="http://schemas.openxmlformats.org/presentationml/2006/main">
   <p:cSld>
@@ -7047,7 +9599,7 @@
           <p:cNvPr id="2" name="Title 1">
             <a:extLst>
               <a:ext uri="{FF2B5EF4-FFF2-40B4-BE49-F238E27FC236}">
-                <a16:creationId xmlns:a16="http://schemas.microsoft.com/office/drawing/2014/main" id="{20131198-9163-B4BF-6B62-296F2E4D7E25}"/>
+                <a16:creationId xmlns:a16="http://schemas.microsoft.com/office/drawing/2014/main" id="{55C8ED0A-9EFD-40C2-A9C8-273922485621}"/>
               </a:ext>
             </a:extLst>
           </p:cNvPr>
@@ -7065,24 +9617,17 @@
           <a:p>
             <a:r>
               <a:rPr lang="en-US" dirty="0"/>
-              <a:t>Machine Learning:</a:t>
-            </a:r>
-            <a:br>
-              <a:rPr lang="en-US" dirty="0"/>
-            </a:br>
-            <a:r>
-              <a:rPr lang="en-US" dirty="0"/>
-              <a:t>Optimizing Profit Margin</a:t>
-            </a:r>
-          </a:p>
-        </p:txBody>
-      </p:sp>
-      <p:sp>
-        <p:nvSpPr>
-          <p:cNvPr id="3" name="Text Placeholder 2">
+              <a:t>Takeaways: Email Design Enhancements</a:t>
+            </a:r>
+          </a:p>
+        </p:txBody>
+      </p:sp>
+      <p:sp>
+        <p:nvSpPr>
+          <p:cNvPr id="3" name="Content Placeholder 2">
             <a:extLst>
               <a:ext uri="{FF2B5EF4-FFF2-40B4-BE49-F238E27FC236}">
-                <a16:creationId xmlns:a16="http://schemas.microsoft.com/office/drawing/2014/main" id="{EB615BD6-6456-A8A1-0202-53593397F386}"/>
+                <a16:creationId xmlns:a16="http://schemas.microsoft.com/office/drawing/2014/main" id="{EA111353-B980-7D26-4839-251D41046747}"/>
               </a:ext>
             </a:extLst>
           </p:cNvPr>
@@ -7090,25 +9635,48 @@
             <a:spLocks noGrp="1"/>
           </p:cNvSpPr>
           <p:nvPr>
-            <p:ph type="body" idx="1"/>
+            <p:ph idx="1"/>
           </p:nvPr>
         </p:nvSpPr>
         <p:spPr/>
         <p:txBody>
-          <a:bodyPr/>
+          <a:bodyPr>
+            <a:normAutofit/>
+          </a:bodyPr>
           <a:lstStyle/>
           <a:p>
             <a:r>
               <a:rPr lang="en-US" dirty="0"/>
-              <a:t>Using the insights from Click Rate analysis to predict click decision and optimize profit margin</a:t>
-            </a:r>
+              <a:t>Reducing Word Count improves Click Rate across the board and is the easiest quick win</a:t>
+            </a:r>
+          </a:p>
+          <a:p>
+            <a:r>
+              <a:rPr lang="en-US" dirty="0"/>
+              <a:t>Establishing a loyal customer base results in long-term click rate success</a:t>
+            </a:r>
+          </a:p>
+          <a:p>
+            <a:r>
+              <a:rPr lang="en-US" dirty="0"/>
+              <a:t>Choosing the right Campaign Type</a:t>
+            </a:r>
+          </a:p>
+          <a:p>
+            <a:r>
+              <a:rPr lang="en-US" dirty="0">
+                <a:sym typeface="Wingdings" pitchFamily="2" charset="2"/>
+              </a:rPr>
+              <a:t>Choosing the Email Type/Email Source Type</a:t>
+            </a:r>
+            <a:endParaRPr lang="en-US" dirty="0"/>
           </a:p>
         </p:txBody>
       </p:sp>
     </p:spTree>
     <p:extLst>
       <p:ext uri="{BB962C8B-B14F-4D97-AF65-F5344CB8AC3E}">
-        <p14:creationId xmlns:p14="http://schemas.microsoft.com/office/powerpoint/2010/main" val="2171566153"/>
+        <p14:creationId xmlns:p14="http://schemas.microsoft.com/office/powerpoint/2010/main" val="719162868"/>
       </p:ext>
     </p:extLst>
   </p:cSld>
@@ -7298,7 +9866,7 @@
           <p:cNvPr id="2" name="Title 1">
             <a:extLst>
               <a:ext uri="{FF2B5EF4-FFF2-40B4-BE49-F238E27FC236}">
-                <a16:creationId xmlns:a16="http://schemas.microsoft.com/office/drawing/2014/main" id="{C160590A-0262-6123-9F84-2E03796093E6}"/>
+                <a16:creationId xmlns:a16="http://schemas.microsoft.com/office/drawing/2014/main" id="{20131198-9163-B4BF-6B62-296F2E4D7E25}"/>
               </a:ext>
             </a:extLst>
           </p:cNvPr>
@@ -7316,17 +9884,24 @@
           <a:p>
             <a:r>
               <a:rPr lang="en-US" dirty="0"/>
-              <a:t>Defining Success for Machine Learning</a:t>
-            </a:r>
-          </a:p>
-        </p:txBody>
-      </p:sp>
-      <p:sp>
-        <p:nvSpPr>
-          <p:cNvPr id="3" name="Content Placeholder 2">
+              <a:t>Machine Learning:</a:t>
+            </a:r>
+            <a:br>
+              <a:rPr lang="en-US" dirty="0"/>
+            </a:br>
+            <a:r>
+              <a:rPr lang="en-US" dirty="0"/>
+              <a:t>Optimizing Profit Margin</a:t>
+            </a:r>
+          </a:p>
+        </p:txBody>
+      </p:sp>
+      <p:sp>
+        <p:nvSpPr>
+          <p:cNvPr id="3" name="Text Placeholder 2">
             <a:extLst>
               <a:ext uri="{FF2B5EF4-FFF2-40B4-BE49-F238E27FC236}">
-                <a16:creationId xmlns:a16="http://schemas.microsoft.com/office/drawing/2014/main" id="{152CDDB7-B497-3D91-E384-6E0CECC04B80}"/>
+                <a16:creationId xmlns:a16="http://schemas.microsoft.com/office/drawing/2014/main" id="{EB615BD6-6456-A8A1-0202-53593397F386}"/>
               </a:ext>
             </a:extLst>
           </p:cNvPr>
@@ -7334,151 +9909,25 @@
             <a:spLocks noGrp="1"/>
           </p:cNvSpPr>
           <p:nvPr>
-            <p:ph idx="1"/>
+            <p:ph type="body" idx="1"/>
           </p:nvPr>
         </p:nvSpPr>
         <p:spPr/>
         <p:txBody>
-          <a:bodyPr>
-            <a:normAutofit fontScale="92500" lnSpcReduction="10000"/>
-          </a:bodyPr>
+          <a:bodyPr/>
           <a:lstStyle/>
           <a:p>
             <a:r>
               <a:rPr lang="en-US" dirty="0"/>
-              <a:t>What is a good predictive model for our use case? </a:t>
-            </a:r>
-          </a:p>
-          <a:p>
-            <a:pPr lvl="1"/>
-            <a:r>
-              <a:rPr lang="en-US" dirty="0"/>
-              <a:t>Primary focus is </a:t>
-            </a:r>
-            <a:r>
-              <a:rPr lang="en-US" i="1" u="sng" dirty="0"/>
-              <a:t>cost savings</a:t>
-            </a:r>
-            <a:r>
-              <a:rPr lang="en-US" i="1" dirty="0"/>
-              <a:t>, </a:t>
-            </a:r>
-            <a:r>
-              <a:rPr lang="en-US" dirty="0"/>
-              <a:t>secondary is revenue generation. Why?</a:t>
-            </a:r>
-            <a:endParaRPr lang="en-US" u="sng" dirty="0"/>
-          </a:p>
-          <a:p>
-            <a:r>
-              <a:rPr lang="en-US" dirty="0"/>
-              <a:t>Things to consider</a:t>
-            </a:r>
-          </a:p>
-          <a:p>
-            <a:pPr marL="800100" lvl="1" indent="-342900">
-              <a:buFont typeface="+mj-lt"/>
-              <a:buAutoNum type="arabicPeriod"/>
-            </a:pPr>
-            <a:r>
-              <a:rPr lang="en-US" dirty="0"/>
-              <a:t>Better than random</a:t>
-            </a:r>
-          </a:p>
-          <a:p>
-            <a:pPr marL="1257300" lvl="2" indent="-342900">
-              <a:buFont typeface="+mj-lt"/>
-              <a:buAutoNum type="arabicPeriod"/>
-            </a:pPr>
-            <a:r>
-              <a:rPr lang="en-US" dirty="0"/>
-              <a:t>If we can be better than random chance at knowing who will click (or more importantly, who </a:t>
-            </a:r>
-            <a:r>
-              <a:rPr lang="en-US" i="1" dirty="0"/>
-              <a:t>won’t </a:t>
-            </a:r>
-            <a:r>
-              <a:rPr lang="en-US" dirty="0"/>
-              <a:t>click), we will make more money</a:t>
-            </a:r>
-          </a:p>
-          <a:p>
-            <a:pPr marL="800100" lvl="1" indent="-342900">
-              <a:buFont typeface="+mj-lt"/>
-              <a:buAutoNum type="arabicPeriod"/>
-            </a:pPr>
-            <a:r>
-              <a:rPr lang="en-US" dirty="0"/>
-              <a:t>Stability and reliability</a:t>
-            </a:r>
-          </a:p>
-          <a:p>
-            <a:pPr marL="1257300" lvl="2" indent="-342900">
-              <a:buFont typeface="+mj-lt"/>
-              <a:buAutoNum type="arabicPeriod"/>
-            </a:pPr>
-            <a:r>
-              <a:rPr lang="en-US" dirty="0"/>
-              <a:t>What happens as time passes? </a:t>
-            </a:r>
-          </a:p>
-          <a:p>
-            <a:pPr marL="800100" lvl="1" indent="-342900">
-              <a:buFont typeface="+mj-lt"/>
-              <a:buAutoNum type="arabicPeriod"/>
-            </a:pPr>
-            <a:r>
-              <a:rPr lang="en-US" dirty="0"/>
-              <a:t>Interpretability</a:t>
-            </a:r>
-          </a:p>
-          <a:p>
-            <a:pPr marL="1257300" lvl="2" indent="-342900">
-              <a:buFont typeface="+mj-lt"/>
-              <a:buAutoNum type="arabicPeriod"/>
-            </a:pPr>
-            <a:r>
-              <a:rPr lang="en-US" dirty="0"/>
-              <a:t>Can we understand </a:t>
-            </a:r>
-            <a:r>
-              <a:rPr lang="en-US" i="1" dirty="0"/>
-              <a:t>why </a:t>
-            </a:r>
-            <a:r>
-              <a:rPr lang="en-US" dirty="0"/>
-              <a:t>the model is better than random chance? (</a:t>
-            </a:r>
-            <a:r>
-              <a:rPr lang="en-US" dirty="0" err="1"/>
-              <a:t>ie</a:t>
-            </a:r>
-            <a:r>
-              <a:rPr lang="en-US" dirty="0"/>
-              <a:t> what features matter?)</a:t>
-            </a:r>
-          </a:p>
-          <a:p>
-            <a:pPr marL="800100" lvl="1" indent="-342900">
-              <a:buFont typeface="+mj-lt"/>
-              <a:buAutoNum type="arabicPeriod"/>
-            </a:pPr>
-            <a:endParaRPr lang="en-US" dirty="0"/>
-          </a:p>
-          <a:p>
-            <a:pPr marL="800100" lvl="1" indent="-342900">
-              <a:buFont typeface="+mj-lt"/>
-              <a:buAutoNum type="arabicPeriod"/>
-            </a:pPr>
-            <a:endParaRPr lang="en-US" dirty="0"/>
+              <a:t>Using the insights from Click Rate analysis to predict click decision and optimize profit margin</a:t>
+            </a:r>
           </a:p>
         </p:txBody>
       </p:sp>
     </p:spTree>
     <p:extLst>
       <p:ext uri="{BB962C8B-B14F-4D97-AF65-F5344CB8AC3E}">
-        <p14:creationId xmlns:p14="http://schemas.microsoft.com/office/powerpoint/2010/main" val="2160115100"/>
+        <p14:creationId xmlns:p14="http://schemas.microsoft.com/office/powerpoint/2010/main" val="2171566153"/>
       </p:ext>
     </p:extLst>
   </p:cSld>
@@ -7510,7 +9959,7 @@
           <p:cNvPr id="2" name="Title 1">
             <a:extLst>
               <a:ext uri="{FF2B5EF4-FFF2-40B4-BE49-F238E27FC236}">
-                <a16:creationId xmlns:a16="http://schemas.microsoft.com/office/drawing/2014/main" id="{D9146872-5E94-D8F2-68C3-8F8DF4231442}"/>
+                <a16:creationId xmlns:a16="http://schemas.microsoft.com/office/drawing/2014/main" id="{C160590A-0262-6123-9F84-2E03796093E6}"/>
               </a:ext>
             </a:extLst>
           </p:cNvPr>
@@ -7528,17 +9977,17 @@
           <a:p>
             <a:r>
               <a:rPr lang="en-US" dirty="0"/>
-              <a:t>Optimizing Profitability</a:t>
-            </a:r>
-          </a:p>
-        </p:txBody>
-      </p:sp>
-      <p:sp>
-        <p:nvSpPr>
-          <p:cNvPr id="8" name="Content Placeholder 7">
+              <a:t>Defining Success for Machine Learning</a:t>
+            </a:r>
+          </a:p>
+        </p:txBody>
+      </p:sp>
+      <p:sp>
+        <p:nvSpPr>
+          <p:cNvPr id="3" name="Content Placeholder 2">
             <a:extLst>
               <a:ext uri="{FF2B5EF4-FFF2-40B4-BE49-F238E27FC236}">
-                <a16:creationId xmlns:a16="http://schemas.microsoft.com/office/drawing/2014/main" id="{F5A5177D-7378-B5B1-DA2F-50022722B95A}"/>
+                <a16:creationId xmlns:a16="http://schemas.microsoft.com/office/drawing/2014/main" id="{152CDDB7-B497-3D91-E384-6E0CECC04B80}"/>
               </a:ext>
             </a:extLst>
           </p:cNvPr>
@@ -7551,105 +10000,81 @@
         </p:nvSpPr>
         <p:spPr/>
         <p:txBody>
-          <a:bodyPr/>
+          <a:bodyPr>
+            <a:normAutofit/>
+          </a:bodyPr>
           <a:lstStyle/>
           <a:p>
             <a:r>
               <a:rPr lang="en-US" dirty="0"/>
-              <a:t>Defining how to optimize profit margin using classification</a:t>
+              <a:t>What is a good predictive model for our use case? </a:t>
             </a:r>
           </a:p>
           <a:p>
             <a:pPr lvl="1"/>
             <a:r>
               <a:rPr lang="en-US" dirty="0"/>
-              <a:t>TP = True Positives</a:t>
-            </a:r>
-          </a:p>
-          <a:p>
-            <a:pPr lvl="1"/>
-            <a:r>
-              <a:rPr lang="en-US" dirty="0"/>
-              <a:t>FP = False Positives</a:t>
-            </a:r>
-          </a:p>
-          <a:p>
-            <a:pPr lvl="1"/>
+              <a:t>Primary focus revenue generation + cost savings (</a:t>
+            </a:r>
             <a:r>
               <a:rPr lang="en-US" dirty="0" err="1"/>
-              <a:t>R_Click</a:t>
-            </a:r>
-            <a:r>
-              <a:rPr lang="en-US" dirty="0"/>
-              <a:t> = Revenue per Click</a:t>
-            </a:r>
-          </a:p>
-          <a:p>
-            <a:pPr lvl="1"/>
-            <a:r>
-              <a:rPr lang="en-US" dirty="0" err="1"/>
-              <a:t>C_Email</a:t>
-            </a:r>
-            <a:r>
-              <a:rPr lang="en-US" dirty="0"/>
-              <a:t> = Cost per Email</a:t>
-            </a:r>
-          </a:p>
-          <a:p>
-            <a:r>
-              <a:rPr lang="en-US" dirty="0"/>
-              <a:t>How do we use this equation in practice?</a:t>
-            </a:r>
-          </a:p>
-          <a:p>
-            <a:pPr lvl="1"/>
+              <a:t>ie</a:t>
+            </a:r>
+            <a:r>
+              <a:rPr lang="en-US" dirty="0"/>
+              <a:t> profit), not necessarily F1</a:t>
+            </a:r>
+            <a:endParaRPr lang="en-US" u="sng" dirty="0"/>
+          </a:p>
+          <a:p>
+            <a:r>
+              <a:rPr lang="en-US" dirty="0"/>
+              <a:t>Things to consider</a:t>
+            </a:r>
+          </a:p>
+          <a:p>
+            <a:pPr marL="800100" lvl="1" indent="-342900">
+              <a:buFont typeface="+mj-lt"/>
+              <a:buAutoNum type="arabicPeriod"/>
+            </a:pPr>
+            <a:r>
+              <a:rPr lang="en-US" dirty="0"/>
+              <a:t>Better than random?</a:t>
+            </a:r>
+          </a:p>
+          <a:p>
+            <a:pPr marL="800100" lvl="1" indent="-342900">
+              <a:buFont typeface="+mj-lt"/>
+              <a:buAutoNum type="arabicPeriod"/>
+            </a:pPr>
+            <a:r>
+              <a:rPr lang="en-US" dirty="0"/>
+              <a:t>Stability and reliability</a:t>
+            </a:r>
+          </a:p>
+          <a:p>
+            <a:pPr marL="800100" lvl="1" indent="-342900">
+              <a:buFont typeface="+mj-lt"/>
+              <a:buAutoNum type="arabicPeriod"/>
+            </a:pPr>
+            <a:r>
+              <a:rPr lang="en-US" dirty="0"/>
+              <a:t>Interpretability</a:t>
+            </a:r>
+          </a:p>
+          <a:p>
+            <a:pPr marL="800100" lvl="1" indent="-342900">
+              <a:buFont typeface="+mj-lt"/>
+              <a:buAutoNum type="arabicPeriod"/>
+            </a:pPr>
             <a:endParaRPr lang="en-US" dirty="0"/>
           </a:p>
-          <a:p>
-            <a:endParaRPr lang="en-US" dirty="0"/>
-          </a:p>
-          <a:p>
-            <a:endParaRPr lang="en-US" dirty="0"/>
-          </a:p>
-          <a:p>
-            <a:endParaRPr lang="en-US" dirty="0"/>
-          </a:p>
-        </p:txBody>
-      </p:sp>
-      <p:pic>
-        <p:nvPicPr>
-          <p:cNvPr id="10" name="Picture 9">
-            <a:extLst>
-              <a:ext uri="{FF2B5EF4-FFF2-40B4-BE49-F238E27FC236}">
-                <a16:creationId xmlns:a16="http://schemas.microsoft.com/office/drawing/2014/main" id="{951F1174-2E92-9E51-D229-568F4197C663}"/>
-              </a:ext>
-            </a:extLst>
-          </p:cNvPr>
-          <p:cNvPicPr>
-            <a:picLocks noChangeAspect="1"/>
-          </p:cNvPicPr>
-          <p:nvPr/>
-        </p:nvPicPr>
-        <p:blipFill>
-          <a:blip r:embed="rId2"/>
-          <a:stretch>
-            <a:fillRect/>
-          </a:stretch>
-        </p:blipFill>
-        <p:spPr>
-          <a:xfrm>
-            <a:off x="5651892" y="2755900"/>
-            <a:ext cx="4495800" cy="673100"/>
-          </a:xfrm>
-          <a:prstGeom prst="rect">
-            <a:avLst/>
-          </a:prstGeom>
-        </p:spPr>
-      </p:pic>
+        </p:txBody>
+      </p:sp>
     </p:spTree>
     <p:extLst>
       <p:ext uri="{BB962C8B-B14F-4D97-AF65-F5344CB8AC3E}">
-        <p14:creationId xmlns:p14="http://schemas.microsoft.com/office/powerpoint/2010/main" val="2534451967"/>
+        <p14:creationId xmlns:p14="http://schemas.microsoft.com/office/powerpoint/2010/main" val="2160115100"/>
       </p:ext>
     </p:extLst>
   </p:cSld>
@@ -7681,6 +10106,526 @@
           <p:cNvPr id="2" name="Title 1">
             <a:extLst>
               <a:ext uri="{FF2B5EF4-FFF2-40B4-BE49-F238E27FC236}">
+                <a16:creationId xmlns:a16="http://schemas.microsoft.com/office/drawing/2014/main" id="{D9146872-5E94-D8F2-68C3-8F8DF4231442}"/>
+              </a:ext>
+            </a:extLst>
+          </p:cNvPr>
+          <p:cNvSpPr>
+            <a:spLocks noGrp="1"/>
+          </p:cNvSpPr>
+          <p:nvPr>
+            <p:ph type="title"/>
+          </p:nvPr>
+        </p:nvSpPr>
+        <p:spPr/>
+        <p:txBody>
+          <a:bodyPr/>
+          <a:lstStyle/>
+          <a:p>
+            <a:r>
+              <a:rPr lang="en-US" dirty="0"/>
+              <a:t>Optimizing Profitability</a:t>
+            </a:r>
+          </a:p>
+        </p:txBody>
+      </p:sp>
+      <p:sp>
+        <p:nvSpPr>
+          <p:cNvPr id="8" name="Content Placeholder 7">
+            <a:extLst>
+              <a:ext uri="{FF2B5EF4-FFF2-40B4-BE49-F238E27FC236}">
+                <a16:creationId xmlns:a16="http://schemas.microsoft.com/office/drawing/2014/main" id="{F5A5177D-7378-B5B1-DA2F-50022722B95A}"/>
+              </a:ext>
+            </a:extLst>
+          </p:cNvPr>
+          <p:cNvSpPr>
+            <a:spLocks noGrp="1"/>
+          </p:cNvSpPr>
+          <p:nvPr>
+            <p:ph idx="1"/>
+          </p:nvPr>
+        </p:nvSpPr>
+        <p:spPr/>
+        <p:txBody>
+          <a:bodyPr/>
+          <a:lstStyle/>
+          <a:p>
+            <a:r>
+              <a:rPr lang="en-US" dirty="0"/>
+              <a:t>Defining how to optimize profit margin using classification</a:t>
+            </a:r>
+          </a:p>
+          <a:p>
+            <a:pPr lvl="1"/>
+            <a:r>
+              <a:rPr lang="en-US" dirty="0"/>
+              <a:t>TP = True Positives</a:t>
+            </a:r>
+          </a:p>
+          <a:p>
+            <a:pPr lvl="1"/>
+            <a:r>
+              <a:rPr lang="en-US" dirty="0"/>
+              <a:t>FP = False Positives</a:t>
+            </a:r>
+          </a:p>
+          <a:p>
+            <a:pPr lvl="1"/>
+            <a:r>
+              <a:rPr lang="en-US" dirty="0" err="1"/>
+              <a:t>R_Click</a:t>
+            </a:r>
+            <a:r>
+              <a:rPr lang="en-US" dirty="0"/>
+              <a:t> = Revenue per Click</a:t>
+            </a:r>
+          </a:p>
+          <a:p>
+            <a:pPr lvl="1"/>
+            <a:r>
+              <a:rPr lang="en-US" dirty="0" err="1"/>
+              <a:t>C_Email</a:t>
+            </a:r>
+            <a:r>
+              <a:rPr lang="en-US" dirty="0"/>
+              <a:t> = Cost per Email</a:t>
+            </a:r>
+          </a:p>
+          <a:p>
+            <a:r>
+              <a:rPr lang="en-US" dirty="0"/>
+              <a:t>How do we use this equation in practice?</a:t>
+            </a:r>
+          </a:p>
+          <a:p>
+            <a:pPr lvl="1"/>
+            <a:endParaRPr lang="en-US" dirty="0"/>
+          </a:p>
+          <a:p>
+            <a:endParaRPr lang="en-US" dirty="0"/>
+          </a:p>
+          <a:p>
+            <a:endParaRPr lang="en-US" dirty="0"/>
+          </a:p>
+          <a:p>
+            <a:endParaRPr lang="en-US" dirty="0"/>
+          </a:p>
+        </p:txBody>
+      </p:sp>
+      <p:pic>
+        <p:nvPicPr>
+          <p:cNvPr id="10" name="Picture 9">
+            <a:extLst>
+              <a:ext uri="{FF2B5EF4-FFF2-40B4-BE49-F238E27FC236}">
+                <a16:creationId xmlns:a16="http://schemas.microsoft.com/office/drawing/2014/main" id="{951F1174-2E92-9E51-D229-568F4197C663}"/>
+              </a:ext>
+            </a:extLst>
+          </p:cNvPr>
+          <p:cNvPicPr>
+            <a:picLocks noChangeAspect="1"/>
+          </p:cNvPicPr>
+          <p:nvPr/>
+        </p:nvPicPr>
+        <p:blipFill>
+          <a:blip r:embed="rId3"/>
+          <a:stretch>
+            <a:fillRect/>
+          </a:stretch>
+        </p:blipFill>
+        <p:spPr>
+          <a:xfrm>
+            <a:off x="5651892" y="2755900"/>
+            <a:ext cx="4495800" cy="673100"/>
+          </a:xfrm>
+          <a:prstGeom prst="rect">
+            <a:avLst/>
+          </a:prstGeom>
+        </p:spPr>
+      </p:pic>
+    </p:spTree>
+    <p:extLst>
+      <p:ext uri="{BB962C8B-B14F-4D97-AF65-F5344CB8AC3E}">
+        <p14:creationId xmlns:p14="http://schemas.microsoft.com/office/powerpoint/2010/main" val="2534451967"/>
+      </p:ext>
+    </p:extLst>
+  </p:cSld>
+  <p:clrMapOvr>
+    <a:masterClrMapping/>
+  </p:clrMapOvr>
+</p:sld>
+</file>
+
+<file path=ppt/slides/slide23.xml><?xml version="1.0" encoding="utf-8"?>
+<p:sld xmlns:a="http://schemas.openxmlformats.org/drawingml/2006/main" xmlns:r="http://schemas.openxmlformats.org/officeDocument/2006/relationships" xmlns:p="http://schemas.openxmlformats.org/presentationml/2006/main">
+  <p:cSld>
+    <p:bg>
+      <p:bgPr>
+        <a:gradFill rotWithShape="1">
+          <a:gsLst>
+            <a:gs pos="0">
+              <a:schemeClr val="bg2">
+                <a:tint val="94000"/>
+                <a:satMod val="80000"/>
+                <a:lumMod val="106000"/>
+              </a:schemeClr>
+            </a:gs>
+            <a:gs pos="100000">
+              <a:schemeClr val="bg2">
+                <a:shade val="80000"/>
+              </a:schemeClr>
+            </a:gs>
+          </a:gsLst>
+          <a:path path="circle">
+            <a:fillToRect l="43000" r="43000" b="100000"/>
+          </a:path>
+        </a:gradFill>
+        <a:effectLst/>
+      </p:bgPr>
+    </p:bg>
+    <p:spTree>
+      <p:nvGrpSpPr>
+        <p:cNvPr id="1" name=""/>
+        <p:cNvGrpSpPr/>
+        <p:nvPr/>
+      </p:nvGrpSpPr>
+      <p:grpSpPr>
+        <a:xfrm>
+          <a:off x="0" y="0"/>
+          <a:ext cx="0" cy="0"/>
+          <a:chOff x="0" y="0"/>
+          <a:chExt cx="0" cy="0"/>
+        </a:xfrm>
+      </p:grpSpPr>
+      <p:sp>
+        <p:nvSpPr>
+          <p:cNvPr id="2" name="Title 1">
+            <a:extLst>
+              <a:ext uri="{FF2B5EF4-FFF2-40B4-BE49-F238E27FC236}">
+                <a16:creationId xmlns:a16="http://schemas.microsoft.com/office/drawing/2014/main" id="{0A074B67-3CD7-1A82-24C5-EE15BB476759}"/>
+              </a:ext>
+            </a:extLst>
+          </p:cNvPr>
+          <p:cNvSpPr>
+            <a:spLocks noGrp="1"/>
+          </p:cNvSpPr>
+          <p:nvPr>
+            <p:ph type="title"/>
+          </p:nvPr>
+        </p:nvSpPr>
+        <p:spPr>
+          <a:xfrm>
+            <a:off x="1451579" y="804519"/>
+            <a:ext cx="9603275" cy="1049235"/>
+          </a:xfrm>
+        </p:spPr>
+        <p:txBody>
+          <a:bodyPr>
+            <a:normAutofit/>
+          </a:bodyPr>
+          <a:lstStyle/>
+          <a:p>
+            <a:r>
+              <a:rPr lang="en-US" dirty="0"/>
+              <a:t>Optimization Curve</a:t>
+            </a:r>
+          </a:p>
+        </p:txBody>
+      </p:sp>
+      <p:grpSp>
+        <p:nvGrpSpPr>
+          <p:cNvPr id="18" name="Group 17">
+            <a:extLst>
+              <a:ext uri="{FF2B5EF4-FFF2-40B4-BE49-F238E27FC236}">
+                <a16:creationId xmlns:a16="http://schemas.microsoft.com/office/drawing/2014/main" id="{F2C08210-135F-434B-9B07-F3B4978C6C21}"/>
+              </a:ext>
+              <a:ext uri="{C183D7F6-B498-43B3-948B-1728B52AA6E4}">
+                <adec:decorative xmlns:adec="http://schemas.microsoft.com/office/drawing/2017/decorative" val="1"/>
+              </a:ext>
+            </a:extLst>
+          </p:cNvPr>
+          <p:cNvGrpSpPr>
+            <a:grpSpLocks noGrp="1" noUngrp="1" noRot="1" noChangeAspect="1" noMove="1" noResize="1"/>
+          </p:cNvGrpSpPr>
+          <p:nvPr>
+            <p:extLst>
+              <p:ext uri="{386F3935-93C4-4BCD-93E2-E3B085C9AB24}">
+                <p16:designElem xmlns:p16="http://schemas.microsoft.com/office/powerpoint/2015/main" val="1"/>
+              </p:ext>
+            </p:extLst>
+          </p:nvPr>
+        </p:nvGrpSpPr>
+        <p:grpSpPr>
+          <a:xfrm>
+            <a:off x="1459130" y="2012810"/>
+            <a:ext cx="4954206" cy="3453535"/>
+            <a:chOff x="7807230" y="2012810"/>
+            <a:chExt cx="3251252" cy="3459865"/>
+          </a:xfrm>
+        </p:grpSpPr>
+        <p:sp>
+          <p:nvSpPr>
+            <p:cNvPr id="19" name="Rectangle 18">
+              <a:extLst>
+                <a:ext uri="{FF2B5EF4-FFF2-40B4-BE49-F238E27FC236}">
+                  <a16:creationId xmlns:a16="http://schemas.microsoft.com/office/drawing/2014/main" id="{F67A18BA-FBAA-4972-B2EE-86107FA7F012}"/>
+                </a:ext>
+                <a:ext uri="{C183D7F6-B498-43B3-948B-1728B52AA6E4}">
+                  <adec:decorative xmlns:adec="http://schemas.microsoft.com/office/drawing/2017/decorative" val="1"/>
+                </a:ext>
+              </a:extLst>
+            </p:cNvPr>
+            <p:cNvSpPr/>
+            <p:nvPr>
+              <p:extLst>
+                <p:ext uri="{386F3935-93C4-4BCD-93E2-E3B085C9AB24}">
+                  <p16:designElem xmlns:p16="http://schemas.microsoft.com/office/powerpoint/2015/main" val="1"/>
+                </p:ext>
+              </p:extLst>
+            </p:nvPr>
+          </p:nvSpPr>
+          <p:spPr>
+            <a:xfrm>
+              <a:off x="7807230" y="2012810"/>
+              <a:ext cx="3251252" cy="3459865"/>
+            </a:xfrm>
+            <a:prstGeom prst="rect">
+              <a:avLst/>
+            </a:prstGeom>
+            <a:gradFill>
+              <a:gsLst>
+                <a:gs pos="0">
+                  <a:srgbClr val="000001"/>
+                </a:gs>
+                <a:gs pos="100000">
+                  <a:srgbClr val="191919"/>
+                </a:gs>
+              </a:gsLst>
+            </a:gradFill>
+            <a:ln w="76200" cmpd="sng">
+              <a:noFill/>
+              <a:miter lim="800000"/>
+            </a:ln>
+            <a:effectLst>
+              <a:outerShdw blurRad="127000" dist="190500" dir="4740000" sx="98000" sy="98000" algn="tl" rotWithShape="0">
+                <a:srgbClr val="000000">
+                  <a:alpha val="34000"/>
+                </a:srgbClr>
+              </a:outerShdw>
+            </a:effectLst>
+            <a:scene3d>
+              <a:camera prst="orthographicFront"/>
+              <a:lightRig rig="threePt" dir="t"/>
+            </a:scene3d>
+            <a:sp3d>
+              <a:bevelT w="152400" h="50800" prst="softRound"/>
+            </a:sp3d>
+          </p:spPr>
+          <p:style>
+            <a:lnRef idx="1">
+              <a:schemeClr val="accent1"/>
+            </a:lnRef>
+            <a:fillRef idx="3">
+              <a:schemeClr val="accent1"/>
+            </a:fillRef>
+            <a:effectRef idx="2">
+              <a:schemeClr val="accent1"/>
+            </a:effectRef>
+            <a:fontRef idx="minor">
+              <a:schemeClr val="lt1"/>
+            </a:fontRef>
+          </p:style>
+          <p:txBody>
+            <a:bodyPr rtlCol="0" anchor="ctr"/>
+            <a:lstStyle/>
+            <a:p>
+              <a:pPr algn="ctr"/>
+              <a:endParaRPr lang="en-US"/>
+            </a:p>
+          </p:txBody>
+        </p:sp>
+        <p:sp>
+          <p:nvSpPr>
+            <p:cNvPr id="20" name="Rectangle 19">
+              <a:extLst>
+                <a:ext uri="{FF2B5EF4-FFF2-40B4-BE49-F238E27FC236}">
+                  <a16:creationId xmlns:a16="http://schemas.microsoft.com/office/drawing/2014/main" id="{8776751E-B197-4182-95E7-62121266B03C}"/>
+                </a:ext>
+                <a:ext uri="{C183D7F6-B498-43B3-948B-1728B52AA6E4}">
+                  <adec:decorative xmlns:adec="http://schemas.microsoft.com/office/drawing/2017/decorative" val="1"/>
+                </a:ext>
+              </a:extLst>
+            </p:cNvPr>
+            <p:cNvSpPr/>
+            <p:nvPr>
+              <p:extLst>
+                <p:ext uri="{386F3935-93C4-4BCD-93E2-E3B085C9AB24}">
+                  <p16:designElem xmlns:p16="http://schemas.microsoft.com/office/powerpoint/2015/main" val="1"/>
+                </p:ext>
+              </p:extLst>
+            </p:nvPr>
+          </p:nvSpPr>
+          <p:spPr>
+            <a:xfrm>
+              <a:off x="7807231" y="2026142"/>
+              <a:ext cx="3251250" cy="3440203"/>
+            </a:xfrm>
+            <a:prstGeom prst="rect">
+              <a:avLst/>
+            </a:prstGeom>
+            <a:solidFill>
+              <a:schemeClr val="bg1"/>
+            </a:solidFill>
+            <a:ln w="76200" cmpd="sng">
+              <a:solidFill>
+                <a:srgbClr val="191919"/>
+              </a:solidFill>
+              <a:miter lim="800000"/>
+            </a:ln>
+            <a:effectLst>
+              <a:innerShdw blurRad="63500" dist="88900" dir="14100000">
+                <a:srgbClr val="000000">
+                  <a:alpha val="30000"/>
+                </a:srgbClr>
+              </a:innerShdw>
+            </a:effectLst>
+            <a:scene3d>
+              <a:camera prst="orthographicFront"/>
+              <a:lightRig rig="threePt" dir="t"/>
+            </a:scene3d>
+            <a:sp3d>
+              <a:bevelT w="38100" h="38100" prst="relaxedInset"/>
+            </a:sp3d>
+          </p:spPr>
+          <p:style>
+            <a:lnRef idx="1">
+              <a:schemeClr val="accent1"/>
+            </a:lnRef>
+            <a:fillRef idx="3">
+              <a:schemeClr val="accent1"/>
+            </a:fillRef>
+            <a:effectRef idx="2">
+              <a:schemeClr val="accent1"/>
+            </a:effectRef>
+            <a:fontRef idx="minor">
+              <a:schemeClr val="lt1"/>
+            </a:fontRef>
+          </p:style>
+          <p:txBody>
+            <a:bodyPr rtlCol="0" anchor="ctr"/>
+            <a:lstStyle/>
+            <a:p>
+              <a:pPr algn="ctr"/>
+              <a:endParaRPr lang="en-US"/>
+            </a:p>
+          </p:txBody>
+        </p:sp>
+      </p:grpSp>
+      <p:pic>
+        <p:nvPicPr>
+          <p:cNvPr id="5" name="Picture 4">
+            <a:extLst>
+              <a:ext uri="{FF2B5EF4-FFF2-40B4-BE49-F238E27FC236}">
+                <a16:creationId xmlns:a16="http://schemas.microsoft.com/office/drawing/2014/main" id="{DEB3057A-9B4E-1944-E11C-47303B054354}"/>
+              </a:ext>
+            </a:extLst>
+          </p:cNvPr>
+          <p:cNvPicPr>
+            <a:picLocks noChangeAspect="1"/>
+          </p:cNvPicPr>
+          <p:nvPr/>
+        </p:nvPicPr>
+        <p:blipFill>
+          <a:blip r:embed="rId3"/>
+          <a:stretch>
+            <a:fillRect/>
+          </a:stretch>
+        </p:blipFill>
+        <p:spPr>
+          <a:xfrm>
+            <a:off x="1635739" y="2242676"/>
+            <a:ext cx="4613872" cy="2987482"/>
+          </a:xfrm>
+          <a:prstGeom prst="rect">
+            <a:avLst/>
+          </a:prstGeom>
+        </p:spPr>
+      </p:pic>
+      <p:sp>
+        <p:nvSpPr>
+          <p:cNvPr id="8" name="Content Placeholder 7">
+            <a:extLst>
+              <a:ext uri="{FF2B5EF4-FFF2-40B4-BE49-F238E27FC236}">
+                <a16:creationId xmlns:a16="http://schemas.microsoft.com/office/drawing/2014/main" id="{0E92CFD8-ECAC-B95A-A24A-2C3ADC36A717}"/>
+              </a:ext>
+            </a:extLst>
+          </p:cNvPr>
+          <p:cNvSpPr>
+            <a:spLocks noGrp="1"/>
+          </p:cNvSpPr>
+          <p:nvPr>
+            <p:ph idx="1"/>
+          </p:nvPr>
+        </p:nvSpPr>
+        <p:spPr>
+          <a:xfrm>
+            <a:off x="6903337" y="2015734"/>
+            <a:ext cx="4158849" cy="3450613"/>
+          </a:xfrm>
+        </p:spPr>
+        <p:txBody>
+          <a:bodyPr>
+            <a:normAutofit/>
+          </a:bodyPr>
+          <a:lstStyle/>
+          <a:p>
+            <a:r>
+              <a:rPr lang="en-US" dirty="0"/>
+              <a:t>Decision thresholds inform the model the minimum probability needed to be classified as a Click</a:t>
+            </a:r>
+          </a:p>
+          <a:p>
+            <a:r>
+              <a:rPr lang="en-US" dirty="0"/>
+              <a:t>We optimize profit at 17% with a margin of $.052/email</a:t>
+            </a:r>
+          </a:p>
+        </p:txBody>
+      </p:sp>
+    </p:spTree>
+    <p:extLst>
+      <p:ext uri="{BB962C8B-B14F-4D97-AF65-F5344CB8AC3E}">
+        <p14:creationId xmlns:p14="http://schemas.microsoft.com/office/powerpoint/2010/main" val="3861785811"/>
+      </p:ext>
+    </p:extLst>
+  </p:cSld>
+  <p:clrMapOvr>
+    <a:masterClrMapping/>
+  </p:clrMapOvr>
+</p:sld>
+</file>
+
+<file path=ppt/slides/slide24.xml><?xml version="1.0" encoding="utf-8"?>
+<p:sld xmlns:a="http://schemas.openxmlformats.org/drawingml/2006/main" xmlns:r="http://schemas.openxmlformats.org/officeDocument/2006/relationships" xmlns:p="http://schemas.openxmlformats.org/presentationml/2006/main">
+  <p:cSld>
+    <p:spTree>
+      <p:nvGrpSpPr>
+        <p:cNvPr id="1" name=""/>
+        <p:cNvGrpSpPr/>
+        <p:nvPr/>
+      </p:nvGrpSpPr>
+      <p:grpSpPr>
+        <a:xfrm>
+          <a:off x="0" y="0"/>
+          <a:ext cx="0" cy="0"/>
+          <a:chOff x="0" y="0"/>
+          <a:chExt cx="0" cy="0"/>
+        </a:xfrm>
+      </p:grpSpPr>
+      <p:sp>
+        <p:nvSpPr>
+          <p:cNvPr id="2" name="Title 1">
+            <a:extLst>
+              <a:ext uri="{FF2B5EF4-FFF2-40B4-BE49-F238E27FC236}">
                 <a16:creationId xmlns:a16="http://schemas.microsoft.com/office/drawing/2014/main" id="{3F69B4F3-A207-62A1-5775-9E86C0A8807D}"/>
               </a:ext>
             </a:extLst>
@@ -7720,14 +10665,14 @@
             <p:ph idx="1"/>
             <p:extLst>
               <p:ext uri="{D42A27DB-BD31-4B8C-83A1-F6EECF244321}">
-                <p14:modId xmlns:p14="http://schemas.microsoft.com/office/powerpoint/2010/main" val="1727919555"/>
+                <p14:modId xmlns:p14="http://schemas.microsoft.com/office/powerpoint/2010/main" val="2332827953"/>
               </p:ext>
             </p:extLst>
           </p:nvPr>
         </p:nvGraphicFramePr>
         <p:xfrm>
-          <a:off x="1302589" y="2016125"/>
-          <a:ext cx="9752760" cy="3032760"/>
+          <a:off x="1451579" y="2016125"/>
+          <a:ext cx="9603774" cy="2494280"/>
         </p:xfrm>
         <a:graphic>
           <a:graphicData uri="http://schemas.openxmlformats.org/drawingml/2006/table">
@@ -7736,42 +10681,42 @@
                 <a:tableStyleId>{5C22544A-7EE6-4342-B048-85BDC9FD1C3A}</a:tableStyleId>
               </a:tblPr>
               <a:tblGrid>
-                <a:gridCol w="1625460">
+                <a:gridCol w="2293107">
                   <a:extLst>
                     <a:ext uri="{9D8B030D-6E8A-4147-A177-3AD203B41FA5}">
                       <a16:colId xmlns:a16="http://schemas.microsoft.com/office/drawing/2014/main" val="548418064"/>
                     </a:ext>
                   </a:extLst>
                 </a:gridCol>
-                <a:gridCol w="1625460">
+                <a:gridCol w="2318657">
                   <a:extLst>
                     <a:ext uri="{9D8B030D-6E8A-4147-A177-3AD203B41FA5}">
                       <a16:colId xmlns:a16="http://schemas.microsoft.com/office/drawing/2014/main" val="2985231437"/>
                     </a:ext>
                   </a:extLst>
                 </a:gridCol>
-                <a:gridCol w="1625460">
+                <a:gridCol w="1262743">
                   <a:extLst>
                     <a:ext uri="{9D8B030D-6E8A-4147-A177-3AD203B41FA5}">
                       <a16:colId xmlns:a16="http://schemas.microsoft.com/office/drawing/2014/main" val="2662690002"/>
                     </a:ext>
                   </a:extLst>
                 </a:gridCol>
-                <a:gridCol w="1625460">
+                <a:gridCol w="914400">
                   <a:extLst>
                     <a:ext uri="{9D8B030D-6E8A-4147-A177-3AD203B41FA5}">
                       <a16:colId xmlns:a16="http://schemas.microsoft.com/office/drawing/2014/main" val="87352992"/>
                     </a:ext>
                   </a:extLst>
                 </a:gridCol>
-                <a:gridCol w="1625460">
+                <a:gridCol w="1214238">
                   <a:extLst>
                     <a:ext uri="{9D8B030D-6E8A-4147-A177-3AD203B41FA5}">
                       <a16:colId xmlns:a16="http://schemas.microsoft.com/office/drawing/2014/main" val="3270036705"/>
                     </a:ext>
                   </a:extLst>
                 </a:gridCol>
-                <a:gridCol w="1625460">
+                <a:gridCol w="1600629">
                   <a:extLst>
                     <a:ext uri="{9D8B030D-6E8A-4147-A177-3AD203B41FA5}">
                       <a16:colId xmlns:a16="http://schemas.microsoft.com/office/drawing/2014/main" val="4079763393"/>
@@ -7800,7 +10745,7 @@
                     <a:p>
                       <a:r>
                         <a:rPr lang="en-US" dirty="0"/>
-                        <a:t>Added Profit Margin/Email</a:t>
+                        <a:t>Added Profit Margin per Email</a:t>
                       </a:r>
                     </a:p>
                   </a:txBody>
@@ -7813,7 +10758,7 @@
                     <a:p>
                       <a:r>
                         <a:rPr lang="en-US" dirty="0"/>
-                        <a:t>P(Click) Threshold</a:t>
+                        <a:t>Avg Precision</a:t>
                       </a:r>
                     </a:p>
                   </a:txBody>
@@ -7885,7 +10830,7 @@
                     <a:p>
                       <a:r>
                         <a:rPr lang="en-US" dirty="0"/>
-                        <a:t>$0.0</a:t>
+                        <a:t>$0.00</a:t>
                       </a:r>
                     </a:p>
                   </a:txBody>
@@ -7898,7 +10843,7 @@
                     <a:p>
                       <a:r>
                         <a:rPr lang="en-US" dirty="0"/>
-                        <a:t>19%</a:t>
+                        <a:t>19.7%</a:t>
                       </a:r>
                     </a:p>
                   </a:txBody>
@@ -7983,6 +10928,19 @@
                     <a:p>
                       <a:r>
                         <a:rPr lang="en-US" dirty="0"/>
+                        <a:t>49.3%</a:t>
+                      </a:r>
+                    </a:p>
+                  </a:txBody>
+                  <a:tcPr/>
+                </a:tc>
+                <a:tc>
+                  <a:txBody>
+                    <a:bodyPr/>
+                    <a:lstStyle/>
+                    <a:p>
+                      <a:r>
+                        <a:rPr lang="en-US" dirty="0"/>
                         <a:t>49%</a:t>
                       </a:r>
                     </a:p>
@@ -7996,7 +10954,7 @@
                     <a:p>
                       <a:r>
                         <a:rPr lang="en-US" dirty="0"/>
-                        <a:t>50%</a:t>
+                        <a:t>75%</a:t>
                       </a:r>
                     </a:p>
                   </a:txBody>
@@ -8009,20 +10967,7 @@
                     <a:p>
                       <a:r>
                         <a:rPr lang="en-US" dirty="0"/>
-                        <a:t>65%</a:t>
-                      </a:r>
-                    </a:p>
-                  </a:txBody>
-                  <a:tcPr/>
-                </a:tc>
-                <a:tc>
-                  <a:txBody>
-                    <a:bodyPr/>
-                    <a:lstStyle/>
-                    <a:p>
-                      <a:r>
-                        <a:rPr lang="en-US" dirty="0"/>
-                        <a:t>41%</a:t>
+                        <a:t>36%</a:t>
                       </a:r>
                     </a:p>
                   </a:txBody>
@@ -8068,7 +11013,7 @@
                     <a:p>
                       <a:r>
                         <a:rPr lang="en-US" dirty="0"/>
-                        <a:t>17%</a:t>
+                        <a:t>52.4%</a:t>
                       </a:r>
                     </a:p>
                   </a:txBody>
@@ -8154,7 +11099,7 @@
                     <a:p>
                       <a:r>
                         <a:rPr lang="en-US" dirty="0"/>
-                        <a:t>18%</a:t>
+                        <a:t>53.4%</a:t>
                       </a:r>
                     </a:p>
                   </a:txBody>
@@ -8239,7 +11184,7 @@
                     <a:p>
                       <a:r>
                         <a:rPr lang="en-US" dirty="0"/>
-                        <a:t>17%</a:t>
+                        <a:t>53.9%</a:t>
                       </a:r>
                     </a:p>
                   </a:txBody>
@@ -8307,33 +11252,9 @@
 </p:sld>
 </file>
 
-<file path=ppt/slides/slide23.xml><?xml version="1.0" encoding="utf-8"?>
+<file path=ppt/slides/slide25.xml><?xml version="1.0" encoding="utf-8"?>
 <p:sld xmlns:a="http://schemas.openxmlformats.org/drawingml/2006/main" xmlns:r="http://schemas.openxmlformats.org/officeDocument/2006/relationships" xmlns:p="http://schemas.openxmlformats.org/presentationml/2006/main">
   <p:cSld>
-    <p:bg>
-      <p:bgPr>
-        <a:gradFill rotWithShape="1">
-          <a:gsLst>
-            <a:gs pos="0">
-              <a:schemeClr val="bg2">
-                <a:tint val="94000"/>
-                <a:satMod val="80000"/>
-                <a:lumMod val="106000"/>
-              </a:schemeClr>
-            </a:gs>
-            <a:gs pos="100000">
-              <a:schemeClr val="bg2">
-                <a:shade val="80000"/>
-              </a:schemeClr>
-            </a:gs>
-          </a:gsLst>
-          <a:path path="circle">
-            <a:fillToRect l="43000" r="43000" b="100000"/>
-          </a:path>
-        </a:gradFill>
-        <a:effectLst/>
-      </p:bgPr>
-    </p:bg>
     <p:spTree>
       <p:nvGrpSpPr>
         <p:cNvPr id="1" name=""/>
@@ -8353,7 +11274,7 @@
           <p:cNvPr id="2" name="Title 1">
             <a:extLst>
               <a:ext uri="{FF2B5EF4-FFF2-40B4-BE49-F238E27FC236}">
-                <a16:creationId xmlns:a16="http://schemas.microsoft.com/office/drawing/2014/main" id="{E9B20D16-8439-98FB-8ECF-12FD4E85D92C}"/>
+                <a16:creationId xmlns:a16="http://schemas.microsoft.com/office/drawing/2014/main" id="{6CFD27CD-5D75-8B0A-BEC8-F3C3096AFEC1}"/>
               </a:ext>
             </a:extLst>
           </p:cNvPr>
@@ -8364,227 +11285,56 @@
             <p:ph type="title"/>
           </p:nvPr>
         </p:nvSpPr>
-        <p:spPr>
-          <a:xfrm>
-            <a:off x="1451579" y="804519"/>
-            <a:ext cx="9603275" cy="1049235"/>
-          </a:xfrm>
-        </p:spPr>
-        <p:txBody>
-          <a:bodyPr>
-            <a:normAutofit/>
-          </a:bodyPr>
+        <p:spPr/>
+        <p:txBody>
+          <a:bodyPr/>
           <a:lstStyle/>
           <a:p>
             <a:r>
               <a:rPr lang="en-US" dirty="0"/>
-              <a:t>Choosing a model: </a:t>
-            </a:r>
-            <a:br>
-              <a:rPr lang="en-US" dirty="0"/>
-            </a:br>
-            <a:r>
-              <a:rPr lang="en-US" dirty="0"/>
-              <a:t>variability</a:t>
-            </a:r>
-          </a:p>
-        </p:txBody>
-      </p:sp>
-      <p:grpSp>
-        <p:nvGrpSpPr>
-          <p:cNvPr id="9" name="Group 8">
+              <a:t>Decision Thresholds</a:t>
+            </a:r>
+          </a:p>
+        </p:txBody>
+      </p:sp>
+      <p:pic>
+        <p:nvPicPr>
+          <p:cNvPr id="4" name="Content Placeholder 3">
             <a:extLst>
               <a:ext uri="{FF2B5EF4-FFF2-40B4-BE49-F238E27FC236}">
-                <a16:creationId xmlns:a16="http://schemas.microsoft.com/office/drawing/2014/main" id="{F2C08210-135F-434B-9B07-F3B4978C6C21}"/>
-              </a:ext>
-              <a:ext uri="{C183D7F6-B498-43B3-948B-1728B52AA6E4}">
-                <adec:decorative xmlns:adec="http://schemas.microsoft.com/office/drawing/2017/decorative" val="1"/>
+                <a16:creationId xmlns:a16="http://schemas.microsoft.com/office/drawing/2014/main" id="{3EDC97B0-5BB2-B104-4EE8-2809D56BCE9D}"/>
               </a:ext>
             </a:extLst>
           </p:cNvPr>
-          <p:cNvGrpSpPr>
-            <a:grpSpLocks noGrp="1" noUngrp="1" noRot="1" noChangeAspect="1" noMove="1" noResize="1"/>
-          </p:cNvGrpSpPr>
-          <p:nvPr>
-            <p:extLst>
-              <p:ext uri="{386F3935-93C4-4BCD-93E2-E3B085C9AB24}">
-                <p16:designElem xmlns:p16="http://schemas.microsoft.com/office/powerpoint/2015/main" val="1"/>
-              </p:ext>
-            </p:extLst>
-          </p:nvPr>
-        </p:nvGrpSpPr>
-        <p:grpSpPr>
-          <a:xfrm>
-            <a:off x="1459130" y="2012810"/>
-            <a:ext cx="4954206" cy="3453535"/>
-            <a:chOff x="7807230" y="2012810"/>
-            <a:chExt cx="3251252" cy="3459865"/>
-          </a:xfrm>
-        </p:grpSpPr>
-        <p:sp>
-          <p:nvSpPr>
-            <p:cNvPr id="10" name="Rectangle 9">
-              <a:extLst>
-                <a:ext uri="{FF2B5EF4-FFF2-40B4-BE49-F238E27FC236}">
-                  <a16:creationId xmlns:a16="http://schemas.microsoft.com/office/drawing/2014/main" id="{F67A18BA-FBAA-4972-B2EE-86107FA7F012}"/>
-                </a:ext>
-                <a:ext uri="{C183D7F6-B498-43B3-948B-1728B52AA6E4}">
-                  <adec:decorative xmlns:adec="http://schemas.microsoft.com/office/drawing/2017/decorative" val="1"/>
-                </a:ext>
-              </a:extLst>
-            </p:cNvPr>
-            <p:cNvSpPr/>
-            <p:nvPr>
-              <p:extLst>
-                <p:ext uri="{386F3935-93C4-4BCD-93E2-E3B085C9AB24}">
-                  <p16:designElem xmlns:p16="http://schemas.microsoft.com/office/powerpoint/2015/main" val="1"/>
-                </p:ext>
-              </p:extLst>
-            </p:nvPr>
-          </p:nvSpPr>
-          <p:spPr>
-            <a:xfrm>
-              <a:off x="7807230" y="2012810"/>
-              <a:ext cx="3251252" cy="3459865"/>
-            </a:xfrm>
-            <a:prstGeom prst="rect">
-              <a:avLst/>
-            </a:prstGeom>
-            <a:gradFill>
-              <a:gsLst>
-                <a:gs pos="0">
-                  <a:srgbClr val="000001"/>
-                </a:gs>
-                <a:gs pos="100000">
-                  <a:srgbClr val="191919"/>
-                </a:gs>
-              </a:gsLst>
-            </a:gradFill>
-            <a:ln w="76200" cmpd="sng">
-              <a:noFill/>
-              <a:miter lim="800000"/>
-            </a:ln>
-            <a:effectLst>
-              <a:outerShdw blurRad="127000" dist="190500" dir="4740000" sx="98000" sy="98000" algn="tl" rotWithShape="0">
-                <a:srgbClr val="000000">
-                  <a:alpha val="34000"/>
-                </a:srgbClr>
-              </a:outerShdw>
-            </a:effectLst>
-            <a:scene3d>
-              <a:camera prst="orthographicFront"/>
-              <a:lightRig rig="threePt" dir="t"/>
-            </a:scene3d>
-            <a:sp3d>
-              <a:bevelT w="152400" h="50800" prst="softRound"/>
-            </a:sp3d>
-          </p:spPr>
-          <p:style>
-            <a:lnRef idx="1">
-              <a:schemeClr val="accent1"/>
-            </a:lnRef>
-            <a:fillRef idx="3">
-              <a:schemeClr val="accent1"/>
-            </a:fillRef>
-            <a:effectRef idx="2">
-              <a:schemeClr val="accent1"/>
-            </a:effectRef>
-            <a:fontRef idx="minor">
-              <a:schemeClr val="lt1"/>
-            </a:fontRef>
-          </p:style>
-          <p:txBody>
-            <a:bodyPr rtlCol="0" anchor="ctr"/>
-            <a:lstStyle/>
-            <a:p>
-              <a:pPr algn="ctr"/>
-              <a:endParaRPr lang="en-US"/>
-            </a:p>
-          </p:txBody>
-        </p:sp>
-        <p:sp>
-          <p:nvSpPr>
-            <p:cNvPr id="11" name="Rectangle 10">
-              <a:extLst>
-                <a:ext uri="{FF2B5EF4-FFF2-40B4-BE49-F238E27FC236}">
-                  <a16:creationId xmlns:a16="http://schemas.microsoft.com/office/drawing/2014/main" id="{8776751E-B197-4182-95E7-62121266B03C}"/>
-                </a:ext>
-                <a:ext uri="{C183D7F6-B498-43B3-948B-1728B52AA6E4}">
-                  <adec:decorative xmlns:adec="http://schemas.microsoft.com/office/drawing/2017/decorative" val="1"/>
-                </a:ext>
-              </a:extLst>
-            </p:cNvPr>
-            <p:cNvSpPr/>
-            <p:nvPr>
-              <p:extLst>
-                <p:ext uri="{386F3935-93C4-4BCD-93E2-E3B085C9AB24}">
-                  <p16:designElem xmlns:p16="http://schemas.microsoft.com/office/powerpoint/2015/main" val="1"/>
-                </p:ext>
-              </p:extLst>
-            </p:nvPr>
-          </p:nvSpPr>
-          <p:spPr>
-            <a:xfrm>
-              <a:off x="7807231" y="2026142"/>
-              <a:ext cx="3251250" cy="3440203"/>
-            </a:xfrm>
-            <a:prstGeom prst="rect">
-              <a:avLst/>
-            </a:prstGeom>
-            <a:solidFill>
-              <a:schemeClr val="bg1"/>
-            </a:solidFill>
-            <a:ln w="76200" cmpd="sng">
-              <a:solidFill>
-                <a:srgbClr val="191919"/>
-              </a:solidFill>
-              <a:miter lim="800000"/>
-            </a:ln>
-            <a:effectLst>
-              <a:innerShdw blurRad="63500" dist="88900" dir="14100000">
-                <a:srgbClr val="000000">
-                  <a:alpha val="30000"/>
-                </a:srgbClr>
-              </a:innerShdw>
-            </a:effectLst>
-            <a:scene3d>
-              <a:camera prst="orthographicFront"/>
-              <a:lightRig rig="threePt" dir="t"/>
-            </a:scene3d>
-            <a:sp3d>
-              <a:bevelT w="38100" h="38100" prst="relaxedInset"/>
-            </a:sp3d>
-          </p:spPr>
-          <p:style>
-            <a:lnRef idx="1">
-              <a:schemeClr val="accent1"/>
-            </a:lnRef>
-            <a:fillRef idx="3">
-              <a:schemeClr val="accent1"/>
-            </a:fillRef>
-            <a:effectRef idx="2">
-              <a:schemeClr val="accent1"/>
-            </a:effectRef>
-            <a:fontRef idx="minor">
-              <a:schemeClr val="lt1"/>
-            </a:fontRef>
-          </p:style>
-          <p:txBody>
-            <a:bodyPr rtlCol="0" anchor="ctr"/>
-            <a:lstStyle/>
-            <a:p>
-              <a:pPr algn="ctr"/>
-              <a:endParaRPr lang="en-US"/>
-            </a:p>
-          </p:txBody>
-        </p:sp>
-      </p:grpSp>
+          <p:cNvPicPr>
+            <a:picLocks noGrp="1" noChangeAspect="1"/>
+          </p:cNvPicPr>
+          <p:nvPr>
+            <p:ph idx="1"/>
+          </p:nvPr>
+        </p:nvPicPr>
+        <p:blipFill>
+          <a:blip r:embed="rId3"/>
+          <a:stretch>
+            <a:fillRect/>
+          </a:stretch>
+        </p:blipFill>
+        <p:spPr>
+          <a:xfrm>
+            <a:off x="940863" y="1893009"/>
+            <a:ext cx="10310274" cy="2113821"/>
+          </a:xfrm>
+          <a:prstGeom prst="rect">
+            <a:avLst/>
+          </a:prstGeom>
+        </p:spPr>
+      </p:pic>
       <p:pic>
         <p:nvPicPr>
-          <p:cNvPr id="4" name="Picture 3">
+          <p:cNvPr id="8" name="Picture 7">
             <a:extLst>
               <a:ext uri="{FF2B5EF4-FFF2-40B4-BE49-F238E27FC236}">
-                <a16:creationId xmlns:a16="http://schemas.microsoft.com/office/drawing/2014/main" id="{E3BC5784-7153-FF94-D8B8-D055DCADEF11}"/>
+                <a16:creationId xmlns:a16="http://schemas.microsoft.com/office/drawing/2014/main" id="{9BB50DB1-D5D2-40C2-E4BA-39116DCDD1F4}"/>
               </a:ext>
             </a:extLst>
           </p:cNvPr>
@@ -8594,69 +11344,25 @@
           <p:nvPr/>
         </p:nvPicPr>
         <p:blipFill>
-          <a:blip r:embed="rId2"/>
+          <a:blip r:embed="rId4"/>
           <a:stretch>
             <a:fillRect/>
           </a:stretch>
         </p:blipFill>
         <p:spPr>
           <a:xfrm>
-            <a:off x="1635739" y="2265746"/>
-            <a:ext cx="4613872" cy="2941343"/>
+            <a:off x="940863" y="4006830"/>
+            <a:ext cx="10310274" cy="2113821"/>
           </a:xfrm>
           <a:prstGeom prst="rect">
             <a:avLst/>
           </a:prstGeom>
         </p:spPr>
       </p:pic>
-      <p:sp>
-        <p:nvSpPr>
-          <p:cNvPr id="3" name="Content Placeholder 2">
-            <a:extLst>
-              <a:ext uri="{FF2B5EF4-FFF2-40B4-BE49-F238E27FC236}">
-                <a16:creationId xmlns:a16="http://schemas.microsoft.com/office/drawing/2014/main" id="{CF62873A-0FC4-333E-4751-D3A5E04330E3}"/>
-              </a:ext>
-            </a:extLst>
-          </p:cNvPr>
-          <p:cNvSpPr>
-            <a:spLocks noGrp="1"/>
-          </p:cNvSpPr>
-          <p:nvPr>
-            <p:ph idx="1"/>
-          </p:nvPr>
-        </p:nvSpPr>
-        <p:spPr>
-          <a:xfrm>
-            <a:off x="6903337" y="2015734"/>
-            <a:ext cx="4158849" cy="3450613"/>
-          </a:xfrm>
-        </p:spPr>
-        <p:txBody>
-          <a:bodyPr>
-            <a:normAutofit/>
-          </a:bodyPr>
-          <a:lstStyle/>
-          <a:p>
-            <a:r>
-              <a:rPr lang="en-US" dirty="0"/>
-              <a:t>For our main 3 model candidates we observe differences in model stability</a:t>
-            </a:r>
-          </a:p>
-          <a:p>
-            <a:r>
-              <a:rPr lang="en-US" dirty="0"/>
-              <a:t>XGBoost is least variable indicating higher stability, all while maximizing performance relative to other models</a:t>
-            </a:r>
-          </a:p>
-          <a:p>
-            <a:endParaRPr lang="en-US" dirty="0"/>
-          </a:p>
-        </p:txBody>
-      </p:sp>
     </p:spTree>
     <p:extLst>
       <p:ext uri="{BB962C8B-B14F-4D97-AF65-F5344CB8AC3E}">
-        <p14:creationId xmlns:p14="http://schemas.microsoft.com/office/powerpoint/2010/main" val="4265614770"/>
+        <p14:creationId xmlns:p14="http://schemas.microsoft.com/office/powerpoint/2010/main" val="3279049669"/>
       </p:ext>
     </p:extLst>
   </p:cSld>
@@ -8666,7 +11372,7 @@
 </p:sld>
 </file>
 
-<file path=ppt/slides/slide24.xml><?xml version="1.0" encoding="utf-8"?>
+<file path=ppt/slides/slide26.xml><?xml version="1.0" encoding="utf-8"?>
 <p:sld xmlns:a="http://schemas.openxmlformats.org/drawingml/2006/main" xmlns:r="http://schemas.openxmlformats.org/officeDocument/2006/relationships" xmlns:p="http://schemas.openxmlformats.org/presentationml/2006/main">
   <p:cSld>
     <p:bg>
@@ -8712,7 +11418,7 @@
           <p:cNvPr id="16" name="Rectangle 15">
             <a:extLst>
               <a:ext uri="{FF2B5EF4-FFF2-40B4-BE49-F238E27FC236}">
-                <a16:creationId xmlns:a16="http://schemas.microsoft.com/office/drawing/2014/main" id="{5BB14454-D00C-4958-BB39-F5F9F3ACD499}"/>
+                <a16:creationId xmlns:a16="http://schemas.microsoft.com/office/drawing/2014/main" id="{1669046F-5838-4C7A-BBE8-A77F40FD9C7F}"/>
               </a:ext>
               <a:ext uri="{C183D7F6-B498-43B3-948B-1728B52AA6E4}">
                 <adec:decorative xmlns:adec="http://schemas.microsoft.com/office/drawing/2017/decorative" val="1"/>
@@ -8767,102 +11473,12 @@
           </a:p>
         </p:txBody>
       </p:sp>
-      <p:cxnSp>
-        <p:nvCxnSpPr>
-          <p:cNvPr id="18" name="Straight Connector 17">
+      <p:sp>
+        <p:nvSpPr>
+          <p:cNvPr id="18" name="Rectangle 17">
             <a:extLst>
               <a:ext uri="{FF2B5EF4-FFF2-40B4-BE49-F238E27FC236}">
-                <a16:creationId xmlns:a16="http://schemas.microsoft.com/office/drawing/2014/main" id="{28A657A7-C4E5-425B-98FA-BB817FF7BFB0}"/>
-              </a:ext>
-              <a:ext uri="{C183D7F6-B498-43B3-948B-1728B52AA6E4}">
-                <adec:decorative xmlns:adec="http://schemas.microsoft.com/office/drawing/2017/decorative" val="1"/>
-              </a:ext>
-            </a:extLst>
-          </p:cNvPr>
-          <p:cNvCxnSpPr>
-            <a:cxnSpLocks noGrp="1" noRot="1" noChangeAspect="1" noMove="1" noResize="1" noEditPoints="1" noAdjustHandles="1" noChangeArrowheads="1" noChangeShapeType="1"/>
-          </p:cNvCxnSpPr>
-          <p:nvPr>
-            <p:extLst>
-              <p:ext uri="{386F3935-93C4-4BCD-93E2-E3B085C9AB24}">
-                <p16:designElem xmlns:p16="http://schemas.microsoft.com/office/powerpoint/2015/main" val="1"/>
-              </p:ext>
-            </p:extLst>
-          </p:nvPr>
-        </p:nvCxnSpPr>
-        <p:spPr>
-          <a:xfrm>
-            <a:off x="7218029" y="1847088"/>
-            <a:ext cx="3520368" cy="0"/>
-          </a:xfrm>
-          <a:prstGeom prst="line">
-            <a:avLst/>
-          </a:prstGeom>
-          <a:ln w="31750"/>
-        </p:spPr>
-        <p:style>
-          <a:lnRef idx="3">
-            <a:schemeClr val="accent1"/>
-          </a:lnRef>
-          <a:fillRef idx="0">
-            <a:schemeClr val="accent1"/>
-          </a:fillRef>
-          <a:effectRef idx="2">
-            <a:schemeClr val="accent1"/>
-          </a:effectRef>
-          <a:fontRef idx="minor">
-            <a:schemeClr val="tx1"/>
-          </a:fontRef>
-        </p:style>
-      </p:cxnSp>
-      <p:sp>
-        <p:nvSpPr>
-          <p:cNvPr id="2" name="Title 1">
-            <a:extLst>
-              <a:ext uri="{FF2B5EF4-FFF2-40B4-BE49-F238E27FC236}">
-                <a16:creationId xmlns:a16="http://schemas.microsoft.com/office/drawing/2014/main" id="{CE57D4C2-F8C5-8050-4D03-A6E67715FBE2}"/>
-              </a:ext>
-            </a:extLst>
-          </p:cNvPr>
-          <p:cNvSpPr>
-            <a:spLocks noGrp="1"/>
-          </p:cNvSpPr>
-          <p:nvPr>
-            <p:ph type="title"/>
-          </p:nvPr>
-        </p:nvSpPr>
-        <p:spPr>
-          <a:xfrm>
-            <a:off x="7218030" y="804520"/>
-            <a:ext cx="3520367" cy="1049235"/>
-          </a:xfrm>
-        </p:spPr>
-        <p:txBody>
-          <a:bodyPr>
-            <a:normAutofit/>
-          </a:bodyPr>
-          <a:lstStyle/>
-          <a:p>
-            <a:r>
-              <a:rPr lang="en-US" sz="2500"/>
-              <a:t>Choosing a Model: </a:t>
-            </a:r>
-            <a:br>
-              <a:rPr lang="en-US" sz="2500"/>
-            </a:br>
-            <a:r>
-              <a:rPr lang="en-US" sz="2500"/>
-              <a:t>Stability</a:t>
-            </a:r>
-          </a:p>
-        </p:txBody>
-      </p:sp>
-      <p:sp>
-        <p:nvSpPr>
-          <p:cNvPr id="20" name="Rectangle 19">
-            <a:extLst>
-              <a:ext uri="{FF2B5EF4-FFF2-40B4-BE49-F238E27FC236}">
-                <a16:creationId xmlns:a16="http://schemas.microsoft.com/office/drawing/2014/main" id="{A1084370-0E70-4003-9787-3490FCC20E13}"/>
+                <a16:creationId xmlns:a16="http://schemas.microsoft.com/office/drawing/2014/main" id="{2D5E6CDB-92ED-43A1-9491-C46E2C8E9956}"/>
               </a:ext>
               <a:ext uri="{C183D7F6-B498-43B3-948B-1728B52AA6E4}">
                 <adec:decorative xmlns:adec="http://schemas.microsoft.com/office/drawing/2017/decorative" val="1"/>
@@ -8933,10 +11549,10 @@
       </p:sp>
       <p:grpSp>
         <p:nvGrpSpPr>
-          <p:cNvPr id="22" name="Group 21">
+          <p:cNvPr id="20" name="Group 19">
             <a:extLst>
               <a:ext uri="{FF2B5EF4-FFF2-40B4-BE49-F238E27FC236}">
-                <a16:creationId xmlns:a16="http://schemas.microsoft.com/office/drawing/2014/main" id="{2B7C66D2-22E8-4E8F-829B-050BFA7C86C5}"/>
+                <a16:creationId xmlns:a16="http://schemas.microsoft.com/office/drawing/2014/main" id="{EBB966BC-DC49-4138-8DEF-B1CD13033926}"/>
               </a:ext>
               <a:ext uri="{C183D7F6-B498-43B3-948B-1728B52AA6E4}">
                 <adec:decorative xmlns:adec="http://schemas.microsoft.com/office/drawing/2017/decorative" val="1"/>
@@ -8958,13 +11574,815 @@
           <a:xfrm>
             <a:off x="632237" y="482171"/>
             <a:ext cx="6104331" cy="5149101"/>
-            <a:chOff x="7463259" y="583365"/>
-            <a:chExt cx="6104330" cy="5181928"/>
+            <a:chOff x="632237" y="482171"/>
+            <a:chExt cx="6104331" cy="5149101"/>
           </a:xfrm>
         </p:grpSpPr>
         <p:sp>
           <p:nvSpPr>
-            <p:cNvPr id="23" name="Rectangle 22">
+            <p:cNvPr id="21" name="Rectangle 20">
+              <a:extLst>
+                <a:ext uri="{FF2B5EF4-FFF2-40B4-BE49-F238E27FC236}">
+                  <a16:creationId xmlns:a16="http://schemas.microsoft.com/office/drawing/2014/main" id="{EDD0BD06-EC5B-4F0E-A221-562BC2BA69B2}"/>
+                </a:ext>
+                <a:ext uri="{C183D7F6-B498-43B3-948B-1728B52AA6E4}">
+                  <adec:decorative xmlns:adec="http://schemas.microsoft.com/office/drawing/2017/decorative" val="1"/>
+                </a:ext>
+              </a:extLst>
+            </p:cNvPr>
+            <p:cNvSpPr/>
+            <p:nvPr>
+              <p:extLst>
+                <p:ext uri="{386F3935-93C4-4BCD-93E2-E3B085C9AB24}">
+                  <p16:designElem xmlns:p16="http://schemas.microsoft.com/office/powerpoint/2015/main" val="1"/>
+                </p:ext>
+              </p:extLst>
+            </p:nvPr>
+          </p:nvSpPr>
+          <p:spPr>
+            <a:xfrm>
+              <a:off x="632237" y="482171"/>
+              <a:ext cx="6104331" cy="5149101"/>
+            </a:xfrm>
+            <a:prstGeom prst="rect">
+              <a:avLst/>
+            </a:prstGeom>
+            <a:gradFill>
+              <a:gsLst>
+                <a:gs pos="0">
+                  <a:srgbClr val="000001"/>
+                </a:gs>
+                <a:gs pos="100000">
+                  <a:srgbClr val="191919"/>
+                </a:gs>
+              </a:gsLst>
+            </a:gradFill>
+            <a:ln w="76200" cmpd="sng">
+              <a:noFill/>
+              <a:miter lim="800000"/>
+            </a:ln>
+            <a:effectLst>
+              <a:outerShdw blurRad="127000" dist="228600" dir="4740000" sx="98000" sy="98000" algn="tl" rotWithShape="0">
+                <a:srgbClr val="000000">
+                  <a:alpha val="34000"/>
+                </a:srgbClr>
+              </a:outerShdw>
+            </a:effectLst>
+            <a:scene3d>
+              <a:camera prst="orthographicFront"/>
+              <a:lightRig rig="threePt" dir="t"/>
+            </a:scene3d>
+            <a:sp3d>
+              <a:bevelT w="152400" h="50800" prst="softRound"/>
+            </a:sp3d>
+          </p:spPr>
+          <p:style>
+            <a:lnRef idx="1">
+              <a:schemeClr val="accent1"/>
+            </a:lnRef>
+            <a:fillRef idx="3">
+              <a:schemeClr val="accent1"/>
+            </a:fillRef>
+            <a:effectRef idx="2">
+              <a:schemeClr val="accent1"/>
+            </a:effectRef>
+            <a:fontRef idx="minor">
+              <a:schemeClr val="lt1"/>
+            </a:fontRef>
+          </p:style>
+          <p:txBody>
+            <a:bodyPr rtlCol="0" anchor="ctr"/>
+            <a:lstStyle/>
+            <a:p>
+              <a:pPr algn="ctr"/>
+              <a:endParaRPr lang="en-US"/>
+            </a:p>
+          </p:txBody>
+        </p:sp>
+        <p:sp>
+          <p:nvSpPr>
+            <p:cNvPr id="22" name="Rectangle 21">
+              <a:extLst>
+                <a:ext uri="{FF2B5EF4-FFF2-40B4-BE49-F238E27FC236}">
+                  <a16:creationId xmlns:a16="http://schemas.microsoft.com/office/drawing/2014/main" id="{634200B3-EC47-4A5B-A640-7118BF6AD272}"/>
+                </a:ext>
+                <a:ext uri="{C183D7F6-B498-43B3-948B-1728B52AA6E4}">
+                  <adec:decorative xmlns:adec="http://schemas.microsoft.com/office/drawing/2017/decorative" val="1"/>
+                </a:ext>
+              </a:extLst>
+            </p:cNvPr>
+            <p:cNvSpPr/>
+            <p:nvPr>
+              <p:extLst>
+                <p:ext uri="{386F3935-93C4-4BCD-93E2-E3B085C9AB24}">
+                  <p16:designElem xmlns:p16="http://schemas.microsoft.com/office/powerpoint/2015/main" val="1"/>
+                </p:ext>
+              </p:extLst>
+            </p:nvPr>
+          </p:nvSpPr>
+          <p:spPr>
+            <a:xfrm>
+              <a:off x="945296" y="812507"/>
+              <a:ext cx="5471355" cy="4466452"/>
+            </a:xfrm>
+            <a:prstGeom prst="rect">
+              <a:avLst/>
+            </a:prstGeom>
+            <a:gradFill>
+              <a:gsLst>
+                <a:gs pos="0">
+                  <a:srgbClr val="DADADA"/>
+                </a:gs>
+                <a:gs pos="100000">
+                  <a:srgbClr val="FFFFFE"/>
+                </a:gs>
+              </a:gsLst>
+              <a:lin ang="16200000" scaled="0"/>
+            </a:gradFill>
+            <a:ln w="50800" cmpd="sng">
+              <a:solidFill>
+                <a:srgbClr val="191919"/>
+              </a:solidFill>
+              <a:miter lim="800000"/>
+            </a:ln>
+            <a:effectLst>
+              <a:innerShdw blurRad="63500" dist="88900" dir="14100000">
+                <a:srgbClr val="000000">
+                  <a:alpha val="30000"/>
+                </a:srgbClr>
+              </a:innerShdw>
+            </a:effectLst>
+            <a:scene3d>
+              <a:camera prst="orthographicFront"/>
+              <a:lightRig rig="threePt" dir="t"/>
+            </a:scene3d>
+            <a:sp3d>
+              <a:bevelT prst="relaxedInset"/>
+            </a:sp3d>
+          </p:spPr>
+          <p:style>
+            <a:lnRef idx="1">
+              <a:schemeClr val="accent1"/>
+            </a:lnRef>
+            <a:fillRef idx="3">
+              <a:schemeClr val="accent1"/>
+            </a:fillRef>
+            <a:effectRef idx="2">
+              <a:schemeClr val="accent1"/>
+            </a:effectRef>
+            <a:fontRef idx="minor">
+              <a:schemeClr val="lt1"/>
+            </a:fontRef>
+          </p:style>
+          <p:txBody>
+            <a:bodyPr rtlCol="0" anchor="ctr"/>
+            <a:lstStyle/>
+            <a:p>
+              <a:pPr algn="ctr"/>
+              <a:endParaRPr lang="en-US"/>
+            </a:p>
+          </p:txBody>
+        </p:sp>
+      </p:grpSp>
+      <p:sp>
+        <p:nvSpPr>
+          <p:cNvPr id="24" name="Rectangle 23">
+            <a:extLst>
+              <a:ext uri="{FF2B5EF4-FFF2-40B4-BE49-F238E27FC236}">
+                <a16:creationId xmlns:a16="http://schemas.microsoft.com/office/drawing/2014/main" id="{23B9DAF8-7DB4-40CB-85F8-7E02F95C6CA7}"/>
+              </a:ext>
+              <a:ext uri="{C183D7F6-B498-43B3-948B-1728B52AA6E4}">
+                <adec:decorative xmlns:adec="http://schemas.microsoft.com/office/drawing/2017/decorative" val="1"/>
+              </a:ext>
+            </a:extLst>
+          </p:cNvPr>
+          <p:cNvSpPr>
+            <a:spLocks noGrp="1" noRot="1" noChangeAspect="1" noMove="1" noResize="1" noEditPoints="1" noAdjustHandles="1" noChangeArrowheads="1" noChangeShapeType="1" noTextEdit="1"/>
+          </p:cNvSpPr>
+          <p:nvPr>
+            <p:extLst>
+              <p:ext uri="{386F3935-93C4-4BCD-93E2-E3B085C9AB24}">
+                <p16:designElem xmlns:p16="http://schemas.microsoft.com/office/powerpoint/2015/main" val="1"/>
+              </p:ext>
+            </p:extLst>
+          </p:nvPr>
+        </p:nvSpPr>
+        <p:spPr>
+          <a:xfrm>
+            <a:off x="1107042" y="984450"/>
+            <a:ext cx="5145580" cy="4135339"/>
+          </a:xfrm>
+          <a:prstGeom prst="rect">
+            <a:avLst/>
+          </a:prstGeom>
+          <a:solidFill>
+            <a:schemeClr val="bg1"/>
+          </a:solidFill>
+          <a:ln w="6350">
+            <a:solidFill>
+              <a:schemeClr val="bg2"/>
+            </a:solidFill>
+          </a:ln>
+        </p:spPr>
+        <p:style>
+          <a:lnRef idx="2">
+            <a:schemeClr val="accent1">
+              <a:shade val="50000"/>
+            </a:schemeClr>
+          </a:lnRef>
+          <a:fillRef idx="1">
+            <a:schemeClr val="accent1"/>
+          </a:fillRef>
+          <a:effectRef idx="0">
+            <a:schemeClr val="accent1"/>
+          </a:effectRef>
+          <a:fontRef idx="minor">
+            <a:schemeClr val="lt1"/>
+          </a:fontRef>
+        </p:style>
+        <p:txBody>
+          <a:bodyPr rtlCol="0" anchor="ctr"/>
+          <a:lstStyle/>
+          <a:p>
+            <a:pPr algn="ctr"/>
+            <a:endParaRPr lang="en-US"/>
+          </a:p>
+        </p:txBody>
+      </p:sp>
+      <p:cxnSp>
+        <p:nvCxnSpPr>
+          <p:cNvPr id="26" name="Straight Connector 25">
+            <a:extLst>
+              <a:ext uri="{FF2B5EF4-FFF2-40B4-BE49-F238E27FC236}">
+                <a16:creationId xmlns:a16="http://schemas.microsoft.com/office/drawing/2014/main" id="{606AED2C-61BA-485C-9DD4-B23B6280F9D8}"/>
+              </a:ext>
+              <a:ext uri="{C183D7F6-B498-43B3-948B-1728B52AA6E4}">
+                <adec:decorative xmlns:adec="http://schemas.microsoft.com/office/drawing/2017/decorative" val="1"/>
+              </a:ext>
+            </a:extLst>
+          </p:cNvPr>
+          <p:cNvCxnSpPr>
+            <a:cxnSpLocks noGrp="1" noRot="1" noChangeAspect="1" noMove="1" noResize="1" noEditPoints="1" noAdjustHandles="1" noChangeArrowheads="1" noChangeShapeType="1"/>
+          </p:cNvCxnSpPr>
+          <p:nvPr>
+            <p:extLst>
+              <p:ext uri="{386F3935-93C4-4BCD-93E2-E3B085C9AB24}">
+                <p16:designElem xmlns:p16="http://schemas.microsoft.com/office/powerpoint/2015/main" val="1"/>
+              </p:ext>
+            </p:extLst>
+          </p:nvPr>
+        </p:nvCxnSpPr>
+        <p:spPr>
+          <a:xfrm>
+            <a:off x="7218029" y="1847088"/>
+            <a:ext cx="3520368" cy="0"/>
+          </a:xfrm>
+          <a:prstGeom prst="line">
+            <a:avLst/>
+          </a:prstGeom>
+          <a:ln w="31750"/>
+        </p:spPr>
+        <p:style>
+          <a:lnRef idx="3">
+            <a:schemeClr val="accent1"/>
+          </a:lnRef>
+          <a:fillRef idx="0">
+            <a:schemeClr val="accent1"/>
+          </a:fillRef>
+          <a:effectRef idx="2">
+            <a:schemeClr val="accent1"/>
+          </a:effectRef>
+          <a:fontRef idx="minor">
+            <a:schemeClr val="tx1"/>
+          </a:fontRef>
+        </p:style>
+      </p:cxnSp>
+      <p:sp>
+        <p:nvSpPr>
+          <p:cNvPr id="2" name="Title 1">
+            <a:extLst>
+              <a:ext uri="{FF2B5EF4-FFF2-40B4-BE49-F238E27FC236}">
+                <a16:creationId xmlns:a16="http://schemas.microsoft.com/office/drawing/2014/main" id="{E9B20D16-8439-98FB-8ECF-12FD4E85D92C}"/>
+              </a:ext>
+            </a:extLst>
+          </p:cNvPr>
+          <p:cNvSpPr>
+            <a:spLocks noGrp="1"/>
+          </p:cNvSpPr>
+          <p:nvPr>
+            <p:ph type="title"/>
+          </p:nvPr>
+        </p:nvSpPr>
+        <p:spPr>
+          <a:xfrm>
+            <a:off x="7218030" y="804520"/>
+            <a:ext cx="3520367" cy="1049235"/>
+          </a:xfrm>
+        </p:spPr>
+        <p:txBody>
+          <a:bodyPr>
+            <a:normAutofit/>
+          </a:bodyPr>
+          <a:lstStyle/>
+          <a:p>
+            <a:r>
+              <a:rPr lang="en-US" sz="2500"/>
+              <a:t>Choosing a model: </a:t>
+            </a:r>
+            <a:br>
+              <a:rPr lang="en-US" sz="2500"/>
+            </a:br>
+            <a:r>
+              <a:rPr lang="en-US" sz="2500"/>
+              <a:t>variability</a:t>
+            </a:r>
+          </a:p>
+        </p:txBody>
+      </p:sp>
+      <p:pic>
+        <p:nvPicPr>
+          <p:cNvPr id="6" name="Picture 5" descr="A graph with different colored boxes&#10;&#10;AI-generated content may be incorrect.">
+            <a:extLst>
+              <a:ext uri="{FF2B5EF4-FFF2-40B4-BE49-F238E27FC236}">
+                <a16:creationId xmlns:a16="http://schemas.microsoft.com/office/drawing/2014/main" id="{0818FD5F-66E8-A324-49CB-8E91C161AFE6}"/>
+              </a:ext>
+            </a:extLst>
+          </p:cNvPr>
+          <p:cNvPicPr>
+            <a:picLocks noChangeAspect="1"/>
+          </p:cNvPicPr>
+          <p:nvPr/>
+        </p:nvPicPr>
+        <p:blipFill>
+          <a:blip r:embed="rId2"/>
+          <a:stretch>
+            <a:fillRect/>
+          </a:stretch>
+        </p:blipFill>
+        <p:spPr>
+          <a:xfrm>
+            <a:off x="1271223" y="1511415"/>
+            <a:ext cx="4825148" cy="3076031"/>
+          </a:xfrm>
+          <a:prstGeom prst="rect">
+            <a:avLst/>
+          </a:prstGeom>
+        </p:spPr>
+      </p:pic>
+      <p:sp>
+        <p:nvSpPr>
+          <p:cNvPr id="3" name="Content Placeholder 2">
+            <a:extLst>
+              <a:ext uri="{FF2B5EF4-FFF2-40B4-BE49-F238E27FC236}">
+                <a16:creationId xmlns:a16="http://schemas.microsoft.com/office/drawing/2014/main" id="{CF62873A-0FC4-333E-4751-D3A5E04330E3}"/>
+              </a:ext>
+            </a:extLst>
+          </p:cNvPr>
+          <p:cNvSpPr>
+            <a:spLocks noGrp="1"/>
+          </p:cNvSpPr>
+          <p:nvPr>
+            <p:ph idx="1"/>
+          </p:nvPr>
+        </p:nvSpPr>
+        <p:spPr>
+          <a:xfrm>
+            <a:off x="7218029" y="2015732"/>
+            <a:ext cx="3520368" cy="3450613"/>
+          </a:xfrm>
+        </p:spPr>
+        <p:txBody>
+          <a:bodyPr>
+            <a:normAutofit/>
+          </a:bodyPr>
+          <a:lstStyle/>
+          <a:p>
+            <a:r>
+              <a:rPr lang="en-US" dirty="0"/>
+              <a:t>For our main 4 model candidates we observe differences in model stability</a:t>
+            </a:r>
+          </a:p>
+          <a:p>
+            <a:r>
+              <a:rPr lang="en-US" dirty="0"/>
+              <a:t>XGBoost is least variable indicating higher stability, all while maximizing performance relative to other models</a:t>
+            </a:r>
+          </a:p>
+          <a:p>
+            <a:endParaRPr lang="en-US" dirty="0"/>
+          </a:p>
+        </p:txBody>
+      </p:sp>
+      <p:pic>
+        <p:nvPicPr>
+          <p:cNvPr id="28" name="Picture 27">
+            <a:extLst>
+              <a:ext uri="{FF2B5EF4-FFF2-40B4-BE49-F238E27FC236}">
+                <a16:creationId xmlns:a16="http://schemas.microsoft.com/office/drawing/2014/main" id="{7EFCF05C-6070-460B-8E60-12BE3EFD19F0}"/>
+              </a:ext>
+              <a:ext uri="{C183D7F6-B498-43B3-948B-1728B52AA6E4}">
+                <adec:decorative xmlns:adec="http://schemas.microsoft.com/office/drawing/2017/decorative" val="1"/>
+              </a:ext>
+            </a:extLst>
+          </p:cNvPr>
+          <p:cNvPicPr>
+            <a:picLocks noGrp="1" noRot="1" noChangeAspect="1" noMove="1" noResize="1" noEditPoints="1" noAdjustHandles="1" noChangeArrowheads="1" noChangeShapeType="1" noCrop="1"/>
+          </p:cNvPicPr>
+          <p:nvPr>
+            <p:extLst>
+              <p:ext uri="{386F3935-93C4-4BCD-93E2-E3B085C9AB24}">
+                <p16:designElem xmlns:p16="http://schemas.microsoft.com/office/powerpoint/2015/main" val="1"/>
+              </p:ext>
+            </p:extLst>
+          </p:nvPr>
+        </p:nvPicPr>
+        <p:blipFill rotWithShape="1">
+          <a:blip r:embed="rId3">
+            <a:extLst>
+              <a:ext uri="{28A0092B-C50C-407E-A947-70E740481C1C}">
+                <a14:useLocalDpi xmlns:a14="http://schemas.microsoft.com/office/drawing/2010/main" val="0"/>
+              </a:ext>
+            </a:extLst>
+          </a:blip>
+          <a:srcRect t="1538" b="-1538"/>
+          <a:stretch/>
+        </p:blipFill>
+        <p:spPr bwMode="black">
+          <a:xfrm>
+            <a:off x="0" y="6126480"/>
+            <a:ext cx="12192000" cy="742950"/>
+          </a:xfrm>
+          <a:prstGeom prst="rect">
+            <a:avLst/>
+          </a:prstGeom>
+        </p:spPr>
+      </p:pic>
+      <p:cxnSp>
+        <p:nvCxnSpPr>
+          <p:cNvPr id="30" name="Straight Connector 29">
+            <a:extLst>
+              <a:ext uri="{FF2B5EF4-FFF2-40B4-BE49-F238E27FC236}">
+                <a16:creationId xmlns:a16="http://schemas.microsoft.com/office/drawing/2014/main" id="{CFD731F1-726F-453E-9516-3058095DE995}"/>
+              </a:ext>
+              <a:ext uri="{C183D7F6-B498-43B3-948B-1728B52AA6E4}">
+                <adec:decorative xmlns:adec="http://schemas.microsoft.com/office/drawing/2017/decorative" val="1"/>
+              </a:ext>
+            </a:extLst>
+          </p:cNvPr>
+          <p:cNvCxnSpPr>
+            <a:cxnSpLocks noGrp="1" noRot="1" noChangeAspect="1" noMove="1" noResize="1" noEditPoints="1" noAdjustHandles="1" noChangeArrowheads="1" noChangeShapeType="1"/>
+          </p:cNvCxnSpPr>
+          <p:nvPr>
+            <p:extLst>
+              <p:ext uri="{386F3935-93C4-4BCD-93E2-E3B085C9AB24}">
+                <p16:designElem xmlns:p16="http://schemas.microsoft.com/office/powerpoint/2015/main" val="1"/>
+              </p:ext>
+            </p:extLst>
+          </p:nvPr>
+        </p:nvCxnSpPr>
+        <p:spPr>
+          <a:xfrm>
+            <a:off x="0" y="6128413"/>
+            <a:ext cx="12192000" cy="0"/>
+          </a:xfrm>
+          <a:prstGeom prst="line">
+            <a:avLst/>
+          </a:prstGeom>
+          <a:ln w="12700">
+            <a:solidFill>
+              <a:srgbClr val="000001">
+                <a:alpha val="20000"/>
+              </a:srgbClr>
+            </a:solidFill>
+          </a:ln>
+        </p:spPr>
+        <p:style>
+          <a:lnRef idx="1">
+            <a:schemeClr val="accent1"/>
+          </a:lnRef>
+          <a:fillRef idx="0">
+            <a:schemeClr val="accent1"/>
+          </a:fillRef>
+          <a:effectRef idx="0">
+            <a:schemeClr val="accent1"/>
+          </a:effectRef>
+          <a:fontRef idx="minor">
+            <a:schemeClr val="tx1"/>
+          </a:fontRef>
+        </p:style>
+      </p:cxnSp>
+    </p:spTree>
+    <p:extLst>
+      <p:ext uri="{BB962C8B-B14F-4D97-AF65-F5344CB8AC3E}">
+        <p14:creationId xmlns:p14="http://schemas.microsoft.com/office/powerpoint/2010/main" val="4265614770"/>
+      </p:ext>
+    </p:extLst>
+  </p:cSld>
+  <p:clrMapOvr>
+    <a:masterClrMapping/>
+  </p:clrMapOvr>
+</p:sld>
+</file>
+
+<file path=ppt/slides/slide27.xml><?xml version="1.0" encoding="utf-8"?>
+<p:sld xmlns:a="http://schemas.openxmlformats.org/drawingml/2006/main" xmlns:r="http://schemas.openxmlformats.org/officeDocument/2006/relationships" xmlns:p="http://schemas.openxmlformats.org/presentationml/2006/main">
+  <p:cSld>
+    <p:bg>
+      <p:bgPr>
+        <a:gradFill rotWithShape="1">
+          <a:gsLst>
+            <a:gs pos="0">
+              <a:schemeClr val="bg2">
+                <a:tint val="94000"/>
+                <a:satMod val="80000"/>
+                <a:lumMod val="106000"/>
+              </a:schemeClr>
+            </a:gs>
+            <a:gs pos="100000">
+              <a:schemeClr val="bg2">
+                <a:shade val="80000"/>
+              </a:schemeClr>
+            </a:gs>
+          </a:gsLst>
+          <a:path path="circle">
+            <a:fillToRect l="43000" r="43000" b="100000"/>
+          </a:path>
+        </a:gradFill>
+        <a:effectLst/>
+      </p:bgPr>
+    </p:bg>
+    <p:spTree>
+      <p:nvGrpSpPr>
+        <p:cNvPr id="1" name=""/>
+        <p:cNvGrpSpPr/>
+        <p:nvPr/>
+      </p:nvGrpSpPr>
+      <p:grpSpPr>
+        <a:xfrm>
+          <a:off x="0" y="0"/>
+          <a:ext cx="0" cy="0"/>
+          <a:chOff x="0" y="0"/>
+          <a:chExt cx="0" cy="0"/>
+        </a:xfrm>
+      </p:grpSpPr>
+      <p:sp useBgFill="1">
+        <p:nvSpPr>
+          <p:cNvPr id="33" name="Rectangle 32">
+            <a:extLst>
+              <a:ext uri="{FF2B5EF4-FFF2-40B4-BE49-F238E27FC236}">
+                <a16:creationId xmlns:a16="http://schemas.microsoft.com/office/drawing/2014/main" id="{5BB14454-D00C-4958-BB39-F5F9F3ACD499}"/>
+              </a:ext>
+              <a:ext uri="{C183D7F6-B498-43B3-948B-1728B52AA6E4}">
+                <adec:decorative xmlns:adec="http://schemas.microsoft.com/office/drawing/2017/decorative" val="1"/>
+              </a:ext>
+            </a:extLst>
+          </p:cNvPr>
+          <p:cNvSpPr>
+            <a:spLocks noGrp="1" noRot="1" noChangeAspect="1" noMove="1" noResize="1" noEditPoints="1" noAdjustHandles="1" noChangeArrowheads="1" noChangeShapeType="1" noTextEdit="1"/>
+          </p:cNvSpPr>
+          <p:nvPr>
+            <p:extLst>
+              <p:ext uri="{386F3935-93C4-4BCD-93E2-E3B085C9AB24}">
+                <p16:designElem xmlns:p16="http://schemas.microsoft.com/office/powerpoint/2015/main" val="1"/>
+              </p:ext>
+            </p:extLst>
+          </p:nvPr>
+        </p:nvSpPr>
+        <p:spPr>
+          <a:xfrm>
+            <a:off x="2" y="0"/>
+            <a:ext cx="12191695" cy="6858000"/>
+          </a:xfrm>
+          <a:prstGeom prst="rect">
+            <a:avLst/>
+          </a:prstGeom>
+          <a:ln>
+            <a:noFill/>
+          </a:ln>
+        </p:spPr>
+        <p:style>
+          <a:lnRef idx="2">
+            <a:schemeClr val="accent1">
+              <a:shade val="50000"/>
+            </a:schemeClr>
+          </a:lnRef>
+          <a:fillRef idx="1">
+            <a:schemeClr val="accent1"/>
+          </a:fillRef>
+          <a:effectRef idx="0">
+            <a:schemeClr val="accent1"/>
+          </a:effectRef>
+          <a:fontRef idx="minor">
+            <a:schemeClr val="lt1"/>
+          </a:fontRef>
+        </p:style>
+        <p:txBody>
+          <a:bodyPr rtlCol="0" anchor="ctr"/>
+          <a:lstStyle/>
+          <a:p>
+            <a:pPr algn="ctr"/>
+            <a:endParaRPr lang="en-US"/>
+          </a:p>
+        </p:txBody>
+      </p:sp>
+      <p:cxnSp>
+        <p:nvCxnSpPr>
+          <p:cNvPr id="35" name="Straight Connector 34">
+            <a:extLst>
+              <a:ext uri="{FF2B5EF4-FFF2-40B4-BE49-F238E27FC236}">
+                <a16:creationId xmlns:a16="http://schemas.microsoft.com/office/drawing/2014/main" id="{28A657A7-C4E5-425B-98FA-BB817FF7BFB0}"/>
+              </a:ext>
+              <a:ext uri="{C183D7F6-B498-43B3-948B-1728B52AA6E4}">
+                <adec:decorative xmlns:adec="http://schemas.microsoft.com/office/drawing/2017/decorative" val="1"/>
+              </a:ext>
+            </a:extLst>
+          </p:cNvPr>
+          <p:cNvCxnSpPr>
+            <a:cxnSpLocks noGrp="1" noRot="1" noChangeAspect="1" noMove="1" noResize="1" noEditPoints="1" noAdjustHandles="1" noChangeArrowheads="1" noChangeShapeType="1"/>
+          </p:cNvCxnSpPr>
+          <p:nvPr>
+            <p:extLst>
+              <p:ext uri="{386F3935-93C4-4BCD-93E2-E3B085C9AB24}">
+                <p16:designElem xmlns:p16="http://schemas.microsoft.com/office/powerpoint/2015/main" val="1"/>
+              </p:ext>
+            </p:extLst>
+          </p:nvPr>
+        </p:nvCxnSpPr>
+        <p:spPr>
+          <a:xfrm>
+            <a:off x="7218029" y="1847088"/>
+            <a:ext cx="3520368" cy="0"/>
+          </a:xfrm>
+          <a:prstGeom prst="line">
+            <a:avLst/>
+          </a:prstGeom>
+          <a:ln w="31750"/>
+        </p:spPr>
+        <p:style>
+          <a:lnRef idx="3">
+            <a:schemeClr val="accent1"/>
+          </a:lnRef>
+          <a:fillRef idx="0">
+            <a:schemeClr val="accent1"/>
+          </a:fillRef>
+          <a:effectRef idx="2">
+            <a:schemeClr val="accent1"/>
+          </a:effectRef>
+          <a:fontRef idx="minor">
+            <a:schemeClr val="tx1"/>
+          </a:fontRef>
+        </p:style>
+      </p:cxnSp>
+      <p:sp>
+        <p:nvSpPr>
+          <p:cNvPr id="2" name="Title 1">
+            <a:extLst>
+              <a:ext uri="{FF2B5EF4-FFF2-40B4-BE49-F238E27FC236}">
+                <a16:creationId xmlns:a16="http://schemas.microsoft.com/office/drawing/2014/main" id="{CE57D4C2-F8C5-8050-4D03-A6E67715FBE2}"/>
+              </a:ext>
+            </a:extLst>
+          </p:cNvPr>
+          <p:cNvSpPr>
+            <a:spLocks noGrp="1"/>
+          </p:cNvSpPr>
+          <p:nvPr>
+            <p:ph type="title"/>
+          </p:nvPr>
+        </p:nvSpPr>
+        <p:spPr>
+          <a:xfrm>
+            <a:off x="7218030" y="804520"/>
+            <a:ext cx="3520367" cy="1049235"/>
+          </a:xfrm>
+        </p:spPr>
+        <p:txBody>
+          <a:bodyPr>
+            <a:normAutofit/>
+          </a:bodyPr>
+          <a:lstStyle/>
+          <a:p>
+            <a:r>
+              <a:rPr lang="en-US" sz="2500"/>
+              <a:t>Choosing a Model: </a:t>
+            </a:r>
+            <a:br>
+              <a:rPr lang="en-US" sz="2500"/>
+            </a:br>
+            <a:r>
+              <a:rPr lang="en-US" sz="2500"/>
+              <a:t>Stability</a:t>
+            </a:r>
+          </a:p>
+        </p:txBody>
+      </p:sp>
+      <p:sp>
+        <p:nvSpPr>
+          <p:cNvPr id="37" name="Rectangle 36">
+            <a:extLst>
+              <a:ext uri="{FF2B5EF4-FFF2-40B4-BE49-F238E27FC236}">
+                <a16:creationId xmlns:a16="http://schemas.microsoft.com/office/drawing/2014/main" id="{A1084370-0E70-4003-9787-3490FCC20E13}"/>
+              </a:ext>
+              <a:ext uri="{C183D7F6-B498-43B3-948B-1728B52AA6E4}">
+                <adec:decorative xmlns:adec="http://schemas.microsoft.com/office/drawing/2017/decorative" val="1"/>
+              </a:ext>
+            </a:extLst>
+          </p:cNvPr>
+          <p:cNvSpPr>
+            <a:spLocks noGrp="1" noRot="1" noChangeAspect="1" noMove="1" noResize="1" noEditPoints="1" noAdjustHandles="1" noChangeArrowheads="1" noChangeShapeType="1" noTextEdit="1"/>
+          </p:cNvSpPr>
+          <p:nvPr>
+            <p:extLst>
+              <p:ext uri="{386F3935-93C4-4BCD-93E2-E3B085C9AB24}">
+                <p16:designElem xmlns:p16="http://schemas.microsoft.com/office/powerpoint/2015/main" val="1"/>
+              </p:ext>
+            </p:extLst>
+          </p:nvPr>
+        </p:nvSpPr>
+        <p:spPr>
+          <a:xfrm>
+            <a:off x="0" y="2019476"/>
+            <a:ext cx="12192000" cy="4105941"/>
+          </a:xfrm>
+          <a:prstGeom prst="rect">
+            <a:avLst/>
+          </a:prstGeom>
+          <a:gradFill flip="none" rotWithShape="1">
+            <a:gsLst>
+              <a:gs pos="0">
+                <a:schemeClr val="bg2">
+                  <a:alpha val="0"/>
+                </a:schemeClr>
+              </a:gs>
+              <a:gs pos="100000">
+                <a:schemeClr val="bg2"/>
+              </a:gs>
+            </a:gsLst>
+            <a:lin ang="5400000" scaled="0"/>
+            <a:tileRect/>
+          </a:gradFill>
+          <a:ln>
+            <a:noFill/>
+          </a:ln>
+        </p:spPr>
+        <p:style>
+          <a:lnRef idx="2">
+            <a:schemeClr val="accent1">
+              <a:shade val="50000"/>
+            </a:schemeClr>
+          </a:lnRef>
+          <a:fillRef idx="1">
+            <a:schemeClr val="accent1"/>
+          </a:fillRef>
+          <a:effectRef idx="0">
+            <a:schemeClr val="accent1"/>
+          </a:effectRef>
+          <a:fontRef idx="minor">
+            <a:schemeClr val="lt1"/>
+          </a:fontRef>
+        </p:style>
+        <p:txBody>
+          <a:bodyPr rtlCol="0" anchor="ctr"/>
+          <a:lstStyle/>
+          <a:p>
+            <a:pPr lvl="0" algn="ctr"/>
+            <a:endParaRPr lang="en-US"/>
+          </a:p>
+        </p:txBody>
+      </p:sp>
+      <p:grpSp>
+        <p:nvGrpSpPr>
+          <p:cNvPr id="39" name="Group 38">
+            <a:extLst>
+              <a:ext uri="{FF2B5EF4-FFF2-40B4-BE49-F238E27FC236}">
+                <a16:creationId xmlns:a16="http://schemas.microsoft.com/office/drawing/2014/main" id="{2B7C66D2-22E8-4E8F-829B-050BFA7C86C5}"/>
+              </a:ext>
+              <a:ext uri="{C183D7F6-B498-43B3-948B-1728B52AA6E4}">
+                <adec:decorative xmlns:adec="http://schemas.microsoft.com/office/drawing/2017/decorative" val="1"/>
+              </a:ext>
+            </a:extLst>
+          </p:cNvPr>
+          <p:cNvGrpSpPr>
+            <a:grpSpLocks noGrp="1" noUngrp="1" noRot="1" noChangeAspect="1" noMove="1" noResize="1"/>
+          </p:cNvGrpSpPr>
+          <p:nvPr>
+            <p:extLst>
+              <p:ext uri="{386F3935-93C4-4BCD-93E2-E3B085C9AB24}">
+                <p16:designElem xmlns:p16="http://schemas.microsoft.com/office/powerpoint/2015/main" val="1"/>
+              </p:ext>
+            </p:extLst>
+          </p:nvPr>
+        </p:nvGrpSpPr>
+        <p:grpSpPr>
+          <a:xfrm>
+            <a:off x="632237" y="482171"/>
+            <a:ext cx="6104331" cy="5149101"/>
+            <a:chOff x="7463259" y="583365"/>
+            <a:chExt cx="6104330" cy="5181928"/>
+          </a:xfrm>
+        </p:grpSpPr>
+        <p:sp>
+          <p:nvSpPr>
+            <p:cNvPr id="40" name="Rectangle 39">
               <a:extLst>
                 <a:ext uri="{FF2B5EF4-FFF2-40B4-BE49-F238E27FC236}">
                   <a16:creationId xmlns:a16="http://schemas.microsoft.com/office/drawing/2014/main" id="{F0B78D6F-1F61-4DBB-8F5A-934BB850DD1F}"/>
@@ -9045,7 +12463,7 @@
         </p:sp>
         <p:sp>
           <p:nvSpPr>
-            <p:cNvPr id="24" name="Rectangle 23">
+            <p:cNvPr id="41" name="Rectangle 40">
               <a:extLst>
                 <a:ext uri="{FF2B5EF4-FFF2-40B4-BE49-F238E27FC236}">
                   <a16:creationId xmlns:a16="http://schemas.microsoft.com/office/drawing/2014/main" id="{23EA261D-1F8C-4BE5-8586-3C1CC5CE80FE}"/>
@@ -9130,10 +12548,10 @@
       </p:grpSp>
       <p:pic>
         <p:nvPicPr>
-          <p:cNvPr id="5" name="Picture 4">
+          <p:cNvPr id="6" name="Picture 5" descr="A graph of a graph&#10;&#10;AI-generated content may be incorrect.">
             <a:extLst>
               <a:ext uri="{FF2B5EF4-FFF2-40B4-BE49-F238E27FC236}">
-                <a16:creationId xmlns:a16="http://schemas.microsoft.com/office/drawing/2014/main" id="{7E69328D-39EF-456A-C2B3-1FD83C903052}"/>
+                <a16:creationId xmlns:a16="http://schemas.microsoft.com/office/drawing/2014/main" id="{FEDE7171-2EBE-4066-2768-886A092A90ED}"/>
               </a:ext>
             </a:extLst>
           </p:cNvPr>
@@ -9223,7 +12641,7 @@
       </p:sp>
       <p:pic>
         <p:nvPicPr>
-          <p:cNvPr id="26" name="Picture 25">
+          <p:cNvPr id="43" name="Picture 42">
             <a:extLst>
               <a:ext uri="{FF2B5EF4-FFF2-40B4-BE49-F238E27FC236}">
                 <a16:creationId xmlns:a16="http://schemas.microsoft.com/office/drawing/2014/main" id="{3635D2BC-4EDA-4A3E-83BF-035608099BD5}"/>
@@ -9267,7 +12685,7 @@
       </p:pic>
       <p:cxnSp>
         <p:nvCxnSpPr>
-          <p:cNvPr id="28" name="Straight Connector 27">
+          <p:cNvPr id="45" name="Straight Connector 44">
             <a:extLst>
               <a:ext uri="{FF2B5EF4-FFF2-40B4-BE49-F238E27FC236}">
                 <a16:creationId xmlns:a16="http://schemas.microsoft.com/office/drawing/2014/main" id="{A3C86EB9-7FA9-42F7-B348-A7FD17436A94}"/>
@@ -9332,7 +12750,7 @@
 </p:sld>
 </file>
 
-<file path=ppt/slides/slide25.xml><?xml version="1.0" encoding="utf-8"?>
+<file path=ppt/slides/slide28.xml><?xml version="1.0" encoding="utf-8"?>
 <p:sld xmlns:a="http://schemas.openxmlformats.org/drawingml/2006/main" xmlns:r="http://schemas.openxmlformats.org/officeDocument/2006/relationships" xmlns:p="http://schemas.openxmlformats.org/presentationml/2006/main">
   <p:cSld>
     <p:bg>
@@ -9624,7 +13042,7 @@
         <p:spPr>
           <a:xfrm>
             <a:off x="692727" y="-7311"/>
-            <a:ext cx="3934249" cy="3056869"/>
+            <a:ext cx="4299687" cy="3056869"/>
           </a:xfrm>
           <a:prstGeom prst="rect">
             <a:avLst/>
@@ -9654,7 +13072,7 @@
         <p:spPr>
           <a:xfrm>
             <a:off x="692727" y="3061412"/>
-            <a:ext cx="3934249" cy="3056870"/>
+            <a:ext cx="4299687" cy="3056870"/>
           </a:xfrm>
           <a:prstGeom prst="rect">
             <a:avLst/>
@@ -9869,7 +13287,7 @@
 </p:sld>
 </file>
 
-<file path=ppt/slides/slide26.xml><?xml version="1.0" encoding="utf-8"?>
+<file path=ppt/slides/slide29.xml><?xml version="1.0" encoding="utf-8"?>
 <p:sld xmlns:a="http://schemas.openxmlformats.org/drawingml/2006/main" xmlns:r="http://schemas.openxmlformats.org/officeDocument/2006/relationships" xmlns:p="http://schemas.openxmlformats.org/presentationml/2006/main">
   <p:cSld>
     <p:bg>
@@ -9912,10 +13330,10 @@
       </p:grpSpPr>
       <p:sp useBgFill="1">
         <p:nvSpPr>
-          <p:cNvPr id="14" name="Rectangle 13">
+          <p:cNvPr id="41" name="Rectangle 40">
             <a:extLst>
               <a:ext uri="{FF2B5EF4-FFF2-40B4-BE49-F238E27FC236}">
-                <a16:creationId xmlns:a16="http://schemas.microsoft.com/office/drawing/2014/main" id="{45C76AC0-BB6B-419E-A327-AFA29750080A}"/>
+                <a16:creationId xmlns:a16="http://schemas.microsoft.com/office/drawing/2014/main" id="{1669046F-5838-4C7A-BBE8-A77F40FD9C7F}"/>
               </a:ext>
               <a:ext uri="{C183D7F6-B498-43B3-948B-1728B52AA6E4}">
                 <adec:decorative xmlns:adec="http://schemas.microsoft.com/office/drawing/2017/decorative" val="1"/>
@@ -9970,95 +13388,12 @@
           </a:p>
         </p:txBody>
       </p:sp>
-      <p:cxnSp>
-        <p:nvCxnSpPr>
-          <p:cNvPr id="16" name="Straight Connector 15">
+      <p:sp>
+        <p:nvSpPr>
+          <p:cNvPr id="43" name="Rectangle 42">
             <a:extLst>
               <a:ext uri="{FF2B5EF4-FFF2-40B4-BE49-F238E27FC236}">
-                <a16:creationId xmlns:a16="http://schemas.microsoft.com/office/drawing/2014/main" id="{B3E0B6A3-E197-43D6-82D5-7455DAB1A746}"/>
-              </a:ext>
-              <a:ext uri="{C183D7F6-B498-43B3-948B-1728B52AA6E4}">
-                <adec:decorative xmlns:adec="http://schemas.microsoft.com/office/drawing/2017/decorative" val="1"/>
-              </a:ext>
-            </a:extLst>
-          </p:cNvPr>
-          <p:cNvCxnSpPr>
-            <a:cxnSpLocks noGrp="1" noRot="1" noChangeAspect="1" noMove="1" noResize="1" noEditPoints="1" noAdjustHandles="1" noChangeArrowheads="1" noChangeShapeType="1"/>
-          </p:cNvCxnSpPr>
-          <p:nvPr>
-            <p:extLst>
-              <p:ext uri="{386F3935-93C4-4BCD-93E2-E3B085C9AB24}">
-                <p16:designElem xmlns:p16="http://schemas.microsoft.com/office/powerpoint/2015/main" val="1"/>
-              </p:ext>
-            </p:extLst>
-          </p:nvPr>
-        </p:nvCxnSpPr>
-        <p:spPr>
-          <a:xfrm>
-            <a:off x="6579647" y="1847088"/>
-            <a:ext cx="4158750" cy="0"/>
-          </a:xfrm>
-          <a:prstGeom prst="line">
-            <a:avLst/>
-          </a:prstGeom>
-          <a:ln w="31750"/>
-        </p:spPr>
-        <p:style>
-          <a:lnRef idx="3">
-            <a:schemeClr val="accent1"/>
-          </a:lnRef>
-          <a:fillRef idx="0">
-            <a:schemeClr val="accent1"/>
-          </a:fillRef>
-          <a:effectRef idx="2">
-            <a:schemeClr val="accent1"/>
-          </a:effectRef>
-          <a:fontRef idx="minor">
-            <a:schemeClr val="tx1"/>
-          </a:fontRef>
-        </p:style>
-      </p:cxnSp>
-      <p:sp>
-        <p:nvSpPr>
-          <p:cNvPr id="2" name="Title 1">
-            <a:extLst>
-              <a:ext uri="{FF2B5EF4-FFF2-40B4-BE49-F238E27FC236}">
-                <a16:creationId xmlns:a16="http://schemas.microsoft.com/office/drawing/2014/main" id="{492399E0-2D4B-FA50-8ED3-AAC839DFA566}"/>
-              </a:ext>
-            </a:extLst>
-          </p:cNvPr>
-          <p:cNvSpPr>
-            <a:spLocks noGrp="1"/>
-          </p:cNvSpPr>
-          <p:nvPr>
-            <p:ph type="title"/>
-          </p:nvPr>
-        </p:nvSpPr>
-        <p:spPr>
-          <a:xfrm>
-            <a:off x="6579648" y="804520"/>
-            <a:ext cx="4158749" cy="1049235"/>
-          </a:xfrm>
-        </p:spPr>
-        <p:txBody>
-          <a:bodyPr>
-            <a:normAutofit/>
-          </a:bodyPr>
-          <a:lstStyle/>
-          <a:p>
-            <a:r>
-              <a:rPr lang="en-US" dirty="0"/>
-              <a:t>Cumulative Gains</a:t>
-            </a:r>
-          </a:p>
-        </p:txBody>
-      </p:sp>
-      <p:sp>
-        <p:nvSpPr>
-          <p:cNvPr id="13" name="Rectangle 12">
-            <a:extLst>
-              <a:ext uri="{FF2B5EF4-FFF2-40B4-BE49-F238E27FC236}">
-                <a16:creationId xmlns:a16="http://schemas.microsoft.com/office/drawing/2014/main" id="{8B0E4246-09B8-46D7-A0D2-4D264863AD39}"/>
+                <a16:creationId xmlns:a16="http://schemas.microsoft.com/office/drawing/2014/main" id="{2D5E6CDB-92ED-43A1-9491-C46E2C8E9956}"/>
               </a:ext>
               <a:ext uri="{C183D7F6-B498-43B3-948B-1728B52AA6E4}">
                 <adec:decorative xmlns:adec="http://schemas.microsoft.com/office/drawing/2017/decorative" val="1"/>
@@ -10127,12 +13462,357 @@
           </a:p>
         </p:txBody>
       </p:sp>
+      <p:grpSp>
+        <p:nvGrpSpPr>
+          <p:cNvPr id="45" name="Group 44">
+            <a:extLst>
+              <a:ext uri="{FF2B5EF4-FFF2-40B4-BE49-F238E27FC236}">
+                <a16:creationId xmlns:a16="http://schemas.microsoft.com/office/drawing/2014/main" id="{EBB966BC-DC49-4138-8DEF-B1CD13033926}"/>
+              </a:ext>
+              <a:ext uri="{C183D7F6-B498-43B3-948B-1728B52AA6E4}">
+                <adec:decorative xmlns:adec="http://schemas.microsoft.com/office/drawing/2017/decorative" val="1"/>
+              </a:ext>
+            </a:extLst>
+          </p:cNvPr>
+          <p:cNvGrpSpPr>
+            <a:grpSpLocks noGrp="1" noUngrp="1" noRot="1" noChangeAspect="1" noMove="1" noResize="1"/>
+          </p:cNvGrpSpPr>
+          <p:nvPr>
+            <p:extLst>
+              <p:ext uri="{386F3935-93C4-4BCD-93E2-E3B085C9AB24}">
+                <p16:designElem xmlns:p16="http://schemas.microsoft.com/office/powerpoint/2015/main" val="1"/>
+              </p:ext>
+            </p:extLst>
+          </p:nvPr>
+        </p:nvGrpSpPr>
+        <p:grpSpPr>
+          <a:xfrm>
+            <a:off x="632237" y="482171"/>
+            <a:ext cx="6104331" cy="5149101"/>
+            <a:chOff x="632237" y="482171"/>
+            <a:chExt cx="6104331" cy="5149101"/>
+          </a:xfrm>
+        </p:grpSpPr>
+        <p:sp>
+          <p:nvSpPr>
+            <p:cNvPr id="46" name="Rectangle 45">
+              <a:extLst>
+                <a:ext uri="{FF2B5EF4-FFF2-40B4-BE49-F238E27FC236}">
+                  <a16:creationId xmlns:a16="http://schemas.microsoft.com/office/drawing/2014/main" id="{EDD0BD06-EC5B-4F0E-A221-562BC2BA69B2}"/>
+                </a:ext>
+                <a:ext uri="{C183D7F6-B498-43B3-948B-1728B52AA6E4}">
+                  <adec:decorative xmlns:adec="http://schemas.microsoft.com/office/drawing/2017/decorative" val="1"/>
+                </a:ext>
+              </a:extLst>
+            </p:cNvPr>
+            <p:cNvSpPr/>
+            <p:nvPr>
+              <p:extLst>
+                <p:ext uri="{386F3935-93C4-4BCD-93E2-E3B085C9AB24}">
+                  <p16:designElem xmlns:p16="http://schemas.microsoft.com/office/powerpoint/2015/main" val="1"/>
+                </p:ext>
+              </p:extLst>
+            </p:nvPr>
+          </p:nvSpPr>
+          <p:spPr>
+            <a:xfrm>
+              <a:off x="632237" y="482171"/>
+              <a:ext cx="6104331" cy="5149101"/>
+            </a:xfrm>
+            <a:prstGeom prst="rect">
+              <a:avLst/>
+            </a:prstGeom>
+            <a:gradFill>
+              <a:gsLst>
+                <a:gs pos="0">
+                  <a:srgbClr val="000001"/>
+                </a:gs>
+                <a:gs pos="100000">
+                  <a:srgbClr val="191919"/>
+                </a:gs>
+              </a:gsLst>
+            </a:gradFill>
+            <a:ln w="76200" cmpd="sng">
+              <a:noFill/>
+              <a:miter lim="800000"/>
+            </a:ln>
+            <a:effectLst>
+              <a:outerShdw blurRad="127000" dist="228600" dir="4740000" sx="98000" sy="98000" algn="tl" rotWithShape="0">
+                <a:srgbClr val="000000">
+                  <a:alpha val="34000"/>
+                </a:srgbClr>
+              </a:outerShdw>
+            </a:effectLst>
+            <a:scene3d>
+              <a:camera prst="orthographicFront"/>
+              <a:lightRig rig="threePt" dir="t"/>
+            </a:scene3d>
+            <a:sp3d>
+              <a:bevelT w="152400" h="50800" prst="softRound"/>
+            </a:sp3d>
+          </p:spPr>
+          <p:style>
+            <a:lnRef idx="1">
+              <a:schemeClr val="accent1"/>
+            </a:lnRef>
+            <a:fillRef idx="3">
+              <a:schemeClr val="accent1"/>
+            </a:fillRef>
+            <a:effectRef idx="2">
+              <a:schemeClr val="accent1"/>
+            </a:effectRef>
+            <a:fontRef idx="minor">
+              <a:schemeClr val="lt1"/>
+            </a:fontRef>
+          </p:style>
+          <p:txBody>
+            <a:bodyPr rtlCol="0" anchor="ctr"/>
+            <a:lstStyle/>
+            <a:p>
+              <a:pPr algn="ctr"/>
+              <a:endParaRPr lang="en-US"/>
+            </a:p>
+          </p:txBody>
+        </p:sp>
+        <p:sp>
+          <p:nvSpPr>
+            <p:cNvPr id="47" name="Rectangle 46">
+              <a:extLst>
+                <a:ext uri="{FF2B5EF4-FFF2-40B4-BE49-F238E27FC236}">
+                  <a16:creationId xmlns:a16="http://schemas.microsoft.com/office/drawing/2014/main" id="{634200B3-EC47-4A5B-A640-7118BF6AD272}"/>
+                </a:ext>
+                <a:ext uri="{C183D7F6-B498-43B3-948B-1728B52AA6E4}">
+                  <adec:decorative xmlns:adec="http://schemas.microsoft.com/office/drawing/2017/decorative" val="1"/>
+                </a:ext>
+              </a:extLst>
+            </p:cNvPr>
+            <p:cNvSpPr/>
+            <p:nvPr>
+              <p:extLst>
+                <p:ext uri="{386F3935-93C4-4BCD-93E2-E3B085C9AB24}">
+                  <p16:designElem xmlns:p16="http://schemas.microsoft.com/office/powerpoint/2015/main" val="1"/>
+                </p:ext>
+              </p:extLst>
+            </p:nvPr>
+          </p:nvSpPr>
+          <p:spPr>
+            <a:xfrm>
+              <a:off x="945296" y="812507"/>
+              <a:ext cx="5471355" cy="4466452"/>
+            </a:xfrm>
+            <a:prstGeom prst="rect">
+              <a:avLst/>
+            </a:prstGeom>
+            <a:gradFill>
+              <a:gsLst>
+                <a:gs pos="0">
+                  <a:srgbClr val="DADADA"/>
+                </a:gs>
+                <a:gs pos="100000">
+                  <a:srgbClr val="FFFFFE"/>
+                </a:gs>
+              </a:gsLst>
+              <a:lin ang="16200000" scaled="0"/>
+            </a:gradFill>
+            <a:ln w="50800" cmpd="sng">
+              <a:solidFill>
+                <a:srgbClr val="191919"/>
+              </a:solidFill>
+              <a:miter lim="800000"/>
+            </a:ln>
+            <a:effectLst>
+              <a:innerShdw blurRad="63500" dist="88900" dir="14100000">
+                <a:srgbClr val="000000">
+                  <a:alpha val="30000"/>
+                </a:srgbClr>
+              </a:innerShdw>
+            </a:effectLst>
+            <a:scene3d>
+              <a:camera prst="orthographicFront"/>
+              <a:lightRig rig="threePt" dir="t"/>
+            </a:scene3d>
+            <a:sp3d>
+              <a:bevelT prst="relaxedInset"/>
+            </a:sp3d>
+          </p:spPr>
+          <p:style>
+            <a:lnRef idx="1">
+              <a:schemeClr val="accent1"/>
+            </a:lnRef>
+            <a:fillRef idx="3">
+              <a:schemeClr val="accent1"/>
+            </a:fillRef>
+            <a:effectRef idx="2">
+              <a:schemeClr val="accent1"/>
+            </a:effectRef>
+            <a:fontRef idx="minor">
+              <a:schemeClr val="lt1"/>
+            </a:fontRef>
+          </p:style>
+          <p:txBody>
+            <a:bodyPr rtlCol="0" anchor="ctr"/>
+            <a:lstStyle/>
+            <a:p>
+              <a:pPr algn="ctr"/>
+              <a:endParaRPr lang="en-US"/>
+            </a:p>
+          </p:txBody>
+        </p:sp>
+      </p:grpSp>
+      <p:sp>
+        <p:nvSpPr>
+          <p:cNvPr id="49" name="Rectangle 48">
+            <a:extLst>
+              <a:ext uri="{FF2B5EF4-FFF2-40B4-BE49-F238E27FC236}">
+                <a16:creationId xmlns:a16="http://schemas.microsoft.com/office/drawing/2014/main" id="{23B9DAF8-7DB4-40CB-85F8-7E02F95C6CA7}"/>
+              </a:ext>
+              <a:ext uri="{C183D7F6-B498-43B3-948B-1728B52AA6E4}">
+                <adec:decorative xmlns:adec="http://schemas.microsoft.com/office/drawing/2017/decorative" val="1"/>
+              </a:ext>
+            </a:extLst>
+          </p:cNvPr>
+          <p:cNvSpPr>
+            <a:spLocks noGrp="1" noRot="1" noChangeAspect="1" noMove="1" noResize="1" noEditPoints="1" noAdjustHandles="1" noChangeArrowheads="1" noChangeShapeType="1" noTextEdit="1"/>
+          </p:cNvSpPr>
+          <p:nvPr>
+            <p:extLst>
+              <p:ext uri="{386F3935-93C4-4BCD-93E2-E3B085C9AB24}">
+                <p16:designElem xmlns:p16="http://schemas.microsoft.com/office/powerpoint/2015/main" val="1"/>
+              </p:ext>
+            </p:extLst>
+          </p:nvPr>
+        </p:nvSpPr>
+        <p:spPr>
+          <a:xfrm>
+            <a:off x="1107042" y="984450"/>
+            <a:ext cx="5145580" cy="4135339"/>
+          </a:xfrm>
+          <a:prstGeom prst="rect">
+            <a:avLst/>
+          </a:prstGeom>
+          <a:solidFill>
+            <a:schemeClr val="bg1"/>
+          </a:solidFill>
+          <a:ln w="6350">
+            <a:solidFill>
+              <a:schemeClr val="bg2"/>
+            </a:solidFill>
+          </a:ln>
+        </p:spPr>
+        <p:style>
+          <a:lnRef idx="2">
+            <a:schemeClr val="accent1">
+              <a:shade val="50000"/>
+            </a:schemeClr>
+          </a:lnRef>
+          <a:fillRef idx="1">
+            <a:schemeClr val="accent1"/>
+          </a:fillRef>
+          <a:effectRef idx="0">
+            <a:schemeClr val="accent1"/>
+          </a:effectRef>
+          <a:fontRef idx="minor">
+            <a:schemeClr val="lt1"/>
+          </a:fontRef>
+        </p:style>
+        <p:txBody>
+          <a:bodyPr rtlCol="0" anchor="ctr"/>
+          <a:lstStyle/>
+          <a:p>
+            <a:pPr algn="ctr"/>
+            <a:endParaRPr lang="en-US"/>
+          </a:p>
+        </p:txBody>
+      </p:sp>
+      <p:cxnSp>
+        <p:nvCxnSpPr>
+          <p:cNvPr id="51" name="Straight Connector 50">
+            <a:extLst>
+              <a:ext uri="{FF2B5EF4-FFF2-40B4-BE49-F238E27FC236}">
+                <a16:creationId xmlns:a16="http://schemas.microsoft.com/office/drawing/2014/main" id="{606AED2C-61BA-485C-9DD4-B23B6280F9D8}"/>
+              </a:ext>
+              <a:ext uri="{C183D7F6-B498-43B3-948B-1728B52AA6E4}">
+                <adec:decorative xmlns:adec="http://schemas.microsoft.com/office/drawing/2017/decorative" val="1"/>
+              </a:ext>
+            </a:extLst>
+          </p:cNvPr>
+          <p:cNvCxnSpPr>
+            <a:cxnSpLocks noGrp="1" noRot="1" noChangeAspect="1" noMove="1" noResize="1" noEditPoints="1" noAdjustHandles="1" noChangeArrowheads="1" noChangeShapeType="1"/>
+          </p:cNvCxnSpPr>
+          <p:nvPr>
+            <p:extLst>
+              <p:ext uri="{386F3935-93C4-4BCD-93E2-E3B085C9AB24}">
+                <p16:designElem xmlns:p16="http://schemas.microsoft.com/office/powerpoint/2015/main" val="1"/>
+              </p:ext>
+            </p:extLst>
+          </p:nvPr>
+        </p:nvCxnSpPr>
+        <p:spPr>
+          <a:xfrm>
+            <a:off x="7218029" y="1847088"/>
+            <a:ext cx="3520368" cy="0"/>
+          </a:xfrm>
+          <a:prstGeom prst="line">
+            <a:avLst/>
+          </a:prstGeom>
+          <a:ln w="31750"/>
+        </p:spPr>
+        <p:style>
+          <a:lnRef idx="3">
+            <a:schemeClr val="accent1"/>
+          </a:lnRef>
+          <a:fillRef idx="0">
+            <a:schemeClr val="accent1"/>
+          </a:fillRef>
+          <a:effectRef idx="2">
+            <a:schemeClr val="accent1"/>
+          </a:effectRef>
+          <a:fontRef idx="minor">
+            <a:schemeClr val="tx1"/>
+          </a:fontRef>
+        </p:style>
+      </p:cxnSp>
+      <p:sp>
+        <p:nvSpPr>
+          <p:cNvPr id="2" name="Title 1">
+            <a:extLst>
+              <a:ext uri="{FF2B5EF4-FFF2-40B4-BE49-F238E27FC236}">
+                <a16:creationId xmlns:a16="http://schemas.microsoft.com/office/drawing/2014/main" id="{492399E0-2D4B-FA50-8ED3-AAC839DFA566}"/>
+              </a:ext>
+            </a:extLst>
+          </p:cNvPr>
+          <p:cNvSpPr>
+            <a:spLocks noGrp="1"/>
+          </p:cNvSpPr>
+          <p:nvPr>
+            <p:ph type="title"/>
+          </p:nvPr>
+        </p:nvSpPr>
+        <p:spPr>
+          <a:xfrm>
+            <a:off x="7218030" y="804520"/>
+            <a:ext cx="3520367" cy="1049235"/>
+          </a:xfrm>
+        </p:spPr>
+        <p:txBody>
+          <a:bodyPr>
+            <a:normAutofit/>
+          </a:bodyPr>
+          <a:lstStyle/>
+          <a:p>
+            <a:r>
+              <a:rPr lang="en-US" dirty="0"/>
+              <a:t>Cumulative Gains</a:t>
+            </a:r>
+          </a:p>
+        </p:txBody>
+      </p:sp>
       <p:pic>
         <p:nvPicPr>
-          <p:cNvPr id="4" name="Picture 3">
+          <p:cNvPr id="6" name="Picture 5">
             <a:extLst>
               <a:ext uri="{FF2B5EF4-FFF2-40B4-BE49-F238E27FC236}">
-                <a16:creationId xmlns:a16="http://schemas.microsoft.com/office/drawing/2014/main" id="{ABCCB270-9F54-0647-3CC7-23A3870812DD}"/>
+                <a16:creationId xmlns:a16="http://schemas.microsoft.com/office/drawing/2014/main" id="{C26D4008-95E4-08A7-6010-61BFC154C34F}"/>
               </a:ext>
             </a:extLst>
           </p:cNvPr>
@@ -10149,25 +13829,12 @@
         </p:blipFill>
         <p:spPr>
           <a:xfrm>
-            <a:off x="1130029" y="1170389"/>
-            <a:ext cx="4960442" cy="3931150"/>
+            <a:off x="1271223" y="1137466"/>
+            <a:ext cx="4825148" cy="3823930"/>
           </a:xfrm>
           <a:prstGeom prst="rect">
             <a:avLst/>
           </a:prstGeom>
-          <a:ln w="127000" cap="sq">
-            <a:solidFill>
-              <a:srgbClr val="000000"/>
-            </a:solidFill>
-            <a:miter lim="800000"/>
-          </a:ln>
-          <a:effectLst>
-            <a:outerShdw blurRad="57150" dist="50800" dir="2700000" algn="tl" rotWithShape="0">
-              <a:srgbClr val="000000">
-                <a:alpha val="40000"/>
-              </a:srgbClr>
-            </a:outerShdw>
-          </a:effectLst>
         </p:spPr>
       </p:pic>
       <p:sp>
@@ -10188,8 +13855,8 @@
         </p:nvSpPr>
         <p:spPr>
           <a:xfrm>
-            <a:off x="6579647" y="2015732"/>
-            <a:ext cx="4158750" cy="3450613"/>
+            <a:off x="7218029" y="2015732"/>
+            <a:ext cx="3520368" cy="3450613"/>
           </a:xfrm>
         </p:spPr>
         <p:txBody>
@@ -10200,15 +13867,14 @@
           <a:p>
             <a:r>
               <a:rPr lang="en-US" dirty="0"/>
-              <a:t>Note how much faster we can accumulate clicks (</a:t>
-            </a:r>
-            <a:r>
-              <a:rPr lang="en-US" dirty="0" err="1"/>
-              <a:t>ie</a:t>
-            </a:r>
-            <a:r>
-              <a:rPr lang="en-US" dirty="0"/>
-              <a:t> revenue) using our model</a:t>
+              <a:t>Click Accumulation:</a:t>
+            </a:r>
+          </a:p>
+          <a:p>
+            <a:pPr lvl="1"/>
+            <a:r>
+              <a:rPr lang="en-US" dirty="0"/>
+              <a:t>Model gains clicks with fewer emails sent</a:t>
             </a:r>
           </a:p>
           <a:p>
@@ -10216,25 +13882,15 @@
               <a:rPr lang="en-US" dirty="0"/>
               <a:t>80% of the clicks gained by 50% of the emails sent</a:t>
             </a:r>
-          </a:p>
-          <a:p>
-            <a:pPr lvl="1"/>
-            <a:r>
-              <a:rPr lang="en-US" dirty="0"/>
-              <a:t>Profit margin driven by ability to not waste cost on people highly unlikely to click</a:t>
-            </a:r>
-          </a:p>
-          <a:p>
-            <a:endParaRPr lang="en-US" dirty="0"/>
           </a:p>
         </p:txBody>
       </p:sp>
       <p:pic>
         <p:nvPicPr>
-          <p:cNvPr id="15" name="Picture 14">
+          <p:cNvPr id="53" name="Picture 52">
             <a:extLst>
               <a:ext uri="{FF2B5EF4-FFF2-40B4-BE49-F238E27FC236}">
-                <a16:creationId xmlns:a16="http://schemas.microsoft.com/office/drawing/2014/main" id="{F50C8D8D-B32F-4194-8321-164EC442750E}"/>
+                <a16:creationId xmlns:a16="http://schemas.microsoft.com/office/drawing/2014/main" id="{7EFCF05C-6070-460B-8E60-12BE3EFD19F0}"/>
               </a:ext>
               <a:ext uri="{C183D7F6-B498-43B3-948B-1728B52AA6E4}">
                 <adec:decorative xmlns:adec="http://schemas.microsoft.com/office/drawing/2017/decorative" val="1"/>
@@ -10275,10 +13931,10 @@
       </p:pic>
       <p:cxnSp>
         <p:nvCxnSpPr>
-          <p:cNvPr id="17" name="Straight Connector 16">
+          <p:cNvPr id="55" name="Straight Connector 54">
             <a:extLst>
               <a:ext uri="{FF2B5EF4-FFF2-40B4-BE49-F238E27FC236}">
-                <a16:creationId xmlns:a16="http://schemas.microsoft.com/office/drawing/2014/main" id="{5BD24D8B-8573-4260-B700-E860AD6D2A8E}"/>
+                <a16:creationId xmlns:a16="http://schemas.microsoft.com/office/drawing/2014/main" id="{CFD731F1-726F-453E-9516-3058095DE995}"/>
               </a:ext>
               <a:ext uri="{C183D7F6-B498-43B3-948B-1728B52AA6E4}">
                 <adec:decorative xmlns:adec="http://schemas.microsoft.com/office/drawing/2017/decorative" val="1"/>
@@ -10340,383 +13996,8 @@
 </p:sld>
 </file>
 
-<file path=ppt/slides/slide27.xml><?xml version="1.0" encoding="utf-8"?>
-<p:sld xmlns:a="http://schemas.openxmlformats.org/drawingml/2006/main" xmlns:r="http://schemas.openxmlformats.org/officeDocument/2006/relationships" xmlns:p="http://schemas.openxmlformats.org/presentationml/2006/main">
-  <p:cSld>
-    <p:bg>
-      <p:bgPr>
-        <a:gradFill rotWithShape="1">
-          <a:gsLst>
-            <a:gs pos="0">
-              <a:schemeClr val="bg2">
-                <a:tint val="94000"/>
-                <a:satMod val="80000"/>
-                <a:lumMod val="106000"/>
-              </a:schemeClr>
-            </a:gs>
-            <a:gs pos="100000">
-              <a:schemeClr val="bg2">
-                <a:shade val="80000"/>
-              </a:schemeClr>
-            </a:gs>
-          </a:gsLst>
-          <a:path path="circle">
-            <a:fillToRect l="43000" r="43000" b="100000"/>
-          </a:path>
-        </a:gradFill>
-        <a:effectLst/>
-      </p:bgPr>
-    </p:bg>
-    <p:spTree>
-      <p:nvGrpSpPr>
-        <p:cNvPr id="1" name=""/>
-        <p:cNvGrpSpPr/>
-        <p:nvPr/>
-      </p:nvGrpSpPr>
-      <p:grpSpPr>
-        <a:xfrm>
-          <a:off x="0" y="0"/>
-          <a:ext cx="0" cy="0"/>
-          <a:chOff x="0" y="0"/>
-          <a:chExt cx="0" cy="0"/>
-        </a:xfrm>
-      </p:grpSpPr>
-      <p:sp>
-        <p:nvSpPr>
-          <p:cNvPr id="2" name="Title 1">
-            <a:extLst>
-              <a:ext uri="{FF2B5EF4-FFF2-40B4-BE49-F238E27FC236}">
-                <a16:creationId xmlns:a16="http://schemas.microsoft.com/office/drawing/2014/main" id="{0A074B67-3CD7-1A82-24C5-EE15BB476759}"/>
-              </a:ext>
-            </a:extLst>
-          </p:cNvPr>
-          <p:cNvSpPr>
-            <a:spLocks noGrp="1"/>
-          </p:cNvSpPr>
-          <p:nvPr>
-            <p:ph type="title"/>
-          </p:nvPr>
-        </p:nvSpPr>
-        <p:spPr>
-          <a:xfrm>
-            <a:off x="1451579" y="804519"/>
-            <a:ext cx="9603275" cy="1049235"/>
-          </a:xfrm>
-        </p:spPr>
-        <p:txBody>
-          <a:bodyPr>
-            <a:normAutofit/>
-          </a:bodyPr>
-          <a:lstStyle/>
-          <a:p>
-            <a:r>
-              <a:rPr lang="en-US" dirty="0"/>
-              <a:t>Optimization Curve</a:t>
-            </a:r>
-          </a:p>
-        </p:txBody>
-      </p:sp>
-      <p:grpSp>
-        <p:nvGrpSpPr>
-          <p:cNvPr id="11" name="Group 10">
-            <a:extLst>
-              <a:ext uri="{FF2B5EF4-FFF2-40B4-BE49-F238E27FC236}">
-                <a16:creationId xmlns:a16="http://schemas.microsoft.com/office/drawing/2014/main" id="{F2C08210-135F-434B-9B07-F3B4978C6C21}"/>
-              </a:ext>
-              <a:ext uri="{C183D7F6-B498-43B3-948B-1728B52AA6E4}">
-                <adec:decorative xmlns:adec="http://schemas.microsoft.com/office/drawing/2017/decorative" val="1"/>
-              </a:ext>
-            </a:extLst>
-          </p:cNvPr>
-          <p:cNvGrpSpPr>
-            <a:grpSpLocks noGrp="1" noUngrp="1" noRot="1" noChangeAspect="1" noMove="1" noResize="1"/>
-          </p:cNvGrpSpPr>
-          <p:nvPr>
-            <p:extLst>
-              <p:ext uri="{386F3935-93C4-4BCD-93E2-E3B085C9AB24}">
-                <p16:designElem xmlns:p16="http://schemas.microsoft.com/office/powerpoint/2015/main" val="1"/>
-              </p:ext>
-            </p:extLst>
-          </p:nvPr>
-        </p:nvGrpSpPr>
-        <p:grpSpPr>
-          <a:xfrm>
-            <a:off x="1459130" y="2012810"/>
-            <a:ext cx="4954206" cy="3453535"/>
-            <a:chOff x="7807230" y="2012810"/>
-            <a:chExt cx="3251252" cy="3459865"/>
-          </a:xfrm>
-        </p:grpSpPr>
-        <p:sp>
-          <p:nvSpPr>
-            <p:cNvPr id="12" name="Rectangle 11">
-              <a:extLst>
-                <a:ext uri="{FF2B5EF4-FFF2-40B4-BE49-F238E27FC236}">
-                  <a16:creationId xmlns:a16="http://schemas.microsoft.com/office/drawing/2014/main" id="{F67A18BA-FBAA-4972-B2EE-86107FA7F012}"/>
-                </a:ext>
-                <a:ext uri="{C183D7F6-B498-43B3-948B-1728B52AA6E4}">
-                  <adec:decorative xmlns:adec="http://schemas.microsoft.com/office/drawing/2017/decorative" val="1"/>
-                </a:ext>
-              </a:extLst>
-            </p:cNvPr>
-            <p:cNvSpPr/>
-            <p:nvPr>
-              <p:extLst>
-                <p:ext uri="{386F3935-93C4-4BCD-93E2-E3B085C9AB24}">
-                  <p16:designElem xmlns:p16="http://schemas.microsoft.com/office/powerpoint/2015/main" val="1"/>
-                </p:ext>
-              </p:extLst>
-            </p:nvPr>
-          </p:nvSpPr>
-          <p:spPr>
-            <a:xfrm>
-              <a:off x="7807230" y="2012810"/>
-              <a:ext cx="3251252" cy="3459865"/>
-            </a:xfrm>
-            <a:prstGeom prst="rect">
-              <a:avLst/>
-            </a:prstGeom>
-            <a:gradFill>
-              <a:gsLst>
-                <a:gs pos="0">
-                  <a:srgbClr val="000001"/>
-                </a:gs>
-                <a:gs pos="100000">
-                  <a:srgbClr val="191919"/>
-                </a:gs>
-              </a:gsLst>
-            </a:gradFill>
-            <a:ln w="76200" cmpd="sng">
-              <a:noFill/>
-              <a:miter lim="800000"/>
-            </a:ln>
-            <a:effectLst>
-              <a:outerShdw blurRad="127000" dist="190500" dir="4740000" sx="98000" sy="98000" algn="tl" rotWithShape="0">
-                <a:srgbClr val="000000">
-                  <a:alpha val="34000"/>
-                </a:srgbClr>
-              </a:outerShdw>
-            </a:effectLst>
-            <a:scene3d>
-              <a:camera prst="orthographicFront"/>
-              <a:lightRig rig="threePt" dir="t"/>
-            </a:scene3d>
-            <a:sp3d>
-              <a:bevelT w="152400" h="50800" prst="softRound"/>
-            </a:sp3d>
-          </p:spPr>
-          <p:style>
-            <a:lnRef idx="1">
-              <a:schemeClr val="accent1"/>
-            </a:lnRef>
-            <a:fillRef idx="3">
-              <a:schemeClr val="accent1"/>
-            </a:fillRef>
-            <a:effectRef idx="2">
-              <a:schemeClr val="accent1"/>
-            </a:effectRef>
-            <a:fontRef idx="minor">
-              <a:schemeClr val="lt1"/>
-            </a:fontRef>
-          </p:style>
-          <p:txBody>
-            <a:bodyPr rtlCol="0" anchor="ctr"/>
-            <a:lstStyle/>
-            <a:p>
-              <a:pPr algn="ctr"/>
-              <a:endParaRPr lang="en-US"/>
-            </a:p>
-          </p:txBody>
-        </p:sp>
-        <p:sp>
-          <p:nvSpPr>
-            <p:cNvPr id="13" name="Rectangle 12">
-              <a:extLst>
-                <a:ext uri="{FF2B5EF4-FFF2-40B4-BE49-F238E27FC236}">
-                  <a16:creationId xmlns:a16="http://schemas.microsoft.com/office/drawing/2014/main" id="{8776751E-B197-4182-95E7-62121266B03C}"/>
-                </a:ext>
-                <a:ext uri="{C183D7F6-B498-43B3-948B-1728B52AA6E4}">
-                  <adec:decorative xmlns:adec="http://schemas.microsoft.com/office/drawing/2017/decorative" val="1"/>
-                </a:ext>
-              </a:extLst>
-            </p:cNvPr>
-            <p:cNvSpPr/>
-            <p:nvPr>
-              <p:extLst>
-                <p:ext uri="{386F3935-93C4-4BCD-93E2-E3B085C9AB24}">
-                  <p16:designElem xmlns:p16="http://schemas.microsoft.com/office/powerpoint/2015/main" val="1"/>
-                </p:ext>
-              </p:extLst>
-            </p:nvPr>
-          </p:nvSpPr>
-          <p:spPr>
-            <a:xfrm>
-              <a:off x="7807231" y="2026142"/>
-              <a:ext cx="3251250" cy="3440203"/>
-            </a:xfrm>
-            <a:prstGeom prst="rect">
-              <a:avLst/>
-            </a:prstGeom>
-            <a:solidFill>
-              <a:schemeClr val="bg1"/>
-            </a:solidFill>
-            <a:ln w="76200" cmpd="sng">
-              <a:solidFill>
-                <a:srgbClr val="191919"/>
-              </a:solidFill>
-              <a:miter lim="800000"/>
-            </a:ln>
-            <a:effectLst>
-              <a:innerShdw blurRad="63500" dist="88900" dir="14100000">
-                <a:srgbClr val="000000">
-                  <a:alpha val="30000"/>
-                </a:srgbClr>
-              </a:innerShdw>
-            </a:effectLst>
-            <a:scene3d>
-              <a:camera prst="orthographicFront"/>
-              <a:lightRig rig="threePt" dir="t"/>
-            </a:scene3d>
-            <a:sp3d>
-              <a:bevelT w="38100" h="38100" prst="relaxedInset"/>
-            </a:sp3d>
-          </p:spPr>
-          <p:style>
-            <a:lnRef idx="1">
-              <a:schemeClr val="accent1"/>
-            </a:lnRef>
-            <a:fillRef idx="3">
-              <a:schemeClr val="accent1"/>
-            </a:fillRef>
-            <a:effectRef idx="2">
-              <a:schemeClr val="accent1"/>
-            </a:effectRef>
-            <a:fontRef idx="minor">
-              <a:schemeClr val="lt1"/>
-            </a:fontRef>
-          </p:style>
-          <p:txBody>
-            <a:bodyPr rtlCol="0" anchor="ctr"/>
-            <a:lstStyle/>
-            <a:p>
-              <a:pPr algn="ctr"/>
-              <a:endParaRPr lang="en-US"/>
-            </a:p>
-          </p:txBody>
-        </p:sp>
-      </p:grpSp>
-      <p:pic>
-        <p:nvPicPr>
-          <p:cNvPr id="4" name="Content Placeholder 3">
-            <a:extLst>
-              <a:ext uri="{FF2B5EF4-FFF2-40B4-BE49-F238E27FC236}">
-                <a16:creationId xmlns:a16="http://schemas.microsoft.com/office/drawing/2014/main" id="{3FB926A8-F791-823E-84D8-FFA553CF67BA}"/>
-              </a:ext>
-            </a:extLst>
-          </p:cNvPr>
-          <p:cNvPicPr>
-            <a:picLocks noChangeAspect="1"/>
-          </p:cNvPicPr>
-          <p:nvPr/>
-        </p:nvPicPr>
-        <p:blipFill>
-          <a:blip r:embed="rId2"/>
-          <a:stretch>
-            <a:fillRect/>
-          </a:stretch>
-        </p:blipFill>
-        <p:spPr>
-          <a:xfrm>
-            <a:off x="1635739" y="2242676"/>
-            <a:ext cx="4613872" cy="2987482"/>
-          </a:xfrm>
-          <a:prstGeom prst="rect">
-            <a:avLst/>
-          </a:prstGeom>
-        </p:spPr>
-      </p:pic>
-      <p:sp>
-        <p:nvSpPr>
-          <p:cNvPr id="8" name="Content Placeholder 7">
-            <a:extLst>
-              <a:ext uri="{FF2B5EF4-FFF2-40B4-BE49-F238E27FC236}">
-                <a16:creationId xmlns:a16="http://schemas.microsoft.com/office/drawing/2014/main" id="{0E92CFD8-ECAC-B95A-A24A-2C3ADC36A717}"/>
-              </a:ext>
-            </a:extLst>
-          </p:cNvPr>
-          <p:cNvSpPr>
-            <a:spLocks noGrp="1"/>
-          </p:cNvSpPr>
-          <p:nvPr>
-            <p:ph idx="1"/>
-          </p:nvPr>
-        </p:nvSpPr>
-        <p:spPr>
-          <a:xfrm>
-            <a:off x="6903337" y="2015734"/>
-            <a:ext cx="4158849" cy="3450613"/>
-          </a:xfrm>
-        </p:spPr>
-        <p:txBody>
-          <a:bodyPr>
-            <a:normAutofit/>
-          </a:bodyPr>
-          <a:lstStyle/>
-          <a:p>
-            <a:r>
-              <a:rPr lang="en-US" dirty="0"/>
-              <a:t>Decision thresholds inform the model the minimum probability needed to be classified as a Click</a:t>
-            </a:r>
-          </a:p>
-          <a:p>
-            <a:r>
-              <a:rPr lang="en-US" dirty="0"/>
-              <a:t>We optimize profit at 17% with a margin of $.052/email</a:t>
-            </a:r>
-          </a:p>
-          <a:p>
-            <a:pPr lvl="1"/>
-            <a:r>
-              <a:rPr lang="en-US" dirty="0"/>
-              <a:t>Graph shows18% would have optimized </a:t>
-            </a:r>
-            <a:r>
-              <a:rPr lang="en-US" i="1" dirty="0"/>
-              <a:t>test</a:t>
-            </a:r>
-            <a:r>
-              <a:rPr lang="en-US" dirty="0"/>
-              <a:t> set</a:t>
-            </a:r>
-          </a:p>
-          <a:p>
-            <a:pPr lvl="2"/>
-            <a:r>
-              <a:rPr lang="en-US" dirty="0"/>
-              <a:t>Indicates strong model performance on unseen data</a:t>
-            </a:r>
-          </a:p>
-          <a:p>
-            <a:pPr lvl="1"/>
-            <a:endParaRPr lang="en-US" dirty="0"/>
-          </a:p>
-        </p:txBody>
-      </p:sp>
-    </p:spTree>
-    <p:extLst>
-      <p:ext uri="{BB962C8B-B14F-4D97-AF65-F5344CB8AC3E}">
-        <p14:creationId xmlns:p14="http://schemas.microsoft.com/office/powerpoint/2010/main" val="3861785811"/>
-      </p:ext>
-    </p:extLst>
-  </p:cSld>
-  <p:clrMapOvr>
-    <a:masterClrMapping/>
-  </p:clrMapOvr>
-</p:sld>
-</file>
-
-<file path=ppt/slides/slide28.xml><?xml version="1.0" encoding="utf-8"?>
-<p:sld xmlns:a="http://schemas.openxmlformats.org/drawingml/2006/main" xmlns:r="http://schemas.openxmlformats.org/officeDocument/2006/relationships" xmlns:p="http://schemas.openxmlformats.org/presentationml/2006/main">
+<file path=ppt/slides/slide3.xml><?xml version="1.0" encoding="utf-8"?>
+<p:sld xmlns:a="http://schemas.openxmlformats.org/drawingml/2006/main" xmlns:r="http://schemas.openxmlformats.org/officeDocument/2006/relationships" xmlns:p="http://schemas.openxmlformats.org/presentationml/2006/main" show="0">
   <p:cSld>
     <p:spTree>
       <p:nvGrpSpPr>
@@ -10737,7 +14018,7 @@
           <p:cNvPr id="2" name="Title 1">
             <a:extLst>
               <a:ext uri="{FF2B5EF4-FFF2-40B4-BE49-F238E27FC236}">
-                <a16:creationId xmlns:a16="http://schemas.microsoft.com/office/drawing/2014/main" id="{6CFD27CD-5D75-8B0A-BEC8-F3C3096AFEC1}"/>
+                <a16:creationId xmlns:a16="http://schemas.microsoft.com/office/drawing/2014/main" id="{03477273-FBEC-7989-16CE-69AE8945CB04}"/>
               </a:ext>
             </a:extLst>
           </p:cNvPr>
@@ -10755,85 +14036,179 @@
           <a:p>
             <a:r>
               <a:rPr lang="en-US" dirty="0"/>
-              <a:t>Probability and Expected Profit</a:t>
-            </a:r>
-            <a:br>
-              <a:rPr lang="en-US" dirty="0"/>
-            </a:br>
-            <a:r>
-              <a:rPr lang="en-US" sz="2400" dirty="0"/>
-              <a:t>Why threshold matters</a:t>
-            </a:r>
-            <a:endParaRPr lang="en-US" dirty="0"/>
-          </a:p>
-        </p:txBody>
-      </p:sp>
-      <p:pic>
-        <p:nvPicPr>
-          <p:cNvPr id="4" name="Content Placeholder 3">
+              <a:t>Agenda</a:t>
+            </a:r>
+          </a:p>
+        </p:txBody>
+      </p:sp>
+      <p:sp>
+        <p:nvSpPr>
+          <p:cNvPr id="3" name="Content Placeholder 2">
             <a:extLst>
               <a:ext uri="{FF2B5EF4-FFF2-40B4-BE49-F238E27FC236}">
-                <a16:creationId xmlns:a16="http://schemas.microsoft.com/office/drawing/2014/main" id="{3EDC97B0-5BB2-B104-4EE8-2809D56BCE9D}"/>
+                <a16:creationId xmlns:a16="http://schemas.microsoft.com/office/drawing/2014/main" id="{7935E094-63B3-9AF0-2947-8183516376E8}"/>
               </a:ext>
             </a:extLst>
           </p:cNvPr>
-          <p:cNvPicPr>
-            <a:picLocks noGrp="1" noChangeAspect="1"/>
-          </p:cNvPicPr>
+          <p:cNvSpPr>
+            <a:spLocks noGrp="1"/>
+          </p:cNvSpPr>
           <p:nvPr>
             <p:ph idx="1"/>
           </p:nvPr>
-        </p:nvPicPr>
-        <p:blipFill>
-          <a:blip r:embed="rId2"/>
-          <a:stretch>
-            <a:fillRect/>
-          </a:stretch>
-        </p:blipFill>
-        <p:spPr>
-          <a:xfrm>
-            <a:off x="1451579" y="1893009"/>
-            <a:ext cx="9604375" cy="1969097"/>
-          </a:xfrm>
-          <a:prstGeom prst="rect">
-            <a:avLst/>
-          </a:prstGeom>
-        </p:spPr>
-      </p:pic>
-      <p:pic>
-        <p:nvPicPr>
-          <p:cNvPr id="6" name="Picture 5">
-            <a:extLst>
-              <a:ext uri="{FF2B5EF4-FFF2-40B4-BE49-F238E27FC236}">
-                <a16:creationId xmlns:a16="http://schemas.microsoft.com/office/drawing/2014/main" id="{4EDD935D-0CE2-A7C7-2B2C-526BC7ED9E9E}"/>
-              </a:ext>
-            </a:extLst>
-          </p:cNvPr>
-          <p:cNvPicPr>
-            <a:picLocks noChangeAspect="1"/>
-          </p:cNvPicPr>
-          <p:nvPr/>
-        </p:nvPicPr>
-        <p:blipFill>
-          <a:blip r:embed="rId3"/>
-          <a:stretch>
-            <a:fillRect/>
-          </a:stretch>
-        </p:blipFill>
-        <p:spPr>
-          <a:xfrm>
-            <a:off x="1451579" y="3865722"/>
-            <a:ext cx="9604370" cy="1969096"/>
-          </a:xfrm>
-          <a:prstGeom prst="rect">
-            <a:avLst/>
-          </a:prstGeom>
-        </p:spPr>
-      </p:pic>
+        </p:nvSpPr>
+        <p:spPr/>
+        <p:txBody>
+          <a:bodyPr>
+            <a:noAutofit/>
+          </a:bodyPr>
+          <a:lstStyle/>
+          <a:p>
+            <a:pPr marL="285750" indent="-285750">
+              <a:buFont typeface="+mj-lt"/>
+              <a:buAutoNum type="romanUcPeriod"/>
+            </a:pPr>
+            <a:r>
+              <a:rPr lang="en-US" sz="1000" dirty="0"/>
+              <a:t>Results Summary</a:t>
+            </a:r>
+          </a:p>
+          <a:p>
+            <a:pPr marL="742950" lvl="1" indent="-285750">
+              <a:buFont typeface="+mj-lt"/>
+              <a:buAutoNum type="romanUcPeriod"/>
+            </a:pPr>
+            <a:r>
+              <a:rPr lang="en-US" sz="1000" dirty="0"/>
+              <a:t>Brief lookahead at our results</a:t>
+            </a:r>
+          </a:p>
+          <a:p>
+            <a:pPr marL="285750" indent="-285750">
+              <a:buFont typeface="+mj-lt"/>
+              <a:buAutoNum type="romanUcPeriod"/>
+            </a:pPr>
+            <a:r>
+              <a:rPr lang="en-US" sz="1000" dirty="0"/>
+              <a:t>Analysis Deep Dive</a:t>
+            </a:r>
+          </a:p>
+          <a:p>
+            <a:pPr marL="742950" lvl="1" indent="-285750">
+              <a:buFont typeface="+mj-lt"/>
+              <a:buAutoNum type="romanUcPeriod"/>
+            </a:pPr>
+            <a:r>
+              <a:rPr lang="en-US" sz="1000" dirty="0"/>
+              <a:t>Understanding our Data + Click Rate Patterns</a:t>
+            </a:r>
+          </a:p>
+          <a:p>
+            <a:pPr marL="1200150" lvl="2" indent="-285750">
+              <a:buFont typeface="+mj-lt"/>
+              <a:buAutoNum type="romanUcPeriod"/>
+            </a:pPr>
+            <a:r>
+              <a:rPr lang="en-US" sz="1000" dirty="0"/>
+              <a:t>Look at CR disparities across individual features</a:t>
+            </a:r>
+          </a:p>
+          <a:p>
+            <a:pPr marL="1200150" lvl="2" indent="-285750">
+              <a:buFont typeface="+mj-lt"/>
+              <a:buAutoNum type="romanUcPeriod"/>
+            </a:pPr>
+            <a:r>
+              <a:rPr lang="en-US" sz="1000" dirty="0"/>
+              <a:t>Visualize feature interactivity pertaining to CR</a:t>
+            </a:r>
+          </a:p>
+          <a:p>
+            <a:pPr marL="742950" lvl="1" indent="-285750">
+              <a:buFont typeface="+mj-lt"/>
+              <a:buAutoNum type="romanUcPeriod"/>
+            </a:pPr>
+            <a:r>
+              <a:rPr lang="en-US" sz="1000" dirty="0"/>
+              <a:t>Machine Learning: Comparing models and understanding lift from baseline</a:t>
+            </a:r>
+          </a:p>
+          <a:p>
+            <a:pPr marL="1200150" lvl="2" indent="-285750">
+              <a:buFont typeface="+mj-lt"/>
+              <a:buAutoNum type="romanUcPeriod"/>
+            </a:pPr>
+            <a:r>
+              <a:rPr lang="en-US" sz="1000" dirty="0"/>
+              <a:t>What is our goal with ML in the context of this problem?</a:t>
+            </a:r>
+          </a:p>
+          <a:p>
+            <a:pPr marL="1200150" lvl="2" indent="-285750">
+              <a:buFont typeface="+mj-lt"/>
+              <a:buAutoNum type="romanUcPeriod"/>
+            </a:pPr>
+            <a:r>
+              <a:rPr lang="en-US" sz="1000" dirty="0"/>
+              <a:t>How do we define success when building a predictive model?</a:t>
+            </a:r>
+          </a:p>
+          <a:p>
+            <a:pPr marL="1200150" lvl="2" indent="-285750">
+              <a:buFont typeface="+mj-lt"/>
+              <a:buAutoNum type="romanUcPeriod"/>
+            </a:pPr>
+            <a:r>
+              <a:rPr lang="en-US" sz="1000" dirty="0"/>
+              <a:t>Comparing model performance: Feature importance, Profit Margin</a:t>
+            </a:r>
+          </a:p>
+          <a:p>
+            <a:pPr marL="285750" indent="-285750">
+              <a:buFont typeface="+mj-lt"/>
+              <a:buAutoNum type="romanUcPeriod"/>
+            </a:pPr>
+            <a:r>
+              <a:rPr lang="en-US" sz="1000" dirty="0"/>
+              <a:t>Conclusion</a:t>
+            </a:r>
+          </a:p>
+          <a:p>
+            <a:pPr marL="742950" lvl="1" indent="-285750">
+              <a:buFont typeface="+mj-lt"/>
+              <a:buAutoNum type="romanUcPeriod"/>
+            </a:pPr>
+            <a:r>
+              <a:rPr lang="en-US" sz="1000" dirty="0"/>
+              <a:t>Next Steps</a:t>
+            </a:r>
+          </a:p>
+          <a:p>
+            <a:pPr marL="742950" lvl="1" indent="-285750">
+              <a:buFont typeface="+mj-lt"/>
+              <a:buAutoNum type="romanUcPeriod"/>
+            </a:pPr>
+            <a:r>
+              <a:rPr lang="en-US" sz="1000" dirty="0"/>
+              <a:t>Implementation</a:t>
+            </a:r>
+          </a:p>
+          <a:p>
+            <a:pPr marL="742950" lvl="1" indent="-285750">
+              <a:buFont typeface="+mj-lt"/>
+              <a:buAutoNum type="romanUcPeriod"/>
+            </a:pPr>
+            <a:r>
+              <a:rPr lang="en-US" sz="1000" dirty="0"/>
+              <a:t>Follow up thoughts</a:t>
+            </a:r>
+          </a:p>
+        </p:txBody>
+      </p:sp>
     </p:spTree>
     <p:extLst>
       <p:ext uri="{BB962C8B-B14F-4D97-AF65-F5344CB8AC3E}">
-        <p14:creationId xmlns:p14="http://schemas.microsoft.com/office/powerpoint/2010/main" val="3279049669"/>
+        <p14:creationId xmlns:p14="http://schemas.microsoft.com/office/powerpoint/2010/main" val="2120966692"/>
       </p:ext>
     </p:extLst>
   </p:cSld>
@@ -10843,7 +14218,7 @@
 </p:sld>
 </file>
 
-<file path=ppt/slides/slide29.xml><?xml version="1.0" encoding="utf-8"?>
+<file path=ppt/slides/slide30.xml><?xml version="1.0" encoding="utf-8"?>
 <p:sld xmlns:a="http://schemas.openxmlformats.org/drawingml/2006/main" xmlns:r="http://schemas.openxmlformats.org/officeDocument/2006/relationships" xmlns:p="http://schemas.openxmlformats.org/presentationml/2006/main">
   <p:cSld>
     <p:bg>
@@ -11193,7 +14568,7 @@
           <a:p>
             <a:r>
               <a:rPr lang="en-US" dirty="0"/>
-              <a:t>Note we did not use all features from data set</a:t>
+              <a:t>Note we did not use all features from data set!</a:t>
             </a:r>
           </a:p>
         </p:txBody>
@@ -11211,229 +14586,7 @@
 </p:sld>
 </file>
 
-<file path=ppt/slides/slide3.xml><?xml version="1.0" encoding="utf-8"?>
-<p:sld xmlns:a="http://schemas.openxmlformats.org/drawingml/2006/main" xmlns:r="http://schemas.openxmlformats.org/officeDocument/2006/relationships" xmlns:p="http://schemas.openxmlformats.org/presentationml/2006/main">
-  <p:cSld>
-    <p:spTree>
-      <p:nvGrpSpPr>
-        <p:cNvPr id="1" name=""/>
-        <p:cNvGrpSpPr/>
-        <p:nvPr/>
-      </p:nvGrpSpPr>
-      <p:grpSpPr>
-        <a:xfrm>
-          <a:off x="0" y="0"/>
-          <a:ext cx="0" cy="0"/>
-          <a:chOff x="0" y="0"/>
-          <a:chExt cx="0" cy="0"/>
-        </a:xfrm>
-      </p:grpSpPr>
-      <p:sp>
-        <p:nvSpPr>
-          <p:cNvPr id="2" name="Title 1">
-            <a:extLst>
-              <a:ext uri="{FF2B5EF4-FFF2-40B4-BE49-F238E27FC236}">
-                <a16:creationId xmlns:a16="http://schemas.microsoft.com/office/drawing/2014/main" id="{03477273-FBEC-7989-16CE-69AE8945CB04}"/>
-              </a:ext>
-            </a:extLst>
-          </p:cNvPr>
-          <p:cNvSpPr>
-            <a:spLocks noGrp="1"/>
-          </p:cNvSpPr>
-          <p:nvPr>
-            <p:ph type="title"/>
-          </p:nvPr>
-        </p:nvSpPr>
-        <p:spPr/>
-        <p:txBody>
-          <a:bodyPr/>
-          <a:lstStyle/>
-          <a:p>
-            <a:r>
-              <a:rPr lang="en-US" dirty="0"/>
-              <a:t>Agenda</a:t>
-            </a:r>
-          </a:p>
-        </p:txBody>
-      </p:sp>
-      <p:sp>
-        <p:nvSpPr>
-          <p:cNvPr id="3" name="Content Placeholder 2">
-            <a:extLst>
-              <a:ext uri="{FF2B5EF4-FFF2-40B4-BE49-F238E27FC236}">
-                <a16:creationId xmlns:a16="http://schemas.microsoft.com/office/drawing/2014/main" id="{7935E094-63B3-9AF0-2947-8183516376E8}"/>
-              </a:ext>
-            </a:extLst>
-          </p:cNvPr>
-          <p:cNvSpPr>
-            <a:spLocks noGrp="1"/>
-          </p:cNvSpPr>
-          <p:nvPr>
-            <p:ph idx="1"/>
-          </p:nvPr>
-        </p:nvSpPr>
-        <p:spPr/>
-        <p:txBody>
-          <a:bodyPr>
-            <a:noAutofit/>
-          </a:bodyPr>
-          <a:lstStyle/>
-          <a:p>
-            <a:pPr marL="285750" indent="-285750">
-              <a:buFont typeface="+mj-lt"/>
-              <a:buAutoNum type="romanUcPeriod"/>
-            </a:pPr>
-            <a:r>
-              <a:rPr lang="en-US" sz="1000" dirty="0"/>
-              <a:t>Results Summary</a:t>
-            </a:r>
-          </a:p>
-          <a:p>
-            <a:pPr marL="742950" lvl="1" indent="-285750">
-              <a:buFont typeface="+mj-lt"/>
-              <a:buAutoNum type="romanUcPeriod"/>
-            </a:pPr>
-            <a:r>
-              <a:rPr lang="en-US" sz="1000" dirty="0"/>
-              <a:t>Brief lookahead at our results</a:t>
-            </a:r>
-          </a:p>
-          <a:p>
-            <a:pPr marL="285750" indent="-285750">
-              <a:buFont typeface="+mj-lt"/>
-              <a:buAutoNum type="romanUcPeriod"/>
-            </a:pPr>
-            <a:r>
-              <a:rPr lang="en-US" sz="1000" dirty="0"/>
-              <a:t>Analysis Deep Dive</a:t>
-            </a:r>
-          </a:p>
-          <a:p>
-            <a:pPr marL="742950" lvl="1" indent="-285750">
-              <a:buFont typeface="+mj-lt"/>
-              <a:buAutoNum type="romanUcPeriod"/>
-            </a:pPr>
-            <a:r>
-              <a:rPr lang="en-US" sz="1000" dirty="0"/>
-              <a:t>Understanding our Data + Click Rate Patterns</a:t>
-            </a:r>
-          </a:p>
-          <a:p>
-            <a:pPr marL="1200150" lvl="2" indent="-285750">
-              <a:buFont typeface="+mj-lt"/>
-              <a:buAutoNum type="romanUcPeriod"/>
-            </a:pPr>
-            <a:r>
-              <a:rPr lang="en-US" sz="1000" dirty="0"/>
-              <a:t>Look at CR disparities across individual features</a:t>
-            </a:r>
-          </a:p>
-          <a:p>
-            <a:pPr marL="1200150" lvl="2" indent="-285750">
-              <a:buFont typeface="+mj-lt"/>
-              <a:buAutoNum type="romanUcPeriod"/>
-            </a:pPr>
-            <a:r>
-              <a:rPr lang="en-US" sz="1000" dirty="0"/>
-              <a:t>Visualize feature interactivity pertaining to CR</a:t>
-            </a:r>
-          </a:p>
-          <a:p>
-            <a:pPr marL="742950" lvl="1" indent="-285750">
-              <a:buFont typeface="+mj-lt"/>
-              <a:buAutoNum type="romanUcPeriod"/>
-            </a:pPr>
-            <a:r>
-              <a:rPr lang="en-US" sz="1000" dirty="0"/>
-              <a:t>Machine Learning: Comparing models and understanding lift from baseline</a:t>
-            </a:r>
-          </a:p>
-          <a:p>
-            <a:pPr marL="1200150" lvl="2" indent="-285750">
-              <a:buFont typeface="+mj-lt"/>
-              <a:buAutoNum type="romanUcPeriod"/>
-            </a:pPr>
-            <a:r>
-              <a:rPr lang="en-US" sz="1000" dirty="0"/>
-              <a:t>What is our goal with ML in the context of this problem?</a:t>
-            </a:r>
-          </a:p>
-          <a:p>
-            <a:pPr marL="1200150" lvl="2" indent="-285750">
-              <a:buFont typeface="+mj-lt"/>
-              <a:buAutoNum type="romanUcPeriod"/>
-            </a:pPr>
-            <a:r>
-              <a:rPr lang="en-US" sz="1000" dirty="0"/>
-              <a:t>How do we define success when building a predictive model?</a:t>
-            </a:r>
-          </a:p>
-          <a:p>
-            <a:pPr marL="1200150" lvl="2" indent="-285750">
-              <a:buFont typeface="+mj-lt"/>
-              <a:buAutoNum type="romanUcPeriod"/>
-            </a:pPr>
-            <a:r>
-              <a:rPr lang="en-US" sz="1000" dirty="0"/>
-              <a:t>Comparing model performance: Feature importance, Profit Margin</a:t>
-            </a:r>
-          </a:p>
-          <a:p>
-            <a:pPr marL="285750" indent="-285750">
-              <a:buFont typeface="+mj-lt"/>
-              <a:buAutoNum type="romanUcPeriod"/>
-            </a:pPr>
-            <a:r>
-              <a:rPr lang="en-US" sz="1000" dirty="0"/>
-              <a:t>Conclusion</a:t>
-            </a:r>
-          </a:p>
-          <a:p>
-            <a:pPr marL="742950" lvl="1" indent="-285750">
-              <a:buFont typeface="+mj-lt"/>
-              <a:buAutoNum type="romanUcPeriod"/>
-            </a:pPr>
-            <a:r>
-              <a:rPr lang="en-US" sz="1000" dirty="0"/>
-              <a:t>Next Steps</a:t>
-            </a:r>
-          </a:p>
-          <a:p>
-            <a:pPr marL="742950" lvl="1" indent="-285750">
-              <a:buFont typeface="+mj-lt"/>
-              <a:buAutoNum type="romanUcPeriod"/>
-            </a:pPr>
-            <a:r>
-              <a:rPr lang="en-US" sz="1000" dirty="0"/>
-              <a:t>Implementation</a:t>
-            </a:r>
-          </a:p>
-          <a:p>
-            <a:pPr marL="742950" lvl="1" indent="-285750">
-              <a:buFont typeface="+mj-lt"/>
-              <a:buAutoNum type="romanUcPeriod"/>
-            </a:pPr>
-            <a:r>
-              <a:rPr lang="en-US" sz="1000" dirty="0"/>
-              <a:t>Follow up thoughts</a:t>
-            </a:r>
-          </a:p>
-        </p:txBody>
-      </p:sp>
-    </p:spTree>
-    <p:extLst>
-      <p:ext uri="{BB962C8B-B14F-4D97-AF65-F5344CB8AC3E}">
-        <p14:creationId xmlns:p14="http://schemas.microsoft.com/office/powerpoint/2010/main" val="2120966692"/>
-      </p:ext>
-    </p:extLst>
-  </p:cSld>
-  <p:clrMapOvr>
-    <a:masterClrMapping/>
-  </p:clrMapOvr>
-</p:sld>
-</file>
-
-<file path=ppt/slides/slide30.xml><?xml version="1.0" encoding="utf-8"?>
+<file path=ppt/slides/slide31.xml><?xml version="1.0" encoding="utf-8"?>
 <p:sld xmlns:a="http://schemas.openxmlformats.org/drawingml/2006/main" xmlns:r="http://schemas.openxmlformats.org/officeDocument/2006/relationships" xmlns:p="http://schemas.openxmlformats.org/presentationml/2006/main">
   <p:cSld>
     <p:bg>
@@ -11850,92 +15003,6 @@
 </p:sld>
 </file>
 
-<file path=ppt/slides/slide31.xml><?xml version="1.0" encoding="utf-8"?>
-<p:sld xmlns:a="http://schemas.openxmlformats.org/drawingml/2006/main" xmlns:r="http://schemas.openxmlformats.org/officeDocument/2006/relationships" xmlns:p="http://schemas.openxmlformats.org/presentationml/2006/main">
-  <p:cSld>
-    <p:spTree>
-      <p:nvGrpSpPr>
-        <p:cNvPr id="1" name=""/>
-        <p:cNvGrpSpPr/>
-        <p:nvPr/>
-      </p:nvGrpSpPr>
-      <p:grpSpPr>
-        <a:xfrm>
-          <a:off x="0" y="0"/>
-          <a:ext cx="0" cy="0"/>
-          <a:chOff x="0" y="0"/>
-          <a:chExt cx="0" cy="0"/>
-        </a:xfrm>
-      </p:grpSpPr>
-      <p:sp>
-        <p:nvSpPr>
-          <p:cNvPr id="2" name="Title 1">
-            <a:extLst>
-              <a:ext uri="{FF2B5EF4-FFF2-40B4-BE49-F238E27FC236}">
-                <a16:creationId xmlns:a16="http://schemas.microsoft.com/office/drawing/2014/main" id="{DE38151A-5D13-ACF0-32DD-03C90FDD40AC}"/>
-              </a:ext>
-            </a:extLst>
-          </p:cNvPr>
-          <p:cNvSpPr>
-            <a:spLocks noGrp="1"/>
-          </p:cNvSpPr>
-          <p:nvPr>
-            <p:ph type="title"/>
-          </p:nvPr>
-        </p:nvSpPr>
-        <p:spPr/>
-        <p:txBody>
-          <a:bodyPr/>
-          <a:lstStyle/>
-          <a:p>
-            <a:r>
-              <a:rPr lang="en-US" dirty="0"/>
-              <a:t>Conclusion</a:t>
-            </a:r>
-          </a:p>
-        </p:txBody>
-      </p:sp>
-      <p:sp>
-        <p:nvSpPr>
-          <p:cNvPr id="3" name="Text Placeholder 2">
-            <a:extLst>
-              <a:ext uri="{FF2B5EF4-FFF2-40B4-BE49-F238E27FC236}">
-                <a16:creationId xmlns:a16="http://schemas.microsoft.com/office/drawing/2014/main" id="{D1CFC4C9-E651-B318-6D79-551749DC23A6}"/>
-              </a:ext>
-            </a:extLst>
-          </p:cNvPr>
-          <p:cNvSpPr>
-            <a:spLocks noGrp="1"/>
-          </p:cNvSpPr>
-          <p:nvPr>
-            <p:ph type="body" idx="1"/>
-          </p:nvPr>
-        </p:nvSpPr>
-        <p:spPr/>
-        <p:txBody>
-          <a:bodyPr/>
-          <a:lstStyle/>
-          <a:p>
-            <a:r>
-              <a:rPr lang="en-US" dirty="0"/>
-              <a:t>Next Steps, Recommendations, Follow Ups</a:t>
-            </a:r>
-          </a:p>
-        </p:txBody>
-      </p:sp>
-    </p:spTree>
-    <p:extLst>
-      <p:ext uri="{BB962C8B-B14F-4D97-AF65-F5344CB8AC3E}">
-        <p14:creationId xmlns:p14="http://schemas.microsoft.com/office/powerpoint/2010/main" val="3911632271"/>
-      </p:ext>
-    </p:extLst>
-  </p:cSld>
-  <p:clrMapOvr>
-    <a:masterClrMapping/>
-  </p:clrMapOvr>
-</p:sld>
-</file>
-
 <file path=ppt/slides/slide32.xml><?xml version="1.0" encoding="utf-8"?>
 <p:sld xmlns:a="http://schemas.openxmlformats.org/drawingml/2006/main" xmlns:r="http://schemas.openxmlformats.org/officeDocument/2006/relationships" xmlns:p="http://schemas.openxmlformats.org/presentationml/2006/main">
   <p:cSld>
@@ -12000,7 +15067,7 @@
         <p:spPr/>
         <p:txBody>
           <a:bodyPr>
-            <a:normAutofit fontScale="77500" lnSpcReduction="20000"/>
+            <a:normAutofit/>
           </a:bodyPr>
           <a:lstStyle/>
           <a:p>
@@ -12013,22 +15080,26 @@
             <a:pPr lvl="1"/>
             <a:r>
               <a:rPr lang="en-US" dirty="0"/>
-              <a:t>Use XGBoost model to determine who should be sent an email based on collected data</a:t>
+              <a:t>Use XGBoost model </a:t>
             </a:r>
           </a:p>
           <a:p>
             <a:pPr lvl="1"/>
             <a:r>
               <a:rPr lang="en-US" dirty="0"/>
-              <a:t>Monitor performance of model by collecting click data and observing performance across campaigns</a:t>
+              <a:t>Monitor performance of model </a:t>
             </a:r>
           </a:p>
           <a:p>
             <a:pPr lvl="1"/>
             <a:r>
               <a:rPr lang="en-US" dirty="0"/>
-              <a:t>Improve email design strategy by following the indicated interactivity between features we can control such as Word Count, Source, Type, Subject Hotness, and Campaign</a:t>
-            </a:r>
+              <a:t>Improve email design strategy </a:t>
+            </a:r>
+          </a:p>
+          <a:p>
+            <a:pPr lvl="1"/>
+            <a:endParaRPr lang="en-US" dirty="0"/>
           </a:p>
           <a:p>
             <a:r>
@@ -12040,46 +15111,23 @@
             <a:pPr lvl="1"/>
             <a:r>
               <a:rPr lang="en-US" dirty="0"/>
-              <a:t>We should investigate further whether these models really are the best for this use case</a:t>
+              <a:t>Investigate whether these models </a:t>
+            </a:r>
+            <a:r>
+              <a:rPr lang="en-US" i="1" dirty="0"/>
+              <a:t>really</a:t>
+            </a:r>
+            <a:r>
+              <a:rPr lang="en-US" dirty="0"/>
+              <a:t> are optimal </a:t>
             </a:r>
           </a:p>
           <a:p>
             <a:pPr lvl="1"/>
             <a:r>
               <a:rPr lang="en-US" dirty="0"/>
-              <a:t>Could there be alternative feature engineering methods to extract more signal to boost performance?</a:t>
-            </a:r>
-          </a:p>
-          <a:p>
-            <a:pPr lvl="1"/>
-            <a:r>
-              <a:rPr lang="en-US" dirty="0"/>
               <a:t>What other data would be useful to enhance predictive power?</a:t>
             </a:r>
-          </a:p>
-          <a:p>
-            <a:pPr lvl="2"/>
-            <a:r>
-              <a:rPr lang="en-US" dirty="0"/>
-              <a:t>Historical data on recipient interaction with emails or our product more generally</a:t>
-            </a:r>
-          </a:p>
-          <a:p>
-            <a:pPr lvl="2"/>
-            <a:r>
-              <a:rPr lang="en-US" dirty="0"/>
-              <a:t>Time series information on time of year emails are sent</a:t>
-            </a:r>
-          </a:p>
-          <a:p>
-            <a:pPr lvl="2"/>
-            <a:r>
-              <a:rPr lang="en-US" dirty="0"/>
-              <a:t>Demographic information on who are receiving the emails (so long it follows compliance)</a:t>
-            </a:r>
-          </a:p>
-          <a:p>
-            <a:endParaRPr lang="en-US" dirty="0"/>
           </a:p>
         </p:txBody>
       </p:sp>
@@ -12238,7 +15286,7 @@
             <a:pPr lvl="2"/>
             <a:r>
               <a:rPr lang="en-US" dirty="0"/>
-              <a:t>67% increase in revenue vs baseline</a:t>
+              <a:t>67.4% increase in revenue vs baseline</a:t>
             </a:r>
           </a:p>
           <a:p>
@@ -12489,7 +15537,7 @@
           <p:nvPr/>
         </p:nvPicPr>
         <p:blipFill>
-          <a:blip r:embed="rId2"/>
+          <a:blip r:embed="rId3"/>
           <a:srcRect r="4380" b="-1"/>
           <a:stretch/>
         </p:blipFill>
@@ -12799,7 +15847,7 @@
           <p:nvPr/>
         </p:nvPicPr>
         <p:blipFill>
-          <a:blip r:embed="rId2"/>
+          <a:blip r:embed="rId3"/>
           <a:stretch>
             <a:fillRect/>
           </a:stretch>
@@ -12861,7 +15909,7 @@
               </a:lnSpc>
             </a:pPr>
             <a:r>
-              <a:rPr lang="en-US" sz="1500"/>
+              <a:rPr lang="en-US" sz="1500" dirty="0"/>
               <a:t>19.6% overall click rate for 68k emails sent</a:t>
             </a:r>
           </a:p>
@@ -12872,7 +15920,7 @@
               </a:lnSpc>
             </a:pPr>
             <a:r>
-              <a:rPr lang="en-US" sz="1500"/>
+              <a:rPr lang="en-US" sz="1500" dirty="0"/>
               <a:t>Key data points</a:t>
             </a:r>
           </a:p>
@@ -12883,7 +15931,7 @@
               </a:lnSpc>
             </a:pPr>
             <a:r>
-              <a:rPr lang="en-US" sz="1500"/>
+              <a:rPr lang="en-US" sz="1500" dirty="0"/>
               <a:t>About the Recipient</a:t>
             </a:r>
           </a:p>
@@ -12894,8 +15942,8 @@
               </a:lnSpc>
             </a:pPr>
             <a:r>
-              <a:rPr lang="en-US" sz="1500"/>
-              <a:t>Historical activity</a:t>
+              <a:rPr lang="en-US" sz="1500" dirty="0"/>
+              <a:t>Historical volume</a:t>
             </a:r>
           </a:p>
           <a:p>
@@ -12905,7 +15953,7 @@
               </a:lnSpc>
             </a:pPr>
             <a:r>
-              <a:rPr lang="en-US" sz="1500"/>
+              <a:rPr lang="en-US" sz="1500" dirty="0"/>
               <a:t>Location</a:t>
             </a:r>
           </a:p>
@@ -12916,7 +15964,7 @@
               </a:lnSpc>
             </a:pPr>
             <a:r>
-              <a:rPr lang="en-US" sz="1500"/>
+              <a:rPr lang="en-US" sz="1500" dirty="0"/>
               <a:t>About the Email</a:t>
             </a:r>
           </a:p>
@@ -12927,7 +15975,7 @@
               </a:lnSpc>
             </a:pPr>
             <a:r>
-              <a:rPr lang="en-US" sz="1500"/>
+              <a:rPr lang="en-US" sz="1500" dirty="0"/>
               <a:t>Campaign category</a:t>
             </a:r>
           </a:p>
@@ -12938,7 +15986,7 @@
               </a:lnSpc>
             </a:pPr>
             <a:r>
-              <a:rPr lang="en-US" sz="1500"/>
+              <a:rPr lang="en-US" sz="1500" dirty="0"/>
               <a:t>Type and Source</a:t>
             </a:r>
           </a:p>
@@ -12949,7 +15997,7 @@
               </a:lnSpc>
             </a:pPr>
             <a:r>
-              <a:rPr lang="en-US" sz="1500"/>
+              <a:rPr lang="en-US" sz="1500" dirty="0"/>
               <a:t>Content</a:t>
             </a:r>
           </a:p>
@@ -12960,7 +16008,7 @@
               </a:lnSpc>
             </a:pPr>
             <a:r>
-              <a:rPr lang="en-US" sz="1500"/>
+              <a:rPr lang="en-US" sz="1500" dirty="0"/>
               <a:t>Time Sent</a:t>
             </a:r>
           </a:p>
@@ -12970,7 +16018,7 @@
                 <a:spcPct val="110000"/>
               </a:lnSpc>
             </a:pPr>
-            <a:endParaRPr lang="en-US" sz="1500"/>
+            <a:endParaRPr lang="en-US" sz="1500" dirty="0"/>
           </a:p>
           <a:p>
             <a:pPr>
@@ -12978,7 +16026,7 @@
                 <a:spcPct val="110000"/>
               </a:lnSpc>
             </a:pPr>
-            <a:endParaRPr lang="en-US" sz="1500"/>
+            <a:endParaRPr lang="en-US" sz="1500" dirty="0"/>
           </a:p>
         </p:txBody>
       </p:sp>
@@ -13006,7 +16054,7 @@
           </p:nvPr>
         </p:nvPicPr>
         <p:blipFill rotWithShape="1">
-          <a:blip r:embed="rId3">
+          <a:blip r:embed="rId4">
             <a:extLst>
               <a:ext uri="{28A0092B-C50C-407E-A947-70E740481C1C}">
                 <a14:useLocalDpi xmlns:a14="http://schemas.microsoft.com/office/drawing/2010/main" val="0"/>
@@ -13133,7 +16181,7 @@
           <a:p>
             <a:r>
               <a:rPr lang="en-US" dirty="0"/>
-              <a:t>Click Rate Patterns</a:t>
+              <a:t>Click Through Rate Patterns</a:t>
             </a:r>
           </a:p>
         </p:txBody>
@@ -13161,7 +16209,7 @@
           <a:p>
             <a:r>
               <a:rPr lang="en-US" dirty="0"/>
-              <a:t>Looking at noteworthy Click Rates across individual features.</a:t>
+              <a:t>Looking at CTR across individual features</a:t>
             </a:r>
           </a:p>
         </p:txBody>
@@ -13357,17 +16405,16 @@
           <a:lstStyle/>
           <a:p>
             <a:r>
-              <a:rPr lang="en-US"/>
-              <a:t>Click Probability: </a:t>
+              <a:rPr lang="en-US" dirty="0"/>
+              <a:t>CTR: </a:t>
             </a:r>
             <a:br>
-              <a:rPr lang="en-US"/>
+              <a:rPr lang="en-US" dirty="0"/>
             </a:br>
             <a:r>
-              <a:rPr lang="en-US"/>
+              <a:rPr lang="en-US" dirty="0"/>
               <a:t>Word Count</a:t>
             </a:r>
-            <a:endParaRPr lang="en-US" dirty="0"/>
           </a:p>
         </p:txBody>
       </p:sp>
@@ -13726,7 +16773,7 @@
           <a:p>
             <a:r>
               <a:rPr lang="en-US" dirty="0"/>
-              <a:t>Click Probability:</a:t>
+              <a:t>CTR:</a:t>
             </a:r>
             <a:br>
               <a:rPr lang="en-US" dirty="0"/>
@@ -13942,7 +16989,7 @@
           <p:nvPr/>
         </p:nvPicPr>
         <p:blipFill>
-          <a:blip r:embed="rId2"/>
+          <a:blip r:embed="rId3"/>
           <a:stretch>
             <a:fillRect/>
           </a:stretch>
@@ -14101,16 +17148,15 @@
           <a:p>
             <a:r>
               <a:rPr lang="en-US" dirty="0"/>
-              <a:t>Click Probability:</a:t>
+              <a:t>CTR:</a:t>
             </a:r>
             <a:br>
               <a:rPr lang="en-US" dirty="0"/>
             </a:br>
             <a:r>
-              <a:rPr lang="en-US"/>
+              <a:rPr lang="en-US" dirty="0"/>
               <a:t>Subject Hotness</a:t>
             </a:r>
-            <a:endParaRPr lang="en-US" dirty="0"/>
           </a:p>
         </p:txBody>
       </p:sp>
@@ -14326,7 +17372,7 @@
           <p:nvPr/>
         </p:nvPicPr>
         <p:blipFill>
-          <a:blip r:embed="rId2"/>
+          <a:blip r:embed="rId3"/>
           <a:srcRect t="417" r="3" b="3"/>
           <a:stretch/>
         </p:blipFill>
@@ -14666,4 +17712,319 @@
     </a:ext>
   </a:extLst>
 </a:theme>
+</file>
+
+<file path=ppt/theme/theme2.xml><?xml version="1.0" encoding="utf-8"?>
+<a:theme xmlns:a="http://schemas.openxmlformats.org/drawingml/2006/main" name="Office Theme">
+  <a:themeElements>
+    <a:clrScheme name="Office">
+      <a:dk1>
+        <a:sysClr val="windowText" lastClr="000000"/>
+      </a:dk1>
+      <a:lt1>
+        <a:sysClr val="window" lastClr="FFFFFF"/>
+      </a:lt1>
+      <a:dk2>
+        <a:srgbClr val="0E2841"/>
+      </a:dk2>
+      <a:lt2>
+        <a:srgbClr val="E8E8E8"/>
+      </a:lt2>
+      <a:accent1>
+        <a:srgbClr val="156082"/>
+      </a:accent1>
+      <a:accent2>
+        <a:srgbClr val="E97132"/>
+      </a:accent2>
+      <a:accent3>
+        <a:srgbClr val="196B24"/>
+      </a:accent3>
+      <a:accent4>
+        <a:srgbClr val="0F9ED5"/>
+      </a:accent4>
+      <a:accent5>
+        <a:srgbClr val="A02B93"/>
+      </a:accent5>
+      <a:accent6>
+        <a:srgbClr val="4EA72E"/>
+      </a:accent6>
+      <a:hlink>
+        <a:srgbClr val="467886"/>
+      </a:hlink>
+      <a:folHlink>
+        <a:srgbClr val="96607D"/>
+      </a:folHlink>
+    </a:clrScheme>
+    <a:fontScheme name="Office">
+      <a:majorFont>
+        <a:latin typeface="Aptos Display" panose="02110004020202020204"/>
+        <a:ea typeface=""/>
+        <a:cs typeface=""/>
+        <a:font script="Jpan" typeface="游ゴシック Light"/>
+        <a:font script="Hang" typeface="맑은 고딕"/>
+        <a:font script="Hans" typeface="等线 Light"/>
+        <a:font script="Hant" typeface="新細明體"/>
+        <a:font script="Arab" typeface="Times New Roman"/>
+        <a:font script="Hebr" typeface="Times New Roman"/>
+        <a:font script="Thai" typeface="Angsana New"/>
+        <a:font script="Ethi" typeface="Nyala"/>
+        <a:font script="Beng" typeface="Vrinda"/>
+        <a:font script="Gujr" typeface="Shruti"/>
+        <a:font script="Khmr" typeface="MoolBoran"/>
+        <a:font script="Knda" typeface="Tunga"/>
+        <a:font script="Guru" typeface="Raavi"/>
+        <a:font script="Cans" typeface="Euphemia"/>
+        <a:font script="Cher" typeface="Plantagenet Cherokee"/>
+        <a:font script="Yiii" typeface="Microsoft Yi Baiti"/>
+        <a:font script="Tibt" typeface="Microsoft Himalaya"/>
+        <a:font script="Thaa" typeface="MV Boli"/>
+        <a:font script="Deva" typeface="Mangal"/>
+        <a:font script="Telu" typeface="Gautami"/>
+        <a:font script="Taml" typeface="Latha"/>
+        <a:font script="Syrc" typeface="Estrangelo Edessa"/>
+        <a:font script="Orya" typeface="Kalinga"/>
+        <a:font script="Mlym" typeface="Kartika"/>
+        <a:font script="Laoo" typeface="DokChampa"/>
+        <a:font script="Sinh" typeface="Iskoola Pota"/>
+        <a:font script="Mong" typeface="Mongolian Baiti"/>
+        <a:font script="Viet" typeface="Times New Roman"/>
+        <a:font script="Uigh" typeface="Microsoft Uighur"/>
+        <a:font script="Geor" typeface="Sylfaen"/>
+        <a:font script="Armn" typeface="Arial"/>
+        <a:font script="Bugi" typeface="Leelawadee UI"/>
+        <a:font script="Bopo" typeface="Microsoft JhengHei"/>
+        <a:font script="Java" typeface="Javanese Text"/>
+        <a:font script="Lisu" typeface="Segoe UI"/>
+        <a:font script="Mymr" typeface="Myanmar Text"/>
+        <a:font script="Nkoo" typeface="Ebrima"/>
+        <a:font script="Olck" typeface="Nirmala UI"/>
+        <a:font script="Osma" typeface="Ebrima"/>
+        <a:font script="Phag" typeface="Phagspa"/>
+        <a:font script="Syrn" typeface="Estrangelo Edessa"/>
+        <a:font script="Syrj" typeface="Estrangelo Edessa"/>
+        <a:font script="Syre" typeface="Estrangelo Edessa"/>
+        <a:font script="Sora" typeface="Nirmala UI"/>
+        <a:font script="Tale" typeface="Microsoft Tai Le"/>
+        <a:font script="Talu" typeface="Microsoft New Tai Lue"/>
+        <a:font script="Tfng" typeface="Ebrima"/>
+      </a:majorFont>
+      <a:minorFont>
+        <a:latin typeface="Aptos" panose="02110004020202020204"/>
+        <a:ea typeface=""/>
+        <a:cs typeface=""/>
+        <a:font script="Jpan" typeface="游ゴシック"/>
+        <a:font script="Hang" typeface="맑은 고딕"/>
+        <a:font script="Hans" typeface="等线"/>
+        <a:font script="Hant" typeface="新細明體"/>
+        <a:font script="Arab" typeface="Arial"/>
+        <a:font script="Hebr" typeface="Arial"/>
+        <a:font script="Thai" typeface="Cordia New"/>
+        <a:font script="Ethi" typeface="Nyala"/>
+        <a:font script="Beng" typeface="Vrinda"/>
+        <a:font script="Gujr" typeface="Shruti"/>
+        <a:font script="Khmr" typeface="DaunPenh"/>
+        <a:font script="Knda" typeface="Tunga"/>
+        <a:font script="Guru" typeface="Raavi"/>
+        <a:font script="Cans" typeface="Euphemia"/>
+        <a:font script="Cher" typeface="Plantagenet Cherokee"/>
+        <a:font script="Yiii" typeface="Microsoft Yi Baiti"/>
+        <a:font script="Tibt" typeface="Microsoft Himalaya"/>
+        <a:font script="Thaa" typeface="MV Boli"/>
+        <a:font script="Deva" typeface="Mangal"/>
+        <a:font script="Telu" typeface="Gautami"/>
+        <a:font script="Taml" typeface="Latha"/>
+        <a:font script="Syrc" typeface="Estrangelo Edessa"/>
+        <a:font script="Orya" typeface="Kalinga"/>
+        <a:font script="Mlym" typeface="Kartika"/>
+        <a:font script="Laoo" typeface="DokChampa"/>
+        <a:font script="Sinh" typeface="Iskoola Pota"/>
+        <a:font script="Mong" typeface="Mongolian Baiti"/>
+        <a:font script="Viet" typeface="Arial"/>
+        <a:font script="Uigh" typeface="Microsoft Uighur"/>
+        <a:font script="Geor" typeface="Sylfaen"/>
+        <a:font script="Armn" typeface="Arial"/>
+        <a:font script="Bugi" typeface="Leelawadee UI"/>
+        <a:font script="Bopo" typeface="Microsoft JhengHei"/>
+        <a:font script="Java" typeface="Javanese Text"/>
+        <a:font script="Lisu" typeface="Segoe UI"/>
+        <a:font script="Mymr" typeface="Myanmar Text"/>
+        <a:font script="Nkoo" typeface="Ebrima"/>
+        <a:font script="Olck" typeface="Nirmala UI"/>
+        <a:font script="Osma" typeface="Ebrima"/>
+        <a:font script="Phag" typeface="Phagspa"/>
+        <a:font script="Syrn" typeface="Estrangelo Edessa"/>
+        <a:font script="Syrj" typeface="Estrangelo Edessa"/>
+        <a:font script="Syre" typeface="Estrangelo Edessa"/>
+        <a:font script="Sora" typeface="Nirmala UI"/>
+        <a:font script="Tale" typeface="Microsoft Tai Le"/>
+        <a:font script="Talu" typeface="Microsoft New Tai Lue"/>
+        <a:font script="Tfng" typeface="Ebrima"/>
+      </a:minorFont>
+    </a:fontScheme>
+    <a:fmtScheme name="Office">
+      <a:fillStyleLst>
+        <a:solidFill>
+          <a:schemeClr val="phClr"/>
+        </a:solidFill>
+        <a:gradFill rotWithShape="1">
+          <a:gsLst>
+            <a:gs pos="0">
+              <a:schemeClr val="phClr">
+                <a:lumMod val="110000"/>
+                <a:satMod val="105000"/>
+                <a:tint val="67000"/>
+              </a:schemeClr>
+            </a:gs>
+            <a:gs pos="50000">
+              <a:schemeClr val="phClr">
+                <a:lumMod val="105000"/>
+                <a:satMod val="103000"/>
+                <a:tint val="73000"/>
+              </a:schemeClr>
+            </a:gs>
+            <a:gs pos="100000">
+              <a:schemeClr val="phClr">
+                <a:lumMod val="105000"/>
+                <a:satMod val="109000"/>
+                <a:tint val="81000"/>
+              </a:schemeClr>
+            </a:gs>
+          </a:gsLst>
+          <a:lin ang="5400000" scaled="0"/>
+        </a:gradFill>
+        <a:gradFill rotWithShape="1">
+          <a:gsLst>
+            <a:gs pos="0">
+              <a:schemeClr val="phClr">
+                <a:satMod val="103000"/>
+                <a:lumMod val="102000"/>
+                <a:tint val="94000"/>
+              </a:schemeClr>
+            </a:gs>
+            <a:gs pos="50000">
+              <a:schemeClr val="phClr">
+                <a:satMod val="110000"/>
+                <a:lumMod val="100000"/>
+                <a:shade val="100000"/>
+              </a:schemeClr>
+            </a:gs>
+            <a:gs pos="100000">
+              <a:schemeClr val="phClr">
+                <a:lumMod val="99000"/>
+                <a:satMod val="120000"/>
+                <a:shade val="78000"/>
+              </a:schemeClr>
+            </a:gs>
+          </a:gsLst>
+          <a:lin ang="5400000" scaled="0"/>
+        </a:gradFill>
+      </a:fillStyleLst>
+      <a:lnStyleLst>
+        <a:ln w="12700" cap="flat" cmpd="sng" algn="ctr">
+          <a:solidFill>
+            <a:schemeClr val="phClr"/>
+          </a:solidFill>
+          <a:prstDash val="solid"/>
+          <a:miter lim="800000"/>
+        </a:ln>
+        <a:ln w="19050" cap="flat" cmpd="sng" algn="ctr">
+          <a:solidFill>
+            <a:schemeClr val="phClr"/>
+          </a:solidFill>
+          <a:prstDash val="solid"/>
+          <a:miter lim="800000"/>
+        </a:ln>
+        <a:ln w="25400" cap="flat" cmpd="sng" algn="ctr">
+          <a:solidFill>
+            <a:schemeClr val="phClr"/>
+          </a:solidFill>
+          <a:prstDash val="solid"/>
+          <a:miter lim="800000"/>
+        </a:ln>
+      </a:lnStyleLst>
+      <a:effectStyleLst>
+        <a:effectStyle>
+          <a:effectLst/>
+        </a:effectStyle>
+        <a:effectStyle>
+          <a:effectLst/>
+        </a:effectStyle>
+        <a:effectStyle>
+          <a:effectLst>
+            <a:outerShdw blurRad="57150" dist="19050" dir="5400000" algn="ctr" rotWithShape="0">
+              <a:srgbClr val="000000">
+                <a:alpha val="63000"/>
+              </a:srgbClr>
+            </a:outerShdw>
+          </a:effectLst>
+        </a:effectStyle>
+      </a:effectStyleLst>
+      <a:bgFillStyleLst>
+        <a:solidFill>
+          <a:schemeClr val="phClr"/>
+        </a:solidFill>
+        <a:solidFill>
+          <a:schemeClr val="phClr">
+            <a:tint val="95000"/>
+            <a:satMod val="170000"/>
+          </a:schemeClr>
+        </a:solidFill>
+        <a:gradFill rotWithShape="1">
+          <a:gsLst>
+            <a:gs pos="0">
+              <a:schemeClr val="phClr">
+                <a:tint val="93000"/>
+                <a:satMod val="150000"/>
+                <a:shade val="98000"/>
+                <a:lumMod val="102000"/>
+              </a:schemeClr>
+            </a:gs>
+            <a:gs pos="50000">
+              <a:schemeClr val="phClr">
+                <a:tint val="98000"/>
+                <a:satMod val="130000"/>
+                <a:shade val="90000"/>
+                <a:lumMod val="103000"/>
+              </a:schemeClr>
+            </a:gs>
+            <a:gs pos="100000">
+              <a:schemeClr val="phClr">
+                <a:shade val="63000"/>
+                <a:satMod val="120000"/>
+              </a:schemeClr>
+            </a:gs>
+          </a:gsLst>
+          <a:lin ang="5400000" scaled="0"/>
+        </a:gradFill>
+      </a:bgFillStyleLst>
+    </a:fmtScheme>
+  </a:themeElements>
+  <a:objectDefaults>
+    <a:lnDef>
+      <a:spPr/>
+      <a:bodyPr/>
+      <a:lstStyle/>
+      <a:style>
+        <a:lnRef idx="2">
+          <a:schemeClr val="accent1"/>
+        </a:lnRef>
+        <a:fillRef idx="0">
+          <a:schemeClr val="accent1"/>
+        </a:fillRef>
+        <a:effectRef idx="1">
+          <a:schemeClr val="accent1"/>
+        </a:effectRef>
+        <a:fontRef idx="minor">
+          <a:schemeClr val="tx1"/>
+        </a:fontRef>
+      </a:style>
+    </a:lnDef>
+  </a:objectDefaults>
+  <a:extraClrSchemeLst/>
+  <a:extLst>
+    <a:ext uri="{05A4C25C-085E-4340-85A3-A5531E510DB2}">
+      <thm15:themeFamily xmlns:thm15="http://schemas.microsoft.com/office/thememl/2012/main" name="Office Theme" id="{2E142A2C-CD16-42D6-873A-C26D2A0506FA}" vid="{1BDDFF52-6CD6-40A5-AB3C-68EB2F1E4D0A}"/>
+    </a:ext>
+  </a:extLst>
+</a:theme>
 </file>